--- a/topic11/talk-01/Authentication with JWT.pptx
+++ b/topic11/talk-01/Authentication with JWT.pptx
@@ -3989,7 +3989,7 @@
           <a:p>
             <a:fld id="{C9356069-4FA2-45C3-A84D-51090EC42BAD}" type="datetimeFigureOut">
               <a:rPr lang="en-IE" smtClean="0"/>
-              <a:t>30/03/2020</a:t>
+              <a:t>31/03/2020</a:t>
             </a:fld>
             <a:endParaRPr lang="en-IE"/>
           </a:p>
@@ -4916,7 +4916,7 @@
           <a:p>
             <a:fld id="{846CE7D5-CF57-46EF-B807-FDD0502418D4}" type="datetimeFigureOut">
               <a:rPr lang="en-US" smtClean="0"/>
-              <a:t>3/30/2020</a:t>
+              <a:t>3/31/2020</a:t>
             </a:fld>
             <a:endParaRPr lang="en-US"/>
           </a:p>
@@ -5084,7 +5084,7 @@
           <a:p>
             <a:fld id="{846CE7D5-CF57-46EF-B807-FDD0502418D4}" type="datetimeFigureOut">
               <a:rPr lang="en-US" smtClean="0"/>
-              <a:t>3/30/2020</a:t>
+              <a:t>3/31/2020</a:t>
             </a:fld>
             <a:endParaRPr lang="en-US"/>
           </a:p>
@@ -5262,7 +5262,7 @@
           <a:p>
             <a:fld id="{846CE7D5-CF57-46EF-B807-FDD0502418D4}" type="datetimeFigureOut">
               <a:rPr lang="en-US" smtClean="0"/>
-              <a:t>3/30/2020</a:t>
+              <a:t>3/31/2020</a:t>
             </a:fld>
             <a:endParaRPr lang="en-US"/>
           </a:p>
@@ -5430,7 +5430,7 @@
           <a:p>
             <a:fld id="{846CE7D5-CF57-46EF-B807-FDD0502418D4}" type="datetimeFigureOut">
               <a:rPr lang="en-US" smtClean="0"/>
-              <a:t>3/30/2020</a:t>
+              <a:t>3/31/2020</a:t>
             </a:fld>
             <a:endParaRPr lang="en-US"/>
           </a:p>
@@ -5675,7 +5675,7 @@
           <a:p>
             <a:fld id="{846CE7D5-CF57-46EF-B807-FDD0502418D4}" type="datetimeFigureOut">
               <a:rPr lang="en-US" smtClean="0"/>
-              <a:t>3/30/2020</a:t>
+              <a:t>3/31/2020</a:t>
             </a:fld>
             <a:endParaRPr lang="en-US"/>
           </a:p>
@@ -5904,7 +5904,7 @@
           <a:p>
             <a:fld id="{846CE7D5-CF57-46EF-B807-FDD0502418D4}" type="datetimeFigureOut">
               <a:rPr lang="en-US" smtClean="0"/>
-              <a:t>3/30/2020</a:t>
+              <a:t>3/31/2020</a:t>
             </a:fld>
             <a:endParaRPr lang="en-US"/>
           </a:p>
@@ -6268,7 +6268,7 @@
           <a:p>
             <a:fld id="{846CE7D5-CF57-46EF-B807-FDD0502418D4}" type="datetimeFigureOut">
               <a:rPr lang="en-US" smtClean="0"/>
-              <a:t>3/30/2020</a:t>
+              <a:t>3/31/2020</a:t>
             </a:fld>
             <a:endParaRPr lang="en-US"/>
           </a:p>
@@ -6385,7 +6385,7 @@
           <a:p>
             <a:fld id="{846CE7D5-CF57-46EF-B807-FDD0502418D4}" type="datetimeFigureOut">
               <a:rPr lang="en-US" smtClean="0"/>
-              <a:t>3/30/2020</a:t>
+              <a:t>3/31/2020</a:t>
             </a:fld>
             <a:endParaRPr lang="en-US"/>
           </a:p>
@@ -6480,7 +6480,7 @@
           <a:p>
             <a:fld id="{846CE7D5-CF57-46EF-B807-FDD0502418D4}" type="datetimeFigureOut">
               <a:rPr lang="en-US" smtClean="0"/>
-              <a:t>3/30/2020</a:t>
+              <a:t>3/31/2020</a:t>
             </a:fld>
             <a:endParaRPr lang="en-US"/>
           </a:p>
@@ -6755,7 +6755,7 @@
           <a:p>
             <a:fld id="{846CE7D5-CF57-46EF-B807-FDD0502418D4}" type="datetimeFigureOut">
               <a:rPr lang="en-US" smtClean="0"/>
-              <a:t>3/30/2020</a:t>
+              <a:t>3/31/2020</a:t>
             </a:fld>
             <a:endParaRPr lang="en-US"/>
           </a:p>
@@ -7010,7 +7010,7 @@
           <a:p>
             <a:fld id="{846CE7D5-CF57-46EF-B807-FDD0502418D4}" type="datetimeFigureOut">
               <a:rPr lang="en-US" smtClean="0"/>
-              <a:t>3/30/2020</a:t>
+              <a:t>3/31/2020</a:t>
             </a:fld>
             <a:endParaRPr lang="en-US"/>
           </a:p>
@@ -7221,7 +7221,7 @@
           <a:p>
             <a:fld id="{846CE7D5-CF57-46EF-B807-FDD0502418D4}" type="datetimeFigureOut">
               <a:rPr lang="en-US" smtClean="0"/>
-              <a:t>3/30/2020</a:t>
+              <a:t>3/31/2020</a:t>
             </a:fld>
             <a:endParaRPr lang="en-US"/>
           </a:p>
@@ -22627,7 +22627,7 @@
               <a:rPr lang="en-US" sz="2400" dirty="0">
                 <a:cs typeface="Calibri"/>
               </a:rPr>
-              <a:t>Easy to retrospectively drop in to an Express app. </a:t>
+              <a:t>Easy to retrospectively drop into an Express app. </a:t>
             </a:r>
           </a:p>
           <a:p>

--- a/topic11/talk-01/Authentication with JWT.pptx
+++ b/topic11/talk-01/Authentication with JWT.pptx
@@ -5,19 +5,19 @@
     <p:sldMasterId id="2147483660" r:id="rId1"/>
   </p:sldMasterIdLst>
   <p:notesMasterIdLst>
-    <p:notesMasterId r:id="rId36"/>
+    <p:notesMasterId r:id="rId35"/>
   </p:notesMasterIdLst>
   <p:sldIdLst>
     <p:sldId id="257" r:id="rId2"/>
     <p:sldId id="285" r:id="rId3"/>
-    <p:sldId id="258" r:id="rId4"/>
-    <p:sldId id="259" r:id="rId5"/>
-    <p:sldId id="260" r:id="rId6"/>
-    <p:sldId id="261" r:id="rId7"/>
-    <p:sldId id="262" r:id="rId8"/>
-    <p:sldId id="511" r:id="rId9"/>
-    <p:sldId id="263" r:id="rId10"/>
-    <p:sldId id="264" r:id="rId11"/>
+    <p:sldId id="264" r:id="rId4"/>
+    <p:sldId id="258" r:id="rId5"/>
+    <p:sldId id="259" r:id="rId6"/>
+    <p:sldId id="260" r:id="rId7"/>
+    <p:sldId id="261" r:id="rId8"/>
+    <p:sldId id="262" r:id="rId9"/>
+    <p:sldId id="511" r:id="rId10"/>
+    <p:sldId id="263" r:id="rId11"/>
     <p:sldId id="507" r:id="rId12"/>
     <p:sldId id="508" r:id="rId13"/>
     <p:sldId id="509" r:id="rId14"/>
@@ -27,21 +27,20 @@
     <p:sldId id="266" r:id="rId18"/>
     <p:sldId id="267" r:id="rId19"/>
     <p:sldId id="268" r:id="rId20"/>
-    <p:sldId id="269" r:id="rId21"/>
-    <p:sldId id="270" r:id="rId22"/>
-    <p:sldId id="271" r:id="rId23"/>
-    <p:sldId id="273" r:id="rId24"/>
-    <p:sldId id="513" r:id="rId25"/>
-    <p:sldId id="274" r:id="rId26"/>
-    <p:sldId id="275" r:id="rId27"/>
-    <p:sldId id="277" r:id="rId28"/>
-    <p:sldId id="278" r:id="rId29"/>
-    <p:sldId id="280" r:id="rId30"/>
-    <p:sldId id="281" r:id="rId31"/>
-    <p:sldId id="282" r:id="rId32"/>
-    <p:sldId id="514" r:id="rId33"/>
-    <p:sldId id="283" r:id="rId34"/>
-    <p:sldId id="284" r:id="rId35"/>
+    <p:sldId id="270" r:id="rId21"/>
+    <p:sldId id="271" r:id="rId22"/>
+    <p:sldId id="273" r:id="rId23"/>
+    <p:sldId id="513" r:id="rId24"/>
+    <p:sldId id="274" r:id="rId25"/>
+    <p:sldId id="275" r:id="rId26"/>
+    <p:sldId id="277" r:id="rId27"/>
+    <p:sldId id="278" r:id="rId28"/>
+    <p:sldId id="280" r:id="rId29"/>
+    <p:sldId id="281" r:id="rId30"/>
+    <p:sldId id="282" r:id="rId31"/>
+    <p:sldId id="514" r:id="rId32"/>
+    <p:sldId id="283" r:id="rId33"/>
+    <p:sldId id="284" r:id="rId34"/>
   </p:sldIdLst>
   <p:sldSz cx="12192000" cy="6858000"/>
   <p:notesSz cx="6858000" cy="9144000"/>
@@ -3989,7 +3988,7 @@
           <a:p>
             <a:fld id="{C9356069-4FA2-45C3-A84D-51090EC42BAD}" type="datetimeFigureOut">
               <a:rPr lang="en-IE" smtClean="0"/>
-              <a:t>31/03/2020</a:t>
+              <a:t>27/04/2021</a:t>
             </a:fld>
             <a:endParaRPr lang="en-IE"/>
           </a:p>
@@ -4462,7 +4461,7 @@
           <a:p>
             <a:fld id="{2F2E01AB-F487-4477-818E-7219F7E83442}" type="slidenum">
               <a:rPr lang="en-IE" smtClean="0"/>
-              <a:t>3</a:t>
+              <a:t>4</a:t>
             </a:fld>
             <a:endParaRPr lang="en-IE"/>
           </a:p>
@@ -4600,7 +4599,7 @@
           <a:p>
             <a:fld id="{2F2E01AB-F487-4477-818E-7219F7E83442}" type="slidenum">
               <a:rPr lang="en-IE" smtClean="0"/>
-              <a:t>4</a:t>
+              <a:t>5</a:t>
             </a:fld>
             <a:endParaRPr lang="en-IE"/>
           </a:p>
@@ -4684,7 +4683,7 @@
           <a:p>
             <a:fld id="{2F2E01AB-F487-4477-818E-7219F7E83442}" type="slidenum">
               <a:rPr lang="en-IE" smtClean="0"/>
-              <a:t>5</a:t>
+              <a:t>6</a:t>
             </a:fld>
             <a:endParaRPr lang="en-IE"/>
           </a:p>
@@ -4768,7 +4767,7 @@
           <a:p>
             <a:fld id="{2F2E01AB-F487-4477-818E-7219F7E83442}" type="slidenum">
               <a:rPr lang="en-IE" smtClean="0"/>
-              <a:t>33</a:t>
+              <a:t>32</a:t>
             </a:fld>
             <a:endParaRPr lang="en-IE"/>
           </a:p>
@@ -4916,7 +4915,7 @@
           <a:p>
             <a:fld id="{846CE7D5-CF57-46EF-B807-FDD0502418D4}" type="datetimeFigureOut">
               <a:rPr lang="en-US" smtClean="0"/>
-              <a:t>3/31/2020</a:t>
+              <a:t>4/27/2021</a:t>
             </a:fld>
             <a:endParaRPr lang="en-US"/>
           </a:p>
@@ -5084,7 +5083,7 @@
           <a:p>
             <a:fld id="{846CE7D5-CF57-46EF-B807-FDD0502418D4}" type="datetimeFigureOut">
               <a:rPr lang="en-US" smtClean="0"/>
-              <a:t>3/31/2020</a:t>
+              <a:t>4/27/2021</a:t>
             </a:fld>
             <a:endParaRPr lang="en-US"/>
           </a:p>
@@ -5262,7 +5261,7 @@
           <a:p>
             <a:fld id="{846CE7D5-CF57-46EF-B807-FDD0502418D4}" type="datetimeFigureOut">
               <a:rPr lang="en-US" smtClean="0"/>
-              <a:t>3/31/2020</a:t>
+              <a:t>4/27/2021</a:t>
             </a:fld>
             <a:endParaRPr lang="en-US"/>
           </a:p>
@@ -5430,7 +5429,7 @@
           <a:p>
             <a:fld id="{846CE7D5-CF57-46EF-B807-FDD0502418D4}" type="datetimeFigureOut">
               <a:rPr lang="en-US" smtClean="0"/>
-              <a:t>3/31/2020</a:t>
+              <a:t>4/27/2021</a:t>
             </a:fld>
             <a:endParaRPr lang="en-US"/>
           </a:p>
@@ -5675,7 +5674,7 @@
           <a:p>
             <a:fld id="{846CE7D5-CF57-46EF-B807-FDD0502418D4}" type="datetimeFigureOut">
               <a:rPr lang="en-US" smtClean="0"/>
-              <a:t>3/31/2020</a:t>
+              <a:t>4/27/2021</a:t>
             </a:fld>
             <a:endParaRPr lang="en-US"/>
           </a:p>
@@ -5904,7 +5903,7 @@
           <a:p>
             <a:fld id="{846CE7D5-CF57-46EF-B807-FDD0502418D4}" type="datetimeFigureOut">
               <a:rPr lang="en-US" smtClean="0"/>
-              <a:t>3/31/2020</a:t>
+              <a:t>4/27/2021</a:t>
             </a:fld>
             <a:endParaRPr lang="en-US"/>
           </a:p>
@@ -6268,7 +6267,7 @@
           <a:p>
             <a:fld id="{846CE7D5-CF57-46EF-B807-FDD0502418D4}" type="datetimeFigureOut">
               <a:rPr lang="en-US" smtClean="0"/>
-              <a:t>3/31/2020</a:t>
+              <a:t>4/27/2021</a:t>
             </a:fld>
             <a:endParaRPr lang="en-US"/>
           </a:p>
@@ -6385,7 +6384,7 @@
           <a:p>
             <a:fld id="{846CE7D5-CF57-46EF-B807-FDD0502418D4}" type="datetimeFigureOut">
               <a:rPr lang="en-US" smtClean="0"/>
-              <a:t>3/31/2020</a:t>
+              <a:t>4/27/2021</a:t>
             </a:fld>
             <a:endParaRPr lang="en-US"/>
           </a:p>
@@ -6480,7 +6479,7 @@
           <a:p>
             <a:fld id="{846CE7D5-CF57-46EF-B807-FDD0502418D4}" type="datetimeFigureOut">
               <a:rPr lang="en-US" smtClean="0"/>
-              <a:t>3/31/2020</a:t>
+              <a:t>4/27/2021</a:t>
             </a:fld>
             <a:endParaRPr lang="en-US"/>
           </a:p>
@@ -6755,7 +6754,7 @@
           <a:p>
             <a:fld id="{846CE7D5-CF57-46EF-B807-FDD0502418D4}" type="datetimeFigureOut">
               <a:rPr lang="en-US" smtClean="0"/>
-              <a:t>3/31/2020</a:t>
+              <a:t>4/27/2021</a:t>
             </a:fld>
             <a:endParaRPr lang="en-US"/>
           </a:p>
@@ -7010,7 +7009,7 @@
           <a:p>
             <a:fld id="{846CE7D5-CF57-46EF-B807-FDD0502418D4}" type="datetimeFigureOut">
               <a:rPr lang="en-US" smtClean="0"/>
-              <a:t>3/31/2020</a:t>
+              <a:t>4/27/2021</a:t>
             </a:fld>
             <a:endParaRPr lang="en-US"/>
           </a:p>
@@ -7221,7 +7220,7 @@
           <a:p>
             <a:fld id="{846CE7D5-CF57-46EF-B807-FDD0502418D4}" type="datetimeFigureOut">
               <a:rPr lang="en-US" smtClean="0"/>
-              <a:t>3/31/2020</a:t>
+              <a:t>4/27/2021</a:t>
             </a:fld>
             <a:endParaRPr lang="en-US"/>
           </a:p>
@@ -7948,14 +7947,6 @@
 <file path=ppt/slides/slide10.xml><?xml version="1.0" encoding="utf-8"?>
 <p:sld xmlns:a="http://schemas.openxmlformats.org/drawingml/2006/main" xmlns:r="http://schemas.openxmlformats.org/officeDocument/2006/relationships" xmlns:p="http://schemas.openxmlformats.org/presentationml/2006/main">
   <p:cSld>
-    <p:bg>
-      <p:bgPr>
-        <a:solidFill>
-          <a:schemeClr val="bg1"/>
-        </a:solidFill>
-        <a:effectLst/>
-      </p:bgPr>
-    </p:bg>
     <p:spTree>
       <p:nvGrpSpPr>
         <p:cNvPr id="1" name=""/>
@@ -7972,491 +7963,10 @@
       </p:grpSpPr>
       <p:sp>
         <p:nvSpPr>
-          <p:cNvPr id="6" name="Freeform: Shape 9">
-            <a:extLst>
-              <a:ext uri="{FF2B5EF4-FFF2-40B4-BE49-F238E27FC236}">
-                <a16:creationId xmlns:a16="http://schemas.microsoft.com/office/drawing/2014/main" id="{46C2E80F-49A6-4372-B103-219D417A55ED}"/>
-              </a:ext>
-              <a:ext uri="{C183D7F6-B498-43B3-948B-1728B52AA6E4}">
-                <adec:decorative xmlns:adec="http://schemas.microsoft.com/office/drawing/2017/decorative" val="1"/>
-              </a:ext>
-            </a:extLst>
-          </p:cNvPr>
-          <p:cNvSpPr>
-            <a:spLocks noGrp="1" noRot="1" noChangeAspect="1" noMove="1" noResize="1" noEditPoints="1" noAdjustHandles="1" noChangeArrowheads="1" noChangeShapeType="1" noTextEdit="1"/>
-          </p:cNvSpPr>
-          <p:nvPr>
-            <p:extLst>
-              <p:ext uri="{386F3935-93C4-4BCD-93E2-E3B085C9AB24}">
-                <p16:designElem xmlns:p16="http://schemas.microsoft.com/office/powerpoint/2015/main" val="1"/>
-              </p:ext>
-            </p:extLst>
-          </p:nvPr>
-        </p:nvSpPr>
-        <p:spPr>
-          <a:xfrm>
-            <a:off x="484096" y="470925"/>
-            <a:ext cx="4381009" cy="5892104"/>
-          </a:xfrm>
-          <a:custGeom>
-            <a:avLst/>
-            <a:gdLst>
-              <a:gd name="connsiteX0" fmla="*/ 0 w 4381009"/>
-              <a:gd name="connsiteY0" fmla="*/ 0 h 5892104"/>
-              <a:gd name="connsiteX1" fmla="*/ 4157628 w 4381009"/>
-              <a:gd name="connsiteY1" fmla="*/ 0 h 5892104"/>
-              <a:gd name="connsiteX2" fmla="*/ 4169302 w 4381009"/>
-              <a:gd name="connsiteY2" fmla="*/ 68659 h 5892104"/>
-              <a:gd name="connsiteX3" fmla="*/ 4191571 w 4381009"/>
-              <a:gd name="connsiteY3" fmla="*/ 205472 h 5892104"/>
-              <a:gd name="connsiteX4" fmla="*/ 4213368 w 4381009"/>
-              <a:gd name="connsiteY4" fmla="*/ 342890 h 5892104"/>
-              <a:gd name="connsiteX5" fmla="*/ 4232030 w 4381009"/>
-              <a:gd name="connsiteY5" fmla="*/ 480913 h 5892104"/>
-              <a:gd name="connsiteX6" fmla="*/ 4250848 w 4381009"/>
-              <a:gd name="connsiteY6" fmla="*/ 618332 h 5892104"/>
-              <a:gd name="connsiteX7" fmla="*/ 4268412 w 4381009"/>
-              <a:gd name="connsiteY7" fmla="*/ 756355 h 5892104"/>
-              <a:gd name="connsiteX8" fmla="*/ 4283467 w 4381009"/>
-              <a:gd name="connsiteY8" fmla="*/ 892563 h 5892104"/>
-              <a:gd name="connsiteX9" fmla="*/ 4297737 w 4381009"/>
-              <a:gd name="connsiteY9" fmla="*/ 1030587 h 5892104"/>
-              <a:gd name="connsiteX10" fmla="*/ 4310754 w 4381009"/>
-              <a:gd name="connsiteY10" fmla="*/ 1168005 h 5892104"/>
-              <a:gd name="connsiteX11" fmla="*/ 4322045 w 4381009"/>
-              <a:gd name="connsiteY11" fmla="*/ 1303002 h 5892104"/>
-              <a:gd name="connsiteX12" fmla="*/ 4333336 w 4381009"/>
-              <a:gd name="connsiteY12" fmla="*/ 1439815 h 5892104"/>
-              <a:gd name="connsiteX13" fmla="*/ 4342745 w 4381009"/>
-              <a:gd name="connsiteY13" fmla="*/ 1574812 h 5892104"/>
-              <a:gd name="connsiteX14" fmla="*/ 4350115 w 4381009"/>
-              <a:gd name="connsiteY14" fmla="*/ 1709808 h 5892104"/>
-              <a:gd name="connsiteX15" fmla="*/ 4357799 w 4381009"/>
-              <a:gd name="connsiteY15" fmla="*/ 1844200 h 5892104"/>
-              <a:gd name="connsiteX16" fmla="*/ 4364229 w 4381009"/>
-              <a:gd name="connsiteY16" fmla="*/ 1977381 h 5892104"/>
-              <a:gd name="connsiteX17" fmla="*/ 4368777 w 4381009"/>
-              <a:gd name="connsiteY17" fmla="*/ 2109351 h 5892104"/>
-              <a:gd name="connsiteX18" fmla="*/ 4372697 w 4381009"/>
-              <a:gd name="connsiteY18" fmla="*/ 2241321 h 5892104"/>
-              <a:gd name="connsiteX19" fmla="*/ 4376461 w 4381009"/>
-              <a:gd name="connsiteY19" fmla="*/ 2372080 h 5892104"/>
-              <a:gd name="connsiteX20" fmla="*/ 4378186 w 4381009"/>
-              <a:gd name="connsiteY20" fmla="*/ 2501023 h 5892104"/>
-              <a:gd name="connsiteX21" fmla="*/ 4380068 w 4381009"/>
-              <a:gd name="connsiteY21" fmla="*/ 2629966 h 5892104"/>
-              <a:gd name="connsiteX22" fmla="*/ 4381009 w 4381009"/>
-              <a:gd name="connsiteY22" fmla="*/ 2757093 h 5892104"/>
-              <a:gd name="connsiteX23" fmla="*/ 4380068 w 4381009"/>
-              <a:gd name="connsiteY23" fmla="*/ 2883010 h 5892104"/>
-              <a:gd name="connsiteX24" fmla="*/ 4380068 w 4381009"/>
-              <a:gd name="connsiteY24" fmla="*/ 3007715 h 5892104"/>
-              <a:gd name="connsiteX25" fmla="*/ 4378186 w 4381009"/>
-              <a:gd name="connsiteY25" fmla="*/ 3131210 h 5892104"/>
-              <a:gd name="connsiteX26" fmla="*/ 4375363 w 4381009"/>
-              <a:gd name="connsiteY26" fmla="*/ 3252283 h 5892104"/>
-              <a:gd name="connsiteX27" fmla="*/ 4372697 w 4381009"/>
-              <a:gd name="connsiteY27" fmla="*/ 3372146 h 5892104"/>
-              <a:gd name="connsiteX28" fmla="*/ 4369718 w 4381009"/>
-              <a:gd name="connsiteY28" fmla="*/ 3489587 h 5892104"/>
-              <a:gd name="connsiteX29" fmla="*/ 4365170 w 4381009"/>
-              <a:gd name="connsiteY29" fmla="*/ 3606423 h 5892104"/>
-              <a:gd name="connsiteX30" fmla="*/ 4360309 w 4381009"/>
-              <a:gd name="connsiteY30" fmla="*/ 3721443 h 5892104"/>
-              <a:gd name="connsiteX31" fmla="*/ 4355918 w 4381009"/>
-              <a:gd name="connsiteY31" fmla="*/ 3834041 h 5892104"/>
-              <a:gd name="connsiteX32" fmla="*/ 4343529 w 4381009"/>
-              <a:gd name="connsiteY32" fmla="*/ 4053789 h 5892104"/>
-              <a:gd name="connsiteX33" fmla="*/ 4330356 w 4381009"/>
-              <a:gd name="connsiteY33" fmla="*/ 4264457 h 5892104"/>
-              <a:gd name="connsiteX34" fmla="*/ 4316556 w 4381009"/>
-              <a:gd name="connsiteY34" fmla="*/ 4466650 h 5892104"/>
-              <a:gd name="connsiteX35" fmla="*/ 4301344 w 4381009"/>
-              <a:gd name="connsiteY35" fmla="*/ 4657946 h 5892104"/>
-              <a:gd name="connsiteX36" fmla="*/ 4285506 w 4381009"/>
-              <a:gd name="connsiteY36" fmla="*/ 4840767 h 5892104"/>
-              <a:gd name="connsiteX37" fmla="*/ 4268412 w 4381009"/>
-              <a:gd name="connsiteY37" fmla="*/ 5010269 h 5892104"/>
-              <a:gd name="connsiteX38" fmla="*/ 4251633 w 4381009"/>
-              <a:gd name="connsiteY38" fmla="*/ 5169481 h 5892104"/>
-              <a:gd name="connsiteX39" fmla="*/ 4234853 w 4381009"/>
-              <a:gd name="connsiteY39" fmla="*/ 5315980 h 5892104"/>
-              <a:gd name="connsiteX40" fmla="*/ 4219014 w 4381009"/>
-              <a:gd name="connsiteY40" fmla="*/ 5450371 h 5892104"/>
-              <a:gd name="connsiteX41" fmla="*/ 4203959 w 4381009"/>
-              <a:gd name="connsiteY41" fmla="*/ 5569628 h 5892104"/>
-              <a:gd name="connsiteX42" fmla="*/ 4189689 w 4381009"/>
-              <a:gd name="connsiteY42" fmla="*/ 5677384 h 5892104"/>
-              <a:gd name="connsiteX43" fmla="*/ 4177770 w 4381009"/>
-              <a:gd name="connsiteY43" fmla="*/ 5768189 h 5892104"/>
-              <a:gd name="connsiteX44" fmla="*/ 4166479 w 4381009"/>
-              <a:gd name="connsiteY44" fmla="*/ 5844465 h 5892104"/>
-              <a:gd name="connsiteX45" fmla="*/ 4159132 w 4381009"/>
-              <a:gd name="connsiteY45" fmla="*/ 5892104 h 5892104"/>
-              <a:gd name="connsiteX46" fmla="*/ 0 w 4381009"/>
-              <a:gd name="connsiteY46" fmla="*/ 5892104 h 5892104"/>
-            </a:gdLst>
-            <a:ahLst/>
-            <a:cxnLst>
-              <a:cxn ang="0">
-                <a:pos x="connsiteX0" y="connsiteY0"/>
-              </a:cxn>
-              <a:cxn ang="0">
-                <a:pos x="connsiteX1" y="connsiteY1"/>
-              </a:cxn>
-              <a:cxn ang="0">
-                <a:pos x="connsiteX2" y="connsiteY2"/>
-              </a:cxn>
-              <a:cxn ang="0">
-                <a:pos x="connsiteX3" y="connsiteY3"/>
-              </a:cxn>
-              <a:cxn ang="0">
-                <a:pos x="connsiteX4" y="connsiteY4"/>
-              </a:cxn>
-              <a:cxn ang="0">
-                <a:pos x="connsiteX5" y="connsiteY5"/>
-              </a:cxn>
-              <a:cxn ang="0">
-                <a:pos x="connsiteX6" y="connsiteY6"/>
-              </a:cxn>
-              <a:cxn ang="0">
-                <a:pos x="connsiteX7" y="connsiteY7"/>
-              </a:cxn>
-              <a:cxn ang="0">
-                <a:pos x="connsiteX8" y="connsiteY8"/>
-              </a:cxn>
-              <a:cxn ang="0">
-                <a:pos x="connsiteX9" y="connsiteY9"/>
-              </a:cxn>
-              <a:cxn ang="0">
-                <a:pos x="connsiteX10" y="connsiteY10"/>
-              </a:cxn>
-              <a:cxn ang="0">
-                <a:pos x="connsiteX11" y="connsiteY11"/>
-              </a:cxn>
-              <a:cxn ang="0">
-                <a:pos x="connsiteX12" y="connsiteY12"/>
-              </a:cxn>
-              <a:cxn ang="0">
-                <a:pos x="connsiteX13" y="connsiteY13"/>
-              </a:cxn>
-              <a:cxn ang="0">
-                <a:pos x="connsiteX14" y="connsiteY14"/>
-              </a:cxn>
-              <a:cxn ang="0">
-                <a:pos x="connsiteX15" y="connsiteY15"/>
-              </a:cxn>
-              <a:cxn ang="0">
-                <a:pos x="connsiteX16" y="connsiteY16"/>
-              </a:cxn>
-              <a:cxn ang="0">
-                <a:pos x="connsiteX17" y="connsiteY17"/>
-              </a:cxn>
-              <a:cxn ang="0">
-                <a:pos x="connsiteX18" y="connsiteY18"/>
-              </a:cxn>
-              <a:cxn ang="0">
-                <a:pos x="connsiteX19" y="connsiteY19"/>
-              </a:cxn>
-              <a:cxn ang="0">
-                <a:pos x="connsiteX20" y="connsiteY20"/>
-              </a:cxn>
-              <a:cxn ang="0">
-                <a:pos x="connsiteX21" y="connsiteY21"/>
-              </a:cxn>
-              <a:cxn ang="0">
-                <a:pos x="connsiteX22" y="connsiteY22"/>
-              </a:cxn>
-              <a:cxn ang="0">
-                <a:pos x="connsiteX23" y="connsiteY23"/>
-              </a:cxn>
-              <a:cxn ang="0">
-                <a:pos x="connsiteX24" y="connsiteY24"/>
-              </a:cxn>
-              <a:cxn ang="0">
-                <a:pos x="connsiteX25" y="connsiteY25"/>
-              </a:cxn>
-              <a:cxn ang="0">
-                <a:pos x="connsiteX26" y="connsiteY26"/>
-              </a:cxn>
-              <a:cxn ang="0">
-                <a:pos x="connsiteX27" y="connsiteY27"/>
-              </a:cxn>
-              <a:cxn ang="0">
-                <a:pos x="connsiteX28" y="connsiteY28"/>
-              </a:cxn>
-              <a:cxn ang="0">
-                <a:pos x="connsiteX29" y="connsiteY29"/>
-              </a:cxn>
-              <a:cxn ang="0">
-                <a:pos x="connsiteX30" y="connsiteY30"/>
-              </a:cxn>
-              <a:cxn ang="0">
-                <a:pos x="connsiteX31" y="connsiteY31"/>
-              </a:cxn>
-              <a:cxn ang="0">
-                <a:pos x="connsiteX32" y="connsiteY32"/>
-              </a:cxn>
-              <a:cxn ang="0">
-                <a:pos x="connsiteX33" y="connsiteY33"/>
-              </a:cxn>
-              <a:cxn ang="0">
-                <a:pos x="connsiteX34" y="connsiteY34"/>
-              </a:cxn>
-              <a:cxn ang="0">
-                <a:pos x="connsiteX35" y="connsiteY35"/>
-              </a:cxn>
-              <a:cxn ang="0">
-                <a:pos x="connsiteX36" y="connsiteY36"/>
-              </a:cxn>
-              <a:cxn ang="0">
-                <a:pos x="connsiteX37" y="connsiteY37"/>
-              </a:cxn>
-              <a:cxn ang="0">
-                <a:pos x="connsiteX38" y="connsiteY38"/>
-              </a:cxn>
-              <a:cxn ang="0">
-                <a:pos x="connsiteX39" y="connsiteY39"/>
-              </a:cxn>
-              <a:cxn ang="0">
-                <a:pos x="connsiteX40" y="connsiteY40"/>
-              </a:cxn>
-              <a:cxn ang="0">
-                <a:pos x="connsiteX41" y="connsiteY41"/>
-              </a:cxn>
-              <a:cxn ang="0">
-                <a:pos x="connsiteX42" y="connsiteY42"/>
-              </a:cxn>
-              <a:cxn ang="0">
-                <a:pos x="connsiteX43" y="connsiteY43"/>
-              </a:cxn>
-              <a:cxn ang="0">
-                <a:pos x="connsiteX44" y="connsiteY44"/>
-              </a:cxn>
-              <a:cxn ang="0">
-                <a:pos x="connsiteX45" y="connsiteY45"/>
-              </a:cxn>
-              <a:cxn ang="0">
-                <a:pos x="connsiteX46" y="connsiteY46"/>
-              </a:cxn>
-            </a:cxnLst>
-            <a:rect l="l" t="t" r="r" b="b"/>
-            <a:pathLst>
-              <a:path w="4381009" h="5892104">
-                <a:moveTo>
-                  <a:pt x="0" y="0"/>
-                </a:moveTo>
-                <a:lnTo>
-                  <a:pt x="4157628" y="0"/>
-                </a:lnTo>
-                <a:lnTo>
-                  <a:pt x="4169302" y="68659"/>
-                </a:lnTo>
-                <a:lnTo>
-                  <a:pt x="4191571" y="205472"/>
-                </a:lnTo>
-                <a:lnTo>
-                  <a:pt x="4213368" y="342890"/>
-                </a:lnTo>
-                <a:lnTo>
-                  <a:pt x="4232030" y="480913"/>
-                </a:lnTo>
-                <a:lnTo>
-                  <a:pt x="4250848" y="618332"/>
-                </a:lnTo>
-                <a:lnTo>
-                  <a:pt x="4268412" y="756355"/>
-                </a:lnTo>
-                <a:lnTo>
-                  <a:pt x="4283467" y="892563"/>
-                </a:lnTo>
-                <a:lnTo>
-                  <a:pt x="4297737" y="1030587"/>
-                </a:lnTo>
-                <a:lnTo>
-                  <a:pt x="4310754" y="1168005"/>
-                </a:lnTo>
-                <a:lnTo>
-                  <a:pt x="4322045" y="1303002"/>
-                </a:lnTo>
-                <a:lnTo>
-                  <a:pt x="4333336" y="1439815"/>
-                </a:lnTo>
-                <a:lnTo>
-                  <a:pt x="4342745" y="1574812"/>
-                </a:lnTo>
-                <a:lnTo>
-                  <a:pt x="4350115" y="1709808"/>
-                </a:lnTo>
-                <a:lnTo>
-                  <a:pt x="4357799" y="1844200"/>
-                </a:lnTo>
-                <a:lnTo>
-                  <a:pt x="4364229" y="1977381"/>
-                </a:lnTo>
-                <a:lnTo>
-                  <a:pt x="4368777" y="2109351"/>
-                </a:lnTo>
-                <a:lnTo>
-                  <a:pt x="4372697" y="2241321"/>
-                </a:lnTo>
-                <a:lnTo>
-                  <a:pt x="4376461" y="2372080"/>
-                </a:lnTo>
-                <a:lnTo>
-                  <a:pt x="4378186" y="2501023"/>
-                </a:lnTo>
-                <a:lnTo>
-                  <a:pt x="4380068" y="2629966"/>
-                </a:lnTo>
-                <a:lnTo>
-                  <a:pt x="4381009" y="2757093"/>
-                </a:lnTo>
-                <a:lnTo>
-                  <a:pt x="4380068" y="2883010"/>
-                </a:lnTo>
-                <a:lnTo>
-                  <a:pt x="4380068" y="3007715"/>
-                </a:lnTo>
-                <a:lnTo>
-                  <a:pt x="4378186" y="3131210"/>
-                </a:lnTo>
-                <a:lnTo>
-                  <a:pt x="4375363" y="3252283"/>
-                </a:lnTo>
-                <a:lnTo>
-                  <a:pt x="4372697" y="3372146"/>
-                </a:lnTo>
-                <a:lnTo>
-                  <a:pt x="4369718" y="3489587"/>
-                </a:lnTo>
-                <a:lnTo>
-                  <a:pt x="4365170" y="3606423"/>
-                </a:lnTo>
-                <a:lnTo>
-                  <a:pt x="4360309" y="3721443"/>
-                </a:lnTo>
-                <a:lnTo>
-                  <a:pt x="4355918" y="3834041"/>
-                </a:lnTo>
-                <a:lnTo>
-                  <a:pt x="4343529" y="4053789"/>
-                </a:lnTo>
-                <a:lnTo>
-                  <a:pt x="4330356" y="4264457"/>
-                </a:lnTo>
-                <a:lnTo>
-                  <a:pt x="4316556" y="4466650"/>
-                </a:lnTo>
-                <a:lnTo>
-                  <a:pt x="4301344" y="4657946"/>
-                </a:lnTo>
-                <a:lnTo>
-                  <a:pt x="4285506" y="4840767"/>
-                </a:lnTo>
-                <a:lnTo>
-                  <a:pt x="4268412" y="5010269"/>
-                </a:lnTo>
-                <a:lnTo>
-                  <a:pt x="4251633" y="5169481"/>
-                </a:lnTo>
-                <a:lnTo>
-                  <a:pt x="4234853" y="5315980"/>
-                </a:lnTo>
-                <a:lnTo>
-                  <a:pt x="4219014" y="5450371"/>
-                </a:lnTo>
-                <a:lnTo>
-                  <a:pt x="4203959" y="5569628"/>
-                </a:lnTo>
-                <a:lnTo>
-                  <a:pt x="4189689" y="5677384"/>
-                </a:lnTo>
-                <a:lnTo>
-                  <a:pt x="4177770" y="5768189"/>
-                </a:lnTo>
-                <a:lnTo>
-                  <a:pt x="4166479" y="5844465"/>
-                </a:lnTo>
-                <a:lnTo>
-                  <a:pt x="4159132" y="5892104"/>
-                </a:lnTo>
-                <a:lnTo>
-                  <a:pt x="0" y="5892104"/>
-                </a:lnTo>
-                <a:close/>
-              </a:path>
-            </a:pathLst>
-          </a:custGeom>
-          <a:solidFill>
-            <a:srgbClr val="404040"/>
-          </a:solidFill>
-          <a:ln>
-            <a:noFill/>
-          </a:ln>
-        </p:spPr>
-        <p:style>
-          <a:lnRef idx="2">
-            <a:schemeClr val="accent1">
-              <a:shade val="50000"/>
-            </a:schemeClr>
-          </a:lnRef>
-          <a:fillRef idx="1">
-            <a:schemeClr val="accent1"/>
-          </a:fillRef>
-          <a:effectRef idx="0">
-            <a:schemeClr val="accent1"/>
-          </a:effectRef>
-          <a:fontRef idx="minor">
-            <a:schemeClr val="lt1"/>
-          </a:fontRef>
-        </p:style>
-        <p:txBody>
-          <a:bodyPr wrap="square" rtlCol="0" anchor="ctr">
-            <a:noAutofit/>
-          </a:bodyPr>
-          <a:lstStyle/>
-          <a:p>
-            <a:pPr marL="0" marR="0" lvl="0" indent="0" algn="ctr" defTabSz="457200" rtl="0" eaLnBrk="1" fontAlgn="auto" latinLnBrk="0" hangingPunct="1">
-              <a:lnSpc>
-                <a:spcPct val="100000"/>
-              </a:lnSpc>
-              <a:spcBef>
-                <a:spcPts val="0"/>
-              </a:spcBef>
-              <a:spcAft>
-                <a:spcPts val="0"/>
-              </a:spcAft>
-              <a:buClrTx/>
-              <a:buSzTx/>
-              <a:buFontTx/>
-              <a:buNone/>
-              <a:tabLst/>
-              <a:defRPr/>
-            </a:pPr>
-            <a:endParaRPr kumimoji="0" lang="en-US" sz="1800" b="0" i="0" u="none" strike="noStrike" kern="1200" cap="none" spc="0" normalizeH="0" baseline="0" noProof="0">
-              <a:ln>
-                <a:noFill/>
-              </a:ln>
-              <a:solidFill>
-                <a:prstClr val="white"/>
-              </a:solidFill>
-              <a:effectLst/>
-              <a:uLnTx/>
-              <a:uFillTx/>
-              <a:latin typeface="Calibri" panose="020F0502020204030204"/>
-              <a:ea typeface="+mn-ea"/>
-              <a:cs typeface="+mn-cs"/>
-            </a:endParaRPr>
-          </a:p>
-        </p:txBody>
-      </p:sp>
-      <p:sp>
-        <p:nvSpPr>
           <p:cNvPr id="2" name="Title 1">
             <a:extLst>
               <a:ext uri="{FF2B5EF4-FFF2-40B4-BE49-F238E27FC236}">
-                <a16:creationId xmlns:a16="http://schemas.microsoft.com/office/drawing/2014/main" id="{7BCFBBAE-278B-45A5-84F1-3E00D7C59A56}"/>
+                <a16:creationId xmlns:a16="http://schemas.microsoft.com/office/drawing/2014/main" id="{5205095A-8606-4D22-80E2-597227861743}"/>
               </a:ext>
             </a:extLst>
           </p:cNvPr>
@@ -8467,85 +7977,570 @@
             <p:ph type="title"/>
           </p:nvPr>
         </p:nvSpPr>
-        <p:spPr>
-          <a:xfrm>
-            <a:off x="863029" y="1012004"/>
-            <a:ext cx="3416158" cy="4795408"/>
-          </a:xfrm>
-        </p:spPr>
+        <p:spPr/>
         <p:txBody>
-          <a:bodyPr>
+          <a:bodyPr/>
+          <a:lstStyle/>
+          <a:p>
+            <a:r>
+              <a:rPr lang="en-US" dirty="0">
+                <a:cs typeface="Calibri Light"/>
+              </a:rPr>
+              <a:t>Passport Overview</a:t>
+            </a:r>
+            <a:endParaRPr lang="en-US" dirty="0"/>
+          </a:p>
+        </p:txBody>
+      </p:sp>
+      <p:sp>
+        <p:nvSpPr>
+          <p:cNvPr id="3" name="Content Placeholder 2">
+            <a:extLst>
+              <a:ext uri="{FF2B5EF4-FFF2-40B4-BE49-F238E27FC236}">
+                <a16:creationId xmlns:a16="http://schemas.microsoft.com/office/drawing/2014/main" id="{86F39E7F-088A-4918-821C-67D25EBF798D}"/>
+              </a:ext>
+            </a:extLst>
+          </p:cNvPr>
+          <p:cNvSpPr>
+            <a:spLocks noGrp="1"/>
+          </p:cNvSpPr>
+          <p:nvPr>
+            <p:ph idx="1"/>
+          </p:nvPr>
+        </p:nvSpPr>
+        <p:spPr/>
+        <p:txBody>
+          <a:bodyPr vert="horz" lIns="91440" tIns="45720" rIns="91440" bIns="45720" rtlCol="0" anchor="t">
             <a:normAutofit/>
           </a:bodyPr>
           <a:lstStyle/>
           <a:p>
             <a:r>
-              <a:rPr lang="en-US" sz="4100" dirty="0">
-                <a:solidFill>
-                  <a:srgbClr val="FFFFFF"/>
-                </a:solidFill>
-                <a:cs typeface="Calibri Light"/>
-              </a:rPr>
-              <a:t>Authentication for </a:t>
-            </a:r>
-            <a:r>
-              <a:rPr lang="en-US" sz="4100" dirty="0" err="1">
-                <a:solidFill>
-                  <a:srgbClr val="FFFFFF"/>
-                </a:solidFill>
-                <a:cs typeface="Calibri Light"/>
-              </a:rPr>
-              <a:t>MovieDB</a:t>
-            </a:r>
-            <a:endParaRPr lang="en-US" sz="4100" dirty="0">
-              <a:solidFill>
-                <a:srgbClr val="FFFFFF"/>
-              </a:solidFill>
+              <a:rPr lang="en-US" dirty="0">
+                <a:cs typeface="Calibri"/>
+              </a:rPr>
+              <a:t>Passport offers different authentication mechanisms as </a:t>
+            </a:r>
+            <a:r>
+              <a:rPr lang="en-US" b="1" dirty="0">
+                <a:cs typeface="Calibri"/>
+              </a:rPr>
+              <a:t>Strategies</a:t>
+            </a:r>
+          </a:p>
+          <a:p>
+            <a:pPr lvl="1"/>
+            <a:r>
+              <a:rPr lang="en-US" dirty="0">
+                <a:cs typeface="Calibri"/>
+              </a:rPr>
+              <a:t>You install just the modules you require for a particular strategy</a:t>
+            </a:r>
+          </a:p>
+          <a:p>
+            <a:r>
+              <a:rPr lang="en-US" dirty="0">
+                <a:cs typeface="Calibri"/>
+              </a:rPr>
+              <a:t>Authenticate by calling </a:t>
+            </a:r>
+            <a:r>
+              <a:rPr lang="en-US" dirty="0" err="1">
+                <a:cs typeface="Calibri"/>
+              </a:rPr>
+              <a:t>passport.authenticate</a:t>
+            </a:r>
+            <a:r>
+              <a:rPr lang="en-US" dirty="0">
+                <a:cs typeface="Calibri"/>
+              </a:rPr>
+              <a:t>()</a:t>
+            </a:r>
+          </a:p>
+          <a:p>
+            <a:pPr lvl="1"/>
+            <a:r>
+              <a:rPr lang="en-US" dirty="0">
+                <a:cs typeface="Calibri"/>
+              </a:rPr>
+              <a:t>specify which strategy to use. </a:t>
+            </a:r>
+          </a:p>
+          <a:p>
+            <a:r>
+              <a:rPr lang="en-US" dirty="0">
+                <a:cs typeface="Calibri"/>
+              </a:rPr>
+              <a:t>The </a:t>
+            </a:r>
+            <a:r>
+              <a:rPr lang="en-US" b="1" dirty="0">
+                <a:cs typeface="Calibri"/>
+              </a:rPr>
+              <a:t>authenticate() </a:t>
+            </a:r>
+            <a:r>
+              <a:rPr lang="en-US" dirty="0">
+                <a:cs typeface="Calibri"/>
+              </a:rPr>
+              <a:t>function signature is a standard Express middleware function…</a:t>
+            </a:r>
+          </a:p>
+          <a:p>
+            <a:pPr lvl="1"/>
+            <a:r>
+              <a:rPr lang="en-US" dirty="0">
+                <a:cs typeface="Calibri"/>
+              </a:rPr>
+              <a:t>Just drop it in..</a:t>
+            </a:r>
+          </a:p>
+          <a:p>
+            <a:pPr marL="0" indent="0">
+              <a:buNone/>
+            </a:pPr>
+            <a:endParaRPr lang="en-US" dirty="0">
+              <a:cs typeface="Calibri"/>
             </a:endParaRPr>
           </a:p>
         </p:txBody>
       </p:sp>
-      <p:graphicFrame>
-        <p:nvGraphicFramePr>
-          <p:cNvPr id="7" name="Content Placeholder 2">
+      <p:pic>
+        <p:nvPicPr>
+          <p:cNvPr id="5" name="Picture 4">
             <a:extLst>
               <a:ext uri="{FF2B5EF4-FFF2-40B4-BE49-F238E27FC236}">
-                <a16:creationId xmlns:a16="http://schemas.microsoft.com/office/drawing/2014/main" id="{AEAE95A2-4D7D-4AA6-B8BC-4012A70BA55F}"/>
+                <a16:creationId xmlns:a16="http://schemas.microsoft.com/office/drawing/2014/main" id="{A2D14B3D-5D73-4B06-8262-13D5337BF4E2}"/>
               </a:ext>
             </a:extLst>
           </p:cNvPr>
-          <p:cNvGraphicFramePr>
-            <a:graphicFrameLocks noGrp="1"/>
-          </p:cNvGraphicFramePr>
-          <p:nvPr>
-            <p:ph idx="1"/>
-            <p:extLst>
-              <p:ext uri="{D42A27DB-BD31-4B8C-83A1-F6EECF244321}">
-                <p14:modId xmlns:p14="http://schemas.microsoft.com/office/powerpoint/2010/main" val="1468036087"/>
-              </p:ext>
-            </p:extLst>
-          </p:nvPr>
-        </p:nvGraphicFramePr>
-        <p:xfrm>
-          <a:off x="5194300" y="470924"/>
-          <a:ext cx="6513604" cy="5885426"/>
-        </p:xfrm>
-        <a:graphic>
-          <a:graphicData uri="http://schemas.openxmlformats.org/drawingml/2006/diagram">
-            <dgm:relIds xmlns:dgm="http://schemas.openxmlformats.org/drawingml/2006/diagram" xmlns:r="http://schemas.openxmlformats.org/officeDocument/2006/relationships" r:dm="rId2" r:lo="rId3" r:qs="rId4" r:cs="rId5"/>
-          </a:graphicData>
-        </a:graphic>
-      </p:graphicFrame>
+          <p:cNvPicPr>
+            <a:picLocks noChangeAspect="1"/>
+          </p:cNvPicPr>
+          <p:nvPr/>
+        </p:nvPicPr>
+        <p:blipFill>
+          <a:blip r:embed="rId2"/>
+          <a:stretch>
+            <a:fillRect/>
+          </a:stretch>
+        </p:blipFill>
+        <p:spPr>
+          <a:xfrm>
+            <a:off x="689687" y="5207454"/>
+            <a:ext cx="11883213" cy="558864"/>
+          </a:xfrm>
+          <a:prstGeom prst="rect">
+            <a:avLst/>
+          </a:prstGeom>
+        </p:spPr>
+      </p:pic>
     </p:spTree>
     <p:extLst>
       <p:ext uri="{BB962C8B-B14F-4D97-AF65-F5344CB8AC3E}">
-        <p14:creationId xmlns:p14="http://schemas.microsoft.com/office/powerpoint/2010/main" val="2258366621"/>
+        <p14:creationId xmlns:p14="http://schemas.microsoft.com/office/powerpoint/2010/main" val="3115253184"/>
       </p:ext>
     </p:extLst>
   </p:cSld>
   <p:clrMapOvr>
     <a:masterClrMapping/>
   </p:clrMapOvr>
+  <p:timing>
+    <p:tnLst>
+      <p:par>
+        <p:cTn id="1" dur="indefinite" restart="never" nodeType="tmRoot">
+          <p:childTnLst>
+            <p:seq concurrent="1" nextAc="seek">
+              <p:cTn id="2" dur="indefinite" nodeType="mainSeq">
+                <p:childTnLst>
+                  <p:par>
+                    <p:cTn id="3" fill="hold">
+                      <p:stCondLst>
+                        <p:cond delay="indefinite"/>
+                      </p:stCondLst>
+                      <p:childTnLst>
+                        <p:par>
+                          <p:cTn id="4" fill="hold">
+                            <p:stCondLst>
+                              <p:cond delay="0"/>
+                            </p:stCondLst>
+                            <p:childTnLst>
+                              <p:par>
+                                <p:cTn id="5" presetID="10" presetClass="entr" presetSubtype="0" fill="hold" nodeType="clickEffect">
+                                  <p:stCondLst>
+                                    <p:cond delay="0"/>
+                                  </p:stCondLst>
+                                  <p:childTnLst>
+                                    <p:set>
+                                      <p:cBhvr>
+                                        <p:cTn id="6" dur="1" fill="hold">
+                                          <p:stCondLst>
+                                            <p:cond delay="0"/>
+                                          </p:stCondLst>
+                                        </p:cTn>
+                                        <p:tgtEl>
+                                          <p:spTgt spid="3">
+                                            <p:txEl>
+                                              <p:pRg st="0" end="0"/>
+                                            </p:txEl>
+                                          </p:spTgt>
+                                        </p:tgtEl>
+                                        <p:attrNameLst>
+                                          <p:attrName>style.visibility</p:attrName>
+                                        </p:attrNameLst>
+                                      </p:cBhvr>
+                                      <p:to>
+                                        <p:strVal val="visible"/>
+                                      </p:to>
+                                    </p:set>
+                                    <p:animEffect transition="in" filter="fade">
+                                      <p:cBhvr>
+                                        <p:cTn id="7" dur="500"/>
+                                        <p:tgtEl>
+                                          <p:spTgt spid="3">
+                                            <p:txEl>
+                                              <p:pRg st="0" end="0"/>
+                                            </p:txEl>
+                                          </p:spTgt>
+                                        </p:tgtEl>
+                                      </p:cBhvr>
+                                    </p:animEffect>
+                                  </p:childTnLst>
+                                </p:cTn>
+                              </p:par>
+                            </p:childTnLst>
+                          </p:cTn>
+                        </p:par>
+                      </p:childTnLst>
+                    </p:cTn>
+                  </p:par>
+                  <p:par>
+                    <p:cTn id="8" fill="hold">
+                      <p:stCondLst>
+                        <p:cond delay="indefinite"/>
+                      </p:stCondLst>
+                      <p:childTnLst>
+                        <p:par>
+                          <p:cTn id="9" fill="hold">
+                            <p:stCondLst>
+                              <p:cond delay="0"/>
+                            </p:stCondLst>
+                            <p:childTnLst>
+                              <p:par>
+                                <p:cTn id="10" presetID="10" presetClass="entr" presetSubtype="0" fill="hold" nodeType="clickEffect">
+                                  <p:stCondLst>
+                                    <p:cond delay="0"/>
+                                  </p:stCondLst>
+                                  <p:childTnLst>
+                                    <p:set>
+                                      <p:cBhvr>
+                                        <p:cTn id="11" dur="1" fill="hold">
+                                          <p:stCondLst>
+                                            <p:cond delay="0"/>
+                                          </p:stCondLst>
+                                        </p:cTn>
+                                        <p:tgtEl>
+                                          <p:spTgt spid="3">
+                                            <p:txEl>
+                                              <p:pRg st="1" end="1"/>
+                                            </p:txEl>
+                                          </p:spTgt>
+                                        </p:tgtEl>
+                                        <p:attrNameLst>
+                                          <p:attrName>style.visibility</p:attrName>
+                                        </p:attrNameLst>
+                                      </p:cBhvr>
+                                      <p:to>
+                                        <p:strVal val="visible"/>
+                                      </p:to>
+                                    </p:set>
+                                    <p:animEffect transition="in" filter="fade">
+                                      <p:cBhvr>
+                                        <p:cTn id="12" dur="500"/>
+                                        <p:tgtEl>
+                                          <p:spTgt spid="3">
+                                            <p:txEl>
+                                              <p:pRg st="1" end="1"/>
+                                            </p:txEl>
+                                          </p:spTgt>
+                                        </p:tgtEl>
+                                      </p:cBhvr>
+                                    </p:animEffect>
+                                  </p:childTnLst>
+                                </p:cTn>
+                              </p:par>
+                            </p:childTnLst>
+                          </p:cTn>
+                        </p:par>
+                      </p:childTnLst>
+                    </p:cTn>
+                  </p:par>
+                  <p:par>
+                    <p:cTn id="13" fill="hold">
+                      <p:stCondLst>
+                        <p:cond delay="indefinite"/>
+                      </p:stCondLst>
+                      <p:childTnLst>
+                        <p:par>
+                          <p:cTn id="14" fill="hold">
+                            <p:stCondLst>
+                              <p:cond delay="0"/>
+                            </p:stCondLst>
+                            <p:childTnLst>
+                              <p:par>
+                                <p:cTn id="15" presetID="10" presetClass="entr" presetSubtype="0" fill="hold" nodeType="clickEffect">
+                                  <p:stCondLst>
+                                    <p:cond delay="0"/>
+                                  </p:stCondLst>
+                                  <p:childTnLst>
+                                    <p:set>
+                                      <p:cBhvr>
+                                        <p:cTn id="16" dur="1" fill="hold">
+                                          <p:stCondLst>
+                                            <p:cond delay="0"/>
+                                          </p:stCondLst>
+                                        </p:cTn>
+                                        <p:tgtEl>
+                                          <p:spTgt spid="3">
+                                            <p:txEl>
+                                              <p:pRg st="2" end="2"/>
+                                            </p:txEl>
+                                          </p:spTgt>
+                                        </p:tgtEl>
+                                        <p:attrNameLst>
+                                          <p:attrName>style.visibility</p:attrName>
+                                        </p:attrNameLst>
+                                      </p:cBhvr>
+                                      <p:to>
+                                        <p:strVal val="visible"/>
+                                      </p:to>
+                                    </p:set>
+                                    <p:animEffect transition="in" filter="fade">
+                                      <p:cBhvr>
+                                        <p:cTn id="17" dur="500"/>
+                                        <p:tgtEl>
+                                          <p:spTgt spid="3">
+                                            <p:txEl>
+                                              <p:pRg st="2" end="2"/>
+                                            </p:txEl>
+                                          </p:spTgt>
+                                        </p:tgtEl>
+                                      </p:cBhvr>
+                                    </p:animEffect>
+                                  </p:childTnLst>
+                                </p:cTn>
+                              </p:par>
+                            </p:childTnLst>
+                          </p:cTn>
+                        </p:par>
+                      </p:childTnLst>
+                    </p:cTn>
+                  </p:par>
+                  <p:par>
+                    <p:cTn id="18" fill="hold">
+                      <p:stCondLst>
+                        <p:cond delay="indefinite"/>
+                      </p:stCondLst>
+                      <p:childTnLst>
+                        <p:par>
+                          <p:cTn id="19" fill="hold">
+                            <p:stCondLst>
+                              <p:cond delay="0"/>
+                            </p:stCondLst>
+                            <p:childTnLst>
+                              <p:par>
+                                <p:cTn id="20" presetID="10" presetClass="entr" presetSubtype="0" fill="hold" nodeType="clickEffect">
+                                  <p:stCondLst>
+                                    <p:cond delay="0"/>
+                                  </p:stCondLst>
+                                  <p:childTnLst>
+                                    <p:set>
+                                      <p:cBhvr>
+                                        <p:cTn id="21" dur="1" fill="hold">
+                                          <p:stCondLst>
+                                            <p:cond delay="0"/>
+                                          </p:stCondLst>
+                                        </p:cTn>
+                                        <p:tgtEl>
+                                          <p:spTgt spid="3">
+                                            <p:txEl>
+                                              <p:pRg st="3" end="3"/>
+                                            </p:txEl>
+                                          </p:spTgt>
+                                        </p:tgtEl>
+                                        <p:attrNameLst>
+                                          <p:attrName>style.visibility</p:attrName>
+                                        </p:attrNameLst>
+                                      </p:cBhvr>
+                                      <p:to>
+                                        <p:strVal val="visible"/>
+                                      </p:to>
+                                    </p:set>
+                                    <p:animEffect transition="in" filter="fade">
+                                      <p:cBhvr>
+                                        <p:cTn id="22" dur="500"/>
+                                        <p:tgtEl>
+                                          <p:spTgt spid="3">
+                                            <p:txEl>
+                                              <p:pRg st="3" end="3"/>
+                                            </p:txEl>
+                                          </p:spTgt>
+                                        </p:tgtEl>
+                                      </p:cBhvr>
+                                    </p:animEffect>
+                                  </p:childTnLst>
+                                </p:cTn>
+                              </p:par>
+                            </p:childTnLst>
+                          </p:cTn>
+                        </p:par>
+                      </p:childTnLst>
+                    </p:cTn>
+                  </p:par>
+                  <p:par>
+                    <p:cTn id="23" fill="hold">
+                      <p:stCondLst>
+                        <p:cond delay="indefinite"/>
+                      </p:stCondLst>
+                      <p:childTnLst>
+                        <p:par>
+                          <p:cTn id="24" fill="hold">
+                            <p:stCondLst>
+                              <p:cond delay="0"/>
+                            </p:stCondLst>
+                            <p:childTnLst>
+                              <p:par>
+                                <p:cTn id="25" presetID="10" presetClass="entr" presetSubtype="0" fill="hold" nodeType="clickEffect">
+                                  <p:stCondLst>
+                                    <p:cond delay="0"/>
+                                  </p:stCondLst>
+                                  <p:childTnLst>
+                                    <p:set>
+                                      <p:cBhvr>
+                                        <p:cTn id="26" dur="1" fill="hold">
+                                          <p:stCondLst>
+                                            <p:cond delay="0"/>
+                                          </p:stCondLst>
+                                        </p:cTn>
+                                        <p:tgtEl>
+                                          <p:spTgt spid="3">
+                                            <p:txEl>
+                                              <p:pRg st="4" end="4"/>
+                                            </p:txEl>
+                                          </p:spTgt>
+                                        </p:tgtEl>
+                                        <p:attrNameLst>
+                                          <p:attrName>style.visibility</p:attrName>
+                                        </p:attrNameLst>
+                                      </p:cBhvr>
+                                      <p:to>
+                                        <p:strVal val="visible"/>
+                                      </p:to>
+                                    </p:set>
+                                    <p:animEffect transition="in" filter="fade">
+                                      <p:cBhvr>
+                                        <p:cTn id="27" dur="500"/>
+                                        <p:tgtEl>
+                                          <p:spTgt spid="3">
+                                            <p:txEl>
+                                              <p:pRg st="4" end="4"/>
+                                            </p:txEl>
+                                          </p:spTgt>
+                                        </p:tgtEl>
+                                      </p:cBhvr>
+                                    </p:animEffect>
+                                  </p:childTnLst>
+                                </p:cTn>
+                              </p:par>
+                            </p:childTnLst>
+                          </p:cTn>
+                        </p:par>
+                      </p:childTnLst>
+                    </p:cTn>
+                  </p:par>
+                  <p:par>
+                    <p:cTn id="28" fill="hold">
+                      <p:stCondLst>
+                        <p:cond delay="indefinite"/>
+                      </p:stCondLst>
+                      <p:childTnLst>
+                        <p:par>
+                          <p:cTn id="29" fill="hold">
+                            <p:stCondLst>
+                              <p:cond delay="0"/>
+                            </p:stCondLst>
+                            <p:childTnLst>
+                              <p:par>
+                                <p:cTn id="30" presetID="10" presetClass="entr" presetSubtype="0" fill="hold" nodeType="clickEffect">
+                                  <p:stCondLst>
+                                    <p:cond delay="0"/>
+                                  </p:stCondLst>
+                                  <p:childTnLst>
+                                    <p:set>
+                                      <p:cBhvr>
+                                        <p:cTn id="31" dur="1" fill="hold">
+                                          <p:stCondLst>
+                                            <p:cond delay="0"/>
+                                          </p:stCondLst>
+                                        </p:cTn>
+                                        <p:tgtEl>
+                                          <p:spTgt spid="3">
+                                            <p:txEl>
+                                              <p:pRg st="5" end="5"/>
+                                            </p:txEl>
+                                          </p:spTgt>
+                                        </p:tgtEl>
+                                        <p:attrNameLst>
+                                          <p:attrName>style.visibility</p:attrName>
+                                        </p:attrNameLst>
+                                      </p:cBhvr>
+                                      <p:to>
+                                        <p:strVal val="visible"/>
+                                      </p:to>
+                                    </p:set>
+                                    <p:animEffect transition="in" filter="fade">
+                                      <p:cBhvr>
+                                        <p:cTn id="32" dur="500"/>
+                                        <p:tgtEl>
+                                          <p:spTgt spid="3">
+                                            <p:txEl>
+                                              <p:pRg st="5" end="5"/>
+                                            </p:txEl>
+                                          </p:spTgt>
+                                        </p:tgtEl>
+                                      </p:cBhvr>
+                                    </p:animEffect>
+                                  </p:childTnLst>
+                                </p:cTn>
+                              </p:par>
+                            </p:childTnLst>
+                          </p:cTn>
+                        </p:par>
+                      </p:childTnLst>
+                    </p:cTn>
+                  </p:par>
+                </p:childTnLst>
+              </p:cTn>
+              <p:prevCondLst>
+                <p:cond evt="onPrev" delay="0">
+                  <p:tgtEl>
+                    <p:sldTgt/>
+                  </p:tgtEl>
+                </p:cond>
+              </p:prevCondLst>
+              <p:nextCondLst>
+                <p:cond evt="onNext" delay="0">
+                  <p:tgtEl>
+                    <p:sldTgt/>
+                  </p:tgtEl>
+                </p:cond>
+              </p:nextCondLst>
+            </p:seq>
+          </p:childTnLst>
+        </p:cTn>
+      </p:par>
+    </p:tnLst>
+  </p:timing>
 </p:sld>
 </file>
 
@@ -13166,36 +13161,959 @@
           </a:p>
         </p:txBody>
       </p:sp>
-      <p:pic>
-        <p:nvPicPr>
-          <p:cNvPr id="4" name="Picture 3">
+      <p:sp>
+        <p:nvSpPr>
+          <p:cNvPr id="9" name="TextBox 8">
             <a:extLst>
               <a:ext uri="{FF2B5EF4-FFF2-40B4-BE49-F238E27FC236}">
-                <a16:creationId xmlns:a16="http://schemas.microsoft.com/office/drawing/2014/main" id="{685C03F3-F54B-46CE-8286-DB32D8C7CB1D}"/>
+                <a16:creationId xmlns:a16="http://schemas.microsoft.com/office/drawing/2014/main" id="{D29A9D10-3AF1-4977-A4B5-EF12334DA933}"/>
               </a:ext>
             </a:extLst>
           </p:cNvPr>
-          <p:cNvPicPr>
-            <a:picLocks noChangeAspect="1"/>
-          </p:cNvPicPr>
+          <p:cNvSpPr txBox="1"/>
           <p:nvPr/>
-        </p:nvPicPr>
-        <p:blipFill>
-          <a:blip r:embed="rId2"/>
-          <a:stretch>
-            <a:fillRect/>
-          </a:stretch>
-        </p:blipFill>
+        </p:nvSpPr>
         <p:spPr>
           <a:xfrm>
-            <a:off x="5047761" y="981091"/>
-            <a:ext cx="6861512" cy="4830929"/>
+            <a:off x="5305493" y="700714"/>
+            <a:ext cx="6124506" cy="5078313"/>
           </a:xfrm>
           <a:prstGeom prst="rect">
             <a:avLst/>
           </a:prstGeom>
+          <a:solidFill>
+            <a:schemeClr val="tx1"/>
+          </a:solidFill>
         </p:spPr>
-      </p:pic>
+        <p:txBody>
+          <a:bodyPr wrap="square">
+            <a:spAutoFit/>
+          </a:bodyPr>
+          <a:lstStyle/>
+          <a:p>
+            <a:r>
+              <a:rPr lang="en-IE" b="0" dirty="0" err="1">
+                <a:solidFill>
+                  <a:srgbClr val="4FC1FF"/>
+                </a:solidFill>
+                <a:effectLst/>
+                <a:latin typeface="Consolas" panose="020B0609020204030204" pitchFamily="49" charset="0"/>
+              </a:rPr>
+              <a:t>UserSchema</a:t>
+            </a:r>
+            <a:r>
+              <a:rPr lang="en-IE" b="0" dirty="0" err="1">
+                <a:solidFill>
+                  <a:srgbClr val="D4D4D4"/>
+                </a:solidFill>
+                <a:effectLst/>
+                <a:latin typeface="Consolas" panose="020B0609020204030204" pitchFamily="49" charset="0"/>
+              </a:rPr>
+              <a:t>.</a:t>
+            </a:r>
+            <a:r>
+              <a:rPr lang="en-IE" b="0" dirty="0" err="1">
+                <a:solidFill>
+                  <a:srgbClr val="DCDCAA"/>
+                </a:solidFill>
+                <a:effectLst/>
+                <a:latin typeface="Consolas" panose="020B0609020204030204" pitchFamily="49" charset="0"/>
+              </a:rPr>
+              <a:t>pre</a:t>
+            </a:r>
+            <a:r>
+              <a:rPr lang="en-IE" b="0" dirty="0">
+                <a:solidFill>
+                  <a:srgbClr val="D4D4D4"/>
+                </a:solidFill>
+                <a:effectLst/>
+                <a:latin typeface="Consolas" panose="020B0609020204030204" pitchFamily="49" charset="0"/>
+              </a:rPr>
+              <a:t>(</a:t>
+            </a:r>
+            <a:r>
+              <a:rPr lang="en-IE" b="0" dirty="0">
+                <a:solidFill>
+                  <a:srgbClr val="CE9178"/>
+                </a:solidFill>
+                <a:effectLst/>
+                <a:latin typeface="Consolas" panose="020B0609020204030204" pitchFamily="49" charset="0"/>
+              </a:rPr>
+              <a:t>'save'</a:t>
+            </a:r>
+            <a:r>
+              <a:rPr lang="en-IE" b="0" dirty="0">
+                <a:solidFill>
+                  <a:srgbClr val="D4D4D4"/>
+                </a:solidFill>
+                <a:effectLst/>
+                <a:latin typeface="Consolas" panose="020B0609020204030204" pitchFamily="49" charset="0"/>
+              </a:rPr>
+              <a:t>, </a:t>
+            </a:r>
+            <a:r>
+              <a:rPr lang="en-IE" b="0" dirty="0">
+                <a:solidFill>
+                  <a:srgbClr val="569CD6"/>
+                </a:solidFill>
+                <a:effectLst/>
+                <a:latin typeface="Consolas" panose="020B0609020204030204" pitchFamily="49" charset="0"/>
+              </a:rPr>
+              <a:t>function</a:t>
+            </a:r>
+            <a:r>
+              <a:rPr lang="en-IE" b="0" dirty="0">
+                <a:solidFill>
+                  <a:srgbClr val="D4D4D4"/>
+                </a:solidFill>
+                <a:effectLst/>
+                <a:latin typeface="Consolas" panose="020B0609020204030204" pitchFamily="49" charset="0"/>
+              </a:rPr>
+              <a:t> (</a:t>
+            </a:r>
+            <a:r>
+              <a:rPr lang="en-IE" b="0" dirty="0">
+                <a:solidFill>
+                  <a:srgbClr val="DCDCAA"/>
+                </a:solidFill>
+                <a:effectLst/>
+                <a:latin typeface="Consolas" panose="020B0609020204030204" pitchFamily="49" charset="0"/>
+              </a:rPr>
+              <a:t>next</a:t>
+            </a:r>
+            <a:r>
+              <a:rPr lang="en-IE" b="0" dirty="0">
+                <a:solidFill>
+                  <a:srgbClr val="D4D4D4"/>
+                </a:solidFill>
+                <a:effectLst/>
+                <a:latin typeface="Consolas" panose="020B0609020204030204" pitchFamily="49" charset="0"/>
+              </a:rPr>
+              <a:t>) {</a:t>
+            </a:r>
+          </a:p>
+          <a:p>
+            <a:r>
+              <a:rPr lang="en-IE" b="0" dirty="0">
+                <a:solidFill>
+                  <a:srgbClr val="D4D4D4"/>
+                </a:solidFill>
+                <a:effectLst/>
+                <a:latin typeface="Consolas" panose="020B0609020204030204" pitchFamily="49" charset="0"/>
+              </a:rPr>
+              <a:t>  </a:t>
+            </a:r>
+            <a:r>
+              <a:rPr lang="en-IE" b="0" dirty="0" err="1">
+                <a:solidFill>
+                  <a:srgbClr val="569CD6"/>
+                </a:solidFill>
+                <a:effectLst/>
+                <a:latin typeface="Consolas" panose="020B0609020204030204" pitchFamily="49" charset="0"/>
+              </a:rPr>
+              <a:t>const</a:t>
+            </a:r>
+            <a:r>
+              <a:rPr lang="en-IE" b="0" dirty="0">
+                <a:solidFill>
+                  <a:srgbClr val="D4D4D4"/>
+                </a:solidFill>
+                <a:effectLst/>
+                <a:latin typeface="Consolas" panose="020B0609020204030204" pitchFamily="49" charset="0"/>
+              </a:rPr>
+              <a:t> </a:t>
+            </a:r>
+            <a:r>
+              <a:rPr lang="en-IE" b="0" dirty="0">
+                <a:solidFill>
+                  <a:srgbClr val="4FC1FF"/>
+                </a:solidFill>
+                <a:effectLst/>
+                <a:latin typeface="Consolas" panose="020B0609020204030204" pitchFamily="49" charset="0"/>
+              </a:rPr>
+              <a:t>user</a:t>
+            </a:r>
+            <a:r>
+              <a:rPr lang="en-IE" b="0" dirty="0">
+                <a:solidFill>
+                  <a:srgbClr val="D4D4D4"/>
+                </a:solidFill>
+                <a:effectLst/>
+                <a:latin typeface="Consolas" panose="020B0609020204030204" pitchFamily="49" charset="0"/>
+              </a:rPr>
+              <a:t> = </a:t>
+            </a:r>
+            <a:r>
+              <a:rPr lang="en-IE" b="0" dirty="0">
+                <a:solidFill>
+                  <a:srgbClr val="569CD6"/>
+                </a:solidFill>
+                <a:effectLst/>
+                <a:latin typeface="Consolas" panose="020B0609020204030204" pitchFamily="49" charset="0"/>
+              </a:rPr>
+              <a:t>this</a:t>
+            </a:r>
+            <a:r>
+              <a:rPr lang="en-IE" b="0" dirty="0">
+                <a:solidFill>
+                  <a:srgbClr val="D4D4D4"/>
+                </a:solidFill>
+                <a:effectLst/>
+                <a:latin typeface="Consolas" panose="020B0609020204030204" pitchFamily="49" charset="0"/>
+              </a:rPr>
+              <a:t>;</a:t>
+            </a:r>
+          </a:p>
+          <a:p>
+            <a:r>
+              <a:rPr lang="en-IE" b="0" dirty="0">
+                <a:solidFill>
+                  <a:srgbClr val="D4D4D4"/>
+                </a:solidFill>
+                <a:effectLst/>
+                <a:latin typeface="Consolas" panose="020B0609020204030204" pitchFamily="49" charset="0"/>
+              </a:rPr>
+              <a:t>  </a:t>
+            </a:r>
+            <a:r>
+              <a:rPr lang="en-IE" b="0" dirty="0">
+                <a:solidFill>
+                  <a:srgbClr val="C586C0"/>
+                </a:solidFill>
+                <a:effectLst/>
+                <a:latin typeface="Consolas" panose="020B0609020204030204" pitchFamily="49" charset="0"/>
+              </a:rPr>
+              <a:t>if</a:t>
+            </a:r>
+            <a:r>
+              <a:rPr lang="en-IE" b="0" dirty="0">
+                <a:solidFill>
+                  <a:srgbClr val="D4D4D4"/>
+                </a:solidFill>
+                <a:effectLst/>
+                <a:latin typeface="Consolas" panose="020B0609020204030204" pitchFamily="49" charset="0"/>
+              </a:rPr>
+              <a:t> (</a:t>
+            </a:r>
+            <a:r>
+              <a:rPr lang="en-IE" b="0" dirty="0" err="1">
+                <a:solidFill>
+                  <a:srgbClr val="569CD6"/>
+                </a:solidFill>
+                <a:effectLst/>
+                <a:latin typeface="Consolas" panose="020B0609020204030204" pitchFamily="49" charset="0"/>
+              </a:rPr>
+              <a:t>this</a:t>
+            </a:r>
+            <a:r>
+              <a:rPr lang="en-IE" b="0" dirty="0" err="1">
+                <a:solidFill>
+                  <a:srgbClr val="D4D4D4"/>
+                </a:solidFill>
+                <a:effectLst/>
+                <a:latin typeface="Consolas" panose="020B0609020204030204" pitchFamily="49" charset="0"/>
+              </a:rPr>
+              <a:t>.</a:t>
+            </a:r>
+            <a:r>
+              <a:rPr lang="en-IE" b="0" dirty="0" err="1">
+                <a:solidFill>
+                  <a:srgbClr val="DCDCAA"/>
+                </a:solidFill>
+                <a:effectLst/>
+                <a:latin typeface="Consolas" panose="020B0609020204030204" pitchFamily="49" charset="0"/>
+              </a:rPr>
+              <a:t>isModified</a:t>
+            </a:r>
+            <a:r>
+              <a:rPr lang="en-IE" b="0" dirty="0">
+                <a:solidFill>
+                  <a:srgbClr val="D4D4D4"/>
+                </a:solidFill>
+                <a:effectLst/>
+                <a:latin typeface="Consolas" panose="020B0609020204030204" pitchFamily="49" charset="0"/>
+              </a:rPr>
+              <a:t>(</a:t>
+            </a:r>
+            <a:r>
+              <a:rPr lang="en-IE" b="0" dirty="0">
+                <a:solidFill>
+                  <a:srgbClr val="CE9178"/>
+                </a:solidFill>
+                <a:effectLst/>
+                <a:latin typeface="Consolas" panose="020B0609020204030204" pitchFamily="49" charset="0"/>
+              </a:rPr>
+              <a:t>'password'</a:t>
+            </a:r>
+            <a:r>
+              <a:rPr lang="en-IE" b="0" dirty="0">
+                <a:solidFill>
+                  <a:srgbClr val="D4D4D4"/>
+                </a:solidFill>
+                <a:effectLst/>
+                <a:latin typeface="Consolas" panose="020B0609020204030204" pitchFamily="49" charset="0"/>
+              </a:rPr>
+              <a:t>) || </a:t>
+            </a:r>
+            <a:r>
+              <a:rPr lang="en-IE" b="0" dirty="0" err="1">
+                <a:solidFill>
+                  <a:srgbClr val="569CD6"/>
+                </a:solidFill>
+                <a:effectLst/>
+                <a:latin typeface="Consolas" panose="020B0609020204030204" pitchFamily="49" charset="0"/>
+              </a:rPr>
+              <a:t>this</a:t>
+            </a:r>
+            <a:r>
+              <a:rPr lang="en-IE" b="0" dirty="0" err="1">
+                <a:solidFill>
+                  <a:srgbClr val="D4D4D4"/>
+                </a:solidFill>
+                <a:effectLst/>
+                <a:latin typeface="Consolas" panose="020B0609020204030204" pitchFamily="49" charset="0"/>
+              </a:rPr>
+              <a:t>.</a:t>
+            </a:r>
+            <a:r>
+              <a:rPr lang="en-IE" b="0" dirty="0" err="1">
+                <a:solidFill>
+                  <a:srgbClr val="9CDCFE"/>
+                </a:solidFill>
+                <a:effectLst/>
+                <a:latin typeface="Consolas" panose="020B0609020204030204" pitchFamily="49" charset="0"/>
+              </a:rPr>
+              <a:t>isNew</a:t>
+            </a:r>
+            <a:r>
+              <a:rPr lang="en-IE" b="0" dirty="0">
+                <a:solidFill>
+                  <a:srgbClr val="D4D4D4"/>
+                </a:solidFill>
+                <a:effectLst/>
+                <a:latin typeface="Consolas" panose="020B0609020204030204" pitchFamily="49" charset="0"/>
+              </a:rPr>
+              <a:t>) {</a:t>
+            </a:r>
+          </a:p>
+          <a:p>
+            <a:r>
+              <a:rPr lang="en-IE" b="0" dirty="0">
+                <a:solidFill>
+                  <a:srgbClr val="9CDCFE"/>
+                </a:solidFill>
+                <a:effectLst/>
+                <a:latin typeface="Consolas" panose="020B0609020204030204" pitchFamily="49" charset="0"/>
+              </a:rPr>
+              <a:t>    </a:t>
+            </a:r>
+            <a:r>
+              <a:rPr lang="en-IE" b="0" dirty="0" err="1">
+                <a:solidFill>
+                  <a:srgbClr val="9CDCFE"/>
+                </a:solidFill>
+                <a:effectLst/>
+                <a:latin typeface="Consolas" panose="020B0609020204030204" pitchFamily="49" charset="0"/>
+              </a:rPr>
+              <a:t>bcrypt</a:t>
+            </a:r>
+            <a:r>
+              <a:rPr lang="en-IE" b="0" dirty="0" err="1">
+                <a:solidFill>
+                  <a:srgbClr val="D4D4D4"/>
+                </a:solidFill>
+                <a:effectLst/>
+                <a:latin typeface="Consolas" panose="020B0609020204030204" pitchFamily="49" charset="0"/>
+              </a:rPr>
+              <a:t>.</a:t>
+            </a:r>
+            <a:r>
+              <a:rPr lang="en-IE" b="0" dirty="0" err="1">
+                <a:solidFill>
+                  <a:srgbClr val="DCDCAA"/>
+                </a:solidFill>
+                <a:effectLst/>
+                <a:latin typeface="Consolas" panose="020B0609020204030204" pitchFamily="49" charset="0"/>
+              </a:rPr>
+              <a:t>hash</a:t>
+            </a:r>
+            <a:r>
+              <a:rPr lang="en-IE" b="0" dirty="0">
+                <a:solidFill>
+                  <a:srgbClr val="D4D4D4"/>
+                </a:solidFill>
+                <a:effectLst/>
+                <a:latin typeface="Consolas" panose="020B0609020204030204" pitchFamily="49" charset="0"/>
+              </a:rPr>
+              <a:t>(</a:t>
+            </a:r>
+            <a:r>
+              <a:rPr lang="en-IE" b="0" dirty="0" err="1">
+                <a:solidFill>
+                  <a:srgbClr val="4FC1FF"/>
+                </a:solidFill>
+                <a:effectLst/>
+                <a:latin typeface="Consolas" panose="020B0609020204030204" pitchFamily="49" charset="0"/>
+              </a:rPr>
+              <a:t>user</a:t>
+            </a:r>
+            <a:r>
+              <a:rPr lang="en-IE" b="0" dirty="0" err="1">
+                <a:solidFill>
+                  <a:srgbClr val="D4D4D4"/>
+                </a:solidFill>
+                <a:effectLst/>
+                <a:latin typeface="Consolas" panose="020B0609020204030204" pitchFamily="49" charset="0"/>
+              </a:rPr>
+              <a:t>.</a:t>
+            </a:r>
+            <a:r>
+              <a:rPr lang="en-IE" b="0" dirty="0" err="1">
+                <a:solidFill>
+                  <a:srgbClr val="9CDCFE"/>
+                </a:solidFill>
+                <a:effectLst/>
+                <a:latin typeface="Consolas" panose="020B0609020204030204" pitchFamily="49" charset="0"/>
+              </a:rPr>
+              <a:t>password</a:t>
+            </a:r>
+            <a:r>
+              <a:rPr lang="en-IE" b="0" dirty="0">
+                <a:solidFill>
+                  <a:srgbClr val="D4D4D4"/>
+                </a:solidFill>
+                <a:effectLst/>
+                <a:latin typeface="Consolas" panose="020B0609020204030204" pitchFamily="49" charset="0"/>
+              </a:rPr>
+              <a:t>, </a:t>
+            </a:r>
+            <a:r>
+              <a:rPr lang="en-IE" b="0" dirty="0">
+                <a:solidFill>
+                  <a:srgbClr val="B5CEA8"/>
+                </a:solidFill>
+                <a:effectLst/>
+                <a:latin typeface="Consolas" panose="020B0609020204030204" pitchFamily="49" charset="0"/>
+              </a:rPr>
+              <a:t>10</a:t>
+            </a:r>
+            <a:r>
+              <a:rPr lang="en-IE" b="0" dirty="0">
+                <a:solidFill>
+                  <a:srgbClr val="D4D4D4"/>
+                </a:solidFill>
+                <a:effectLst/>
+                <a:latin typeface="Consolas" panose="020B0609020204030204" pitchFamily="49" charset="0"/>
+              </a:rPr>
+              <a:t>, (</a:t>
+            </a:r>
+            <a:r>
+              <a:rPr lang="en-IE" b="0" dirty="0">
+                <a:solidFill>
+                  <a:srgbClr val="9CDCFE"/>
+                </a:solidFill>
+                <a:effectLst/>
+                <a:latin typeface="Consolas" panose="020B0609020204030204" pitchFamily="49" charset="0"/>
+              </a:rPr>
+              <a:t>err</a:t>
+            </a:r>
+            <a:r>
+              <a:rPr lang="en-IE" b="0" dirty="0">
+                <a:solidFill>
+                  <a:srgbClr val="D4D4D4"/>
+                </a:solidFill>
+                <a:effectLst/>
+                <a:latin typeface="Consolas" panose="020B0609020204030204" pitchFamily="49" charset="0"/>
+              </a:rPr>
+              <a:t>, </a:t>
+            </a:r>
+            <a:r>
+              <a:rPr lang="en-IE" b="0" dirty="0">
+                <a:solidFill>
+                  <a:srgbClr val="9CDCFE"/>
+                </a:solidFill>
+                <a:effectLst/>
+                <a:latin typeface="Consolas" panose="020B0609020204030204" pitchFamily="49" charset="0"/>
+              </a:rPr>
+              <a:t>hash</a:t>
+            </a:r>
+            <a:r>
+              <a:rPr lang="en-IE" b="0" dirty="0">
+                <a:solidFill>
+                  <a:srgbClr val="D4D4D4"/>
+                </a:solidFill>
+                <a:effectLst/>
+                <a:latin typeface="Consolas" panose="020B0609020204030204" pitchFamily="49" charset="0"/>
+              </a:rPr>
+              <a:t>) </a:t>
+            </a:r>
+            <a:r>
+              <a:rPr lang="en-IE" b="0" dirty="0">
+                <a:solidFill>
+                  <a:srgbClr val="569CD6"/>
+                </a:solidFill>
+                <a:effectLst/>
+                <a:latin typeface="Consolas" panose="020B0609020204030204" pitchFamily="49" charset="0"/>
+              </a:rPr>
+              <a:t>=&gt;</a:t>
+            </a:r>
+            <a:r>
+              <a:rPr lang="en-IE" b="0" dirty="0">
+                <a:solidFill>
+                  <a:srgbClr val="D4D4D4"/>
+                </a:solidFill>
+                <a:effectLst/>
+                <a:latin typeface="Consolas" panose="020B0609020204030204" pitchFamily="49" charset="0"/>
+              </a:rPr>
+              <a:t> {</a:t>
+            </a:r>
+          </a:p>
+          <a:p>
+            <a:r>
+              <a:rPr lang="en-IE" b="0" dirty="0">
+                <a:solidFill>
+                  <a:srgbClr val="D4D4D4"/>
+                </a:solidFill>
+                <a:effectLst/>
+                <a:latin typeface="Consolas" panose="020B0609020204030204" pitchFamily="49" charset="0"/>
+              </a:rPr>
+              <a:t>      </a:t>
+            </a:r>
+            <a:r>
+              <a:rPr lang="en-IE" b="0" dirty="0">
+                <a:solidFill>
+                  <a:srgbClr val="C586C0"/>
+                </a:solidFill>
+                <a:effectLst/>
+                <a:latin typeface="Consolas" panose="020B0609020204030204" pitchFamily="49" charset="0"/>
+              </a:rPr>
+              <a:t>if</a:t>
+            </a:r>
+            <a:r>
+              <a:rPr lang="en-IE" b="0" dirty="0">
+                <a:solidFill>
+                  <a:srgbClr val="D4D4D4"/>
+                </a:solidFill>
+                <a:effectLst/>
+                <a:latin typeface="Consolas" panose="020B0609020204030204" pitchFamily="49" charset="0"/>
+              </a:rPr>
+              <a:t> (</a:t>
+            </a:r>
+            <a:r>
+              <a:rPr lang="en-IE" b="0" dirty="0">
+                <a:solidFill>
+                  <a:srgbClr val="9CDCFE"/>
+                </a:solidFill>
+                <a:effectLst/>
+                <a:latin typeface="Consolas" panose="020B0609020204030204" pitchFamily="49" charset="0"/>
+              </a:rPr>
+              <a:t>err</a:t>
+            </a:r>
+            <a:r>
+              <a:rPr lang="en-IE" b="0" dirty="0">
+                <a:solidFill>
+                  <a:srgbClr val="D4D4D4"/>
+                </a:solidFill>
+                <a:effectLst/>
+                <a:latin typeface="Consolas" panose="020B0609020204030204" pitchFamily="49" charset="0"/>
+              </a:rPr>
+              <a:t>) {</a:t>
+            </a:r>
+          </a:p>
+          <a:p>
+            <a:r>
+              <a:rPr lang="en-IE" b="0" dirty="0">
+                <a:solidFill>
+                  <a:srgbClr val="D4D4D4"/>
+                </a:solidFill>
+                <a:effectLst/>
+                <a:latin typeface="Consolas" panose="020B0609020204030204" pitchFamily="49" charset="0"/>
+              </a:rPr>
+              <a:t>        </a:t>
+            </a:r>
+            <a:r>
+              <a:rPr lang="en-IE" b="0" dirty="0">
+                <a:solidFill>
+                  <a:srgbClr val="C586C0"/>
+                </a:solidFill>
+                <a:effectLst/>
+                <a:latin typeface="Consolas" panose="020B0609020204030204" pitchFamily="49" charset="0"/>
+              </a:rPr>
+              <a:t>return</a:t>
+            </a:r>
+            <a:r>
+              <a:rPr lang="en-IE" b="0" dirty="0">
+                <a:solidFill>
+                  <a:srgbClr val="D4D4D4"/>
+                </a:solidFill>
+                <a:effectLst/>
+                <a:latin typeface="Consolas" panose="020B0609020204030204" pitchFamily="49" charset="0"/>
+              </a:rPr>
+              <a:t> </a:t>
+            </a:r>
+            <a:r>
+              <a:rPr lang="en-IE" b="0" dirty="0">
+                <a:solidFill>
+                  <a:srgbClr val="DCDCAA"/>
+                </a:solidFill>
+                <a:effectLst/>
+                <a:latin typeface="Consolas" panose="020B0609020204030204" pitchFamily="49" charset="0"/>
+              </a:rPr>
+              <a:t>next</a:t>
+            </a:r>
+            <a:r>
+              <a:rPr lang="en-IE" b="0" dirty="0">
+                <a:solidFill>
+                  <a:srgbClr val="D4D4D4"/>
+                </a:solidFill>
+                <a:effectLst/>
+                <a:latin typeface="Consolas" panose="020B0609020204030204" pitchFamily="49" charset="0"/>
+              </a:rPr>
+              <a:t>(</a:t>
+            </a:r>
+            <a:r>
+              <a:rPr lang="en-IE" b="0" dirty="0">
+                <a:solidFill>
+                  <a:srgbClr val="9CDCFE"/>
+                </a:solidFill>
+                <a:effectLst/>
+                <a:latin typeface="Consolas" panose="020B0609020204030204" pitchFamily="49" charset="0"/>
+              </a:rPr>
+              <a:t>err</a:t>
+            </a:r>
+            <a:r>
+              <a:rPr lang="en-IE" b="0" dirty="0">
+                <a:solidFill>
+                  <a:srgbClr val="D4D4D4"/>
+                </a:solidFill>
+                <a:effectLst/>
+                <a:latin typeface="Consolas" panose="020B0609020204030204" pitchFamily="49" charset="0"/>
+              </a:rPr>
+              <a:t>);</a:t>
+            </a:r>
+          </a:p>
+          <a:p>
+            <a:r>
+              <a:rPr lang="en-IE" b="0" dirty="0">
+                <a:solidFill>
+                  <a:srgbClr val="D4D4D4"/>
+                </a:solidFill>
+                <a:effectLst/>
+                <a:latin typeface="Consolas" panose="020B0609020204030204" pitchFamily="49" charset="0"/>
+              </a:rPr>
+              <a:t>      }</a:t>
+            </a:r>
+          </a:p>
+          <a:p>
+            <a:r>
+              <a:rPr lang="en-IE" b="0" dirty="0">
+                <a:solidFill>
+                  <a:srgbClr val="D4D4D4"/>
+                </a:solidFill>
+                <a:effectLst/>
+                <a:latin typeface="Consolas" panose="020B0609020204030204" pitchFamily="49" charset="0"/>
+              </a:rPr>
+              <a:t>      </a:t>
+            </a:r>
+            <a:r>
+              <a:rPr lang="en-IE" b="0" dirty="0">
+                <a:solidFill>
+                  <a:srgbClr val="9CDCFE"/>
+                </a:solidFill>
+                <a:effectLst/>
+                <a:latin typeface="Consolas" panose="020B0609020204030204" pitchFamily="49" charset="0"/>
+              </a:rPr>
+              <a:t>console</a:t>
+            </a:r>
+            <a:r>
+              <a:rPr lang="en-IE" b="0" dirty="0">
+                <a:solidFill>
+                  <a:srgbClr val="D4D4D4"/>
+                </a:solidFill>
+                <a:effectLst/>
+                <a:latin typeface="Consolas" panose="020B0609020204030204" pitchFamily="49" charset="0"/>
+              </a:rPr>
+              <a:t>.</a:t>
+            </a:r>
+            <a:r>
+              <a:rPr lang="en-IE" b="0" dirty="0">
+                <a:solidFill>
+                  <a:srgbClr val="DCDCAA"/>
+                </a:solidFill>
+                <a:effectLst/>
+                <a:latin typeface="Consolas" panose="020B0609020204030204" pitchFamily="49" charset="0"/>
+              </a:rPr>
+              <a:t>log</a:t>
+            </a:r>
+            <a:r>
+              <a:rPr lang="en-IE" b="0" dirty="0">
+                <a:solidFill>
+                  <a:srgbClr val="D4D4D4"/>
+                </a:solidFill>
+                <a:effectLst/>
+                <a:latin typeface="Consolas" panose="020B0609020204030204" pitchFamily="49" charset="0"/>
+              </a:rPr>
+              <a:t>(</a:t>
+            </a:r>
+            <a:r>
+              <a:rPr lang="en-IE" b="0" dirty="0">
+                <a:solidFill>
+                  <a:srgbClr val="9CDCFE"/>
+                </a:solidFill>
+                <a:effectLst/>
+                <a:latin typeface="Consolas" panose="020B0609020204030204" pitchFamily="49" charset="0"/>
+              </a:rPr>
+              <a:t>hash</a:t>
+            </a:r>
+            <a:r>
+              <a:rPr lang="en-IE" b="0" dirty="0">
+                <a:solidFill>
+                  <a:srgbClr val="D4D4D4"/>
+                </a:solidFill>
+                <a:effectLst/>
+                <a:latin typeface="Consolas" panose="020B0609020204030204" pitchFamily="49" charset="0"/>
+              </a:rPr>
+              <a:t>);</a:t>
+            </a:r>
+          </a:p>
+          <a:p>
+            <a:r>
+              <a:rPr lang="en-IE" b="0" dirty="0">
+                <a:solidFill>
+                  <a:srgbClr val="9CDCFE"/>
+                </a:solidFill>
+                <a:effectLst/>
+                <a:latin typeface="Consolas" panose="020B0609020204030204" pitchFamily="49" charset="0"/>
+              </a:rPr>
+              <a:t>      </a:t>
+            </a:r>
+            <a:r>
+              <a:rPr lang="en-IE" b="0" dirty="0" err="1">
+                <a:solidFill>
+                  <a:srgbClr val="4FC1FF"/>
+                </a:solidFill>
+                <a:effectLst/>
+                <a:latin typeface="Consolas" panose="020B0609020204030204" pitchFamily="49" charset="0"/>
+              </a:rPr>
+              <a:t>user</a:t>
+            </a:r>
+            <a:r>
+              <a:rPr lang="en-IE" b="0" dirty="0" err="1">
+                <a:solidFill>
+                  <a:srgbClr val="D4D4D4"/>
+                </a:solidFill>
+                <a:effectLst/>
+                <a:latin typeface="Consolas" panose="020B0609020204030204" pitchFamily="49" charset="0"/>
+              </a:rPr>
+              <a:t>.</a:t>
+            </a:r>
+            <a:r>
+              <a:rPr lang="en-IE" b="0" dirty="0" err="1">
+                <a:solidFill>
+                  <a:srgbClr val="9CDCFE"/>
+                </a:solidFill>
+                <a:effectLst/>
+                <a:latin typeface="Consolas" panose="020B0609020204030204" pitchFamily="49" charset="0"/>
+              </a:rPr>
+              <a:t>password</a:t>
+            </a:r>
+            <a:r>
+              <a:rPr lang="en-IE" b="0" dirty="0">
+                <a:solidFill>
+                  <a:srgbClr val="D4D4D4"/>
+                </a:solidFill>
+                <a:effectLst/>
+                <a:latin typeface="Consolas" panose="020B0609020204030204" pitchFamily="49" charset="0"/>
+              </a:rPr>
+              <a:t> = </a:t>
+            </a:r>
+            <a:r>
+              <a:rPr lang="en-IE" b="0" dirty="0">
+                <a:solidFill>
+                  <a:srgbClr val="9CDCFE"/>
+                </a:solidFill>
+                <a:effectLst/>
+                <a:latin typeface="Consolas" panose="020B0609020204030204" pitchFamily="49" charset="0"/>
+              </a:rPr>
+              <a:t>hash</a:t>
+            </a:r>
+            <a:r>
+              <a:rPr lang="en-IE" b="0" dirty="0">
+                <a:solidFill>
+                  <a:srgbClr val="D4D4D4"/>
+                </a:solidFill>
+                <a:effectLst/>
+                <a:latin typeface="Consolas" panose="020B0609020204030204" pitchFamily="49" charset="0"/>
+              </a:rPr>
+              <a:t>;</a:t>
+            </a:r>
+          </a:p>
+          <a:p>
+            <a:r>
+              <a:rPr lang="en-IE" b="0" dirty="0">
+                <a:solidFill>
+                  <a:srgbClr val="D4D4D4"/>
+                </a:solidFill>
+                <a:effectLst/>
+                <a:latin typeface="Consolas" panose="020B0609020204030204" pitchFamily="49" charset="0"/>
+              </a:rPr>
+              <a:t>      </a:t>
+            </a:r>
+            <a:r>
+              <a:rPr lang="en-IE" b="0" dirty="0">
+                <a:solidFill>
+                  <a:srgbClr val="DCDCAA"/>
+                </a:solidFill>
+                <a:effectLst/>
+                <a:latin typeface="Consolas" panose="020B0609020204030204" pitchFamily="49" charset="0"/>
+              </a:rPr>
+              <a:t>next</a:t>
+            </a:r>
+            <a:r>
+              <a:rPr lang="en-IE" b="0" dirty="0">
+                <a:solidFill>
+                  <a:srgbClr val="D4D4D4"/>
+                </a:solidFill>
+                <a:effectLst/>
+                <a:latin typeface="Consolas" panose="020B0609020204030204" pitchFamily="49" charset="0"/>
+              </a:rPr>
+              <a:t>();</a:t>
+            </a:r>
+          </a:p>
+          <a:p>
+            <a:r>
+              <a:rPr lang="en-IE" b="0" dirty="0">
+                <a:solidFill>
+                  <a:srgbClr val="D4D4D4"/>
+                </a:solidFill>
+                <a:effectLst/>
+                <a:latin typeface="Consolas" panose="020B0609020204030204" pitchFamily="49" charset="0"/>
+              </a:rPr>
+              <a:t>    });</a:t>
+            </a:r>
+          </a:p>
+          <a:p>
+            <a:r>
+              <a:rPr lang="en-IE" b="0" dirty="0">
+                <a:solidFill>
+                  <a:srgbClr val="D4D4D4"/>
+                </a:solidFill>
+                <a:effectLst/>
+                <a:latin typeface="Consolas" panose="020B0609020204030204" pitchFamily="49" charset="0"/>
+              </a:rPr>
+              <a:t>  }</a:t>
+            </a:r>
+          </a:p>
+          <a:p>
+            <a:r>
+              <a:rPr lang="en-IE" b="0" dirty="0">
+                <a:solidFill>
+                  <a:srgbClr val="D4D4D4"/>
+                </a:solidFill>
+                <a:effectLst/>
+                <a:latin typeface="Consolas" panose="020B0609020204030204" pitchFamily="49" charset="0"/>
+              </a:rPr>
+              <a:t>  </a:t>
+            </a:r>
+            <a:r>
+              <a:rPr lang="en-IE" b="0" dirty="0">
+                <a:solidFill>
+                  <a:srgbClr val="C586C0"/>
+                </a:solidFill>
+                <a:effectLst/>
+                <a:latin typeface="Consolas" panose="020B0609020204030204" pitchFamily="49" charset="0"/>
+              </a:rPr>
+              <a:t>else</a:t>
+            </a:r>
+            <a:r>
+              <a:rPr lang="en-IE" b="0" dirty="0">
+                <a:solidFill>
+                  <a:srgbClr val="D4D4D4"/>
+                </a:solidFill>
+                <a:effectLst/>
+                <a:latin typeface="Consolas" panose="020B0609020204030204" pitchFamily="49" charset="0"/>
+              </a:rPr>
+              <a:t> {</a:t>
+            </a:r>
+          </a:p>
+          <a:p>
+            <a:r>
+              <a:rPr lang="en-IE" b="0" dirty="0">
+                <a:solidFill>
+                  <a:srgbClr val="D4D4D4"/>
+                </a:solidFill>
+                <a:effectLst/>
+                <a:latin typeface="Consolas" panose="020B0609020204030204" pitchFamily="49" charset="0"/>
+              </a:rPr>
+              <a:t>    </a:t>
+            </a:r>
+            <a:r>
+              <a:rPr lang="en-IE" b="0" dirty="0">
+                <a:solidFill>
+                  <a:srgbClr val="C586C0"/>
+                </a:solidFill>
+                <a:effectLst/>
+                <a:latin typeface="Consolas" panose="020B0609020204030204" pitchFamily="49" charset="0"/>
+              </a:rPr>
+              <a:t>return</a:t>
+            </a:r>
+            <a:r>
+              <a:rPr lang="en-IE" b="0" dirty="0">
+                <a:solidFill>
+                  <a:srgbClr val="D4D4D4"/>
+                </a:solidFill>
+                <a:effectLst/>
+                <a:latin typeface="Consolas" panose="020B0609020204030204" pitchFamily="49" charset="0"/>
+              </a:rPr>
+              <a:t> </a:t>
+            </a:r>
+            <a:r>
+              <a:rPr lang="en-IE" b="0" dirty="0">
+                <a:solidFill>
+                  <a:srgbClr val="DCDCAA"/>
+                </a:solidFill>
+                <a:effectLst/>
+                <a:latin typeface="Consolas" panose="020B0609020204030204" pitchFamily="49" charset="0"/>
+              </a:rPr>
+              <a:t>next</a:t>
+            </a:r>
+            <a:r>
+              <a:rPr lang="en-IE" b="0" dirty="0">
+                <a:solidFill>
+                  <a:srgbClr val="D4D4D4"/>
+                </a:solidFill>
+                <a:effectLst/>
+                <a:latin typeface="Consolas" panose="020B0609020204030204" pitchFamily="49" charset="0"/>
+              </a:rPr>
+              <a:t>();</a:t>
+            </a:r>
+          </a:p>
+          <a:p>
+            <a:r>
+              <a:rPr lang="en-IE" b="0" dirty="0">
+                <a:solidFill>
+                  <a:srgbClr val="D4D4D4"/>
+                </a:solidFill>
+                <a:effectLst/>
+                <a:latin typeface="Consolas" panose="020B0609020204030204" pitchFamily="49" charset="0"/>
+              </a:rPr>
+              <a:t>  }</a:t>
+            </a:r>
+          </a:p>
+          <a:p>
+            <a:r>
+              <a:rPr lang="en-IE" b="0" dirty="0">
+                <a:solidFill>
+                  <a:srgbClr val="D4D4D4"/>
+                </a:solidFill>
+                <a:effectLst/>
+                <a:latin typeface="Consolas" panose="020B0609020204030204" pitchFamily="49" charset="0"/>
+              </a:rPr>
+              <a:t>});</a:t>
+            </a:r>
+          </a:p>
+        </p:txBody>
+      </p:sp>
     </p:spTree>
     <p:extLst>
       <p:ext uri="{BB962C8B-B14F-4D97-AF65-F5344CB8AC3E}">
@@ -13461,7 +14379,25 @@
               <a:rPr lang="en-US" dirty="0">
                 <a:cs typeface="Calibri"/>
               </a:rPr>
-              <a:t>Create new router to support following API</a:t>
+              <a:t>Update router to support following API</a:t>
+            </a:r>
+          </a:p>
+          <a:p>
+            <a:pPr lvl="1"/>
+            <a:r>
+              <a:rPr lang="en-US" dirty="0">
+                <a:cs typeface="Calibri"/>
+              </a:rPr>
+              <a:t>Use query string of URL to specify action:</a:t>
+            </a:r>
+          </a:p>
+          <a:p>
+            <a:pPr lvl="2"/>
+            <a:r>
+              <a:rPr lang="en-US" dirty="0">
+                <a:cs typeface="Calibri"/>
+              </a:rPr>
+              <a:t>register/authenticate</a:t>
             </a:r>
           </a:p>
           <a:p>
@@ -13489,13 +14425,13 @@
           <p:nvPr>
             <p:extLst>
               <p:ext uri="{D42A27DB-BD31-4B8C-83A1-F6EECF244321}">
-                <p14:modId xmlns:p14="http://schemas.microsoft.com/office/powerpoint/2010/main" val="1395694422"/>
+                <p14:modId xmlns:p14="http://schemas.microsoft.com/office/powerpoint/2010/main" val="7372184"/>
               </p:ext>
             </p:extLst>
           </p:nvPr>
         </p:nvGraphicFramePr>
         <p:xfrm>
-          <a:off x="1134661" y="2591432"/>
+          <a:off x="1187289" y="3429000"/>
           <a:ext cx="8168640" cy="1285240"/>
         </p:xfrm>
         <a:graphic>
@@ -13953,292 +14889,6 @@
           <p:cNvPr id="18" name="Rectangle 17">
             <a:extLst>
               <a:ext uri="{FF2B5EF4-FFF2-40B4-BE49-F238E27FC236}">
-                <a16:creationId xmlns:a16="http://schemas.microsoft.com/office/drawing/2014/main" id="{42A5316D-ED2F-4F89-B4B4-8D9240B1A348}"/>
-              </a:ext>
-              <a:ext uri="{C183D7F6-B498-43B3-948B-1728B52AA6E4}">
-                <adec:decorative xmlns:adec="http://schemas.microsoft.com/office/drawing/2017/decorative" val="1"/>
-              </a:ext>
-            </a:extLst>
-          </p:cNvPr>
-          <p:cNvSpPr>
-            <a:spLocks noGrp="1" noRot="1" noChangeAspect="1" noMove="1" noResize="1" noEditPoints="1" noAdjustHandles="1" noChangeArrowheads="1" noChangeShapeType="1" noTextEdit="1"/>
-          </p:cNvSpPr>
-          <p:nvPr>
-            <p:extLst>
-              <p:ext uri="{386F3935-93C4-4BCD-93E2-E3B085C9AB24}">
-                <p16:designElem xmlns:p16="http://schemas.microsoft.com/office/powerpoint/2015/main" val="1"/>
-              </p:ext>
-            </p:extLst>
-          </p:nvPr>
-        </p:nvSpPr>
-        <p:spPr>
-          <a:xfrm>
-            <a:off x="0" y="0"/>
-            <a:ext cx="2013557" cy="6858000"/>
-          </a:xfrm>
-          <a:prstGeom prst="rect">
-            <a:avLst/>
-          </a:prstGeom>
-          <a:solidFill>
-            <a:srgbClr val="584E3F"/>
-          </a:solidFill>
-          <a:ln>
-            <a:noFill/>
-          </a:ln>
-        </p:spPr>
-        <p:style>
-          <a:lnRef idx="2">
-            <a:schemeClr val="accent1">
-              <a:shade val="50000"/>
-            </a:schemeClr>
-          </a:lnRef>
-          <a:fillRef idx="1">
-            <a:schemeClr val="accent1"/>
-          </a:fillRef>
-          <a:effectRef idx="0">
-            <a:schemeClr val="accent1"/>
-          </a:effectRef>
-          <a:fontRef idx="minor">
-            <a:schemeClr val="lt1"/>
-          </a:fontRef>
-        </p:style>
-        <p:txBody>
-          <a:bodyPr rtlCol="0" anchor="ctr"/>
-          <a:lstStyle/>
-          <a:p>
-            <a:pPr marL="0" marR="0" lvl="0" indent="0" algn="ctr" defTabSz="914400" rtl="0" eaLnBrk="1" fontAlgn="auto" latinLnBrk="0" hangingPunct="1">
-              <a:lnSpc>
-                <a:spcPct val="100000"/>
-              </a:lnSpc>
-              <a:spcBef>
-                <a:spcPts val="0"/>
-              </a:spcBef>
-              <a:spcAft>
-                <a:spcPts val="0"/>
-              </a:spcAft>
-              <a:buClrTx/>
-              <a:buSzTx/>
-              <a:buFontTx/>
-              <a:buNone/>
-              <a:tabLst/>
-              <a:defRPr/>
-            </a:pPr>
-            <a:endParaRPr kumimoji="0" lang="en-US" sz="1800" b="0" i="0" u="none" strike="noStrike" kern="1200" cap="none" spc="0" normalizeH="0" baseline="0" noProof="0">
-              <a:ln>
-                <a:noFill/>
-              </a:ln>
-              <a:solidFill>
-                <a:prstClr val="white"/>
-              </a:solidFill>
-              <a:effectLst/>
-              <a:uLnTx/>
-              <a:uFillTx/>
-              <a:latin typeface="Calibri" panose="020F0502020204030204"/>
-              <a:ea typeface="+mn-ea"/>
-              <a:cs typeface="+mn-cs"/>
-            </a:endParaRPr>
-          </a:p>
-        </p:txBody>
-      </p:sp>
-      <p:sp>
-        <p:nvSpPr>
-          <p:cNvPr id="2" name="Title 1">
-            <a:extLst>
-              <a:ext uri="{FF2B5EF4-FFF2-40B4-BE49-F238E27FC236}">
-                <a16:creationId xmlns:a16="http://schemas.microsoft.com/office/drawing/2014/main" id="{ACA61307-75FC-4774-B5D1-58BAD04AB150}"/>
-              </a:ext>
-            </a:extLst>
-          </p:cNvPr>
-          <p:cNvSpPr>
-            <a:spLocks noGrp="1"/>
-          </p:cNvSpPr>
-          <p:nvPr>
-            <p:ph type="title"/>
-          </p:nvPr>
-        </p:nvSpPr>
-        <p:spPr>
-          <a:xfrm>
-            <a:off x="694510" y="1487272"/>
-            <a:ext cx="2743200" cy="2743200"/>
-          </a:xfrm>
-          <a:prstGeom prst="ellipse">
-            <a:avLst/>
-          </a:prstGeom>
-          <a:solidFill>
-            <a:srgbClr val="262626"/>
-          </a:solidFill>
-          <a:ln w="174625" cmpd="thinThick">
-            <a:solidFill>
-              <a:srgbClr val="262626"/>
-            </a:solidFill>
-          </a:ln>
-        </p:spPr>
-        <p:txBody>
-          <a:bodyPr vert="horz" lIns="91440" tIns="45720" rIns="91440" bIns="45720" rtlCol="0">
-            <a:normAutofit/>
-          </a:bodyPr>
-          <a:lstStyle/>
-          <a:p>
-            <a:pPr algn="ctr"/>
-            <a:r>
-              <a:rPr lang="en-US" sz="2600" kern="1200">
-                <a:solidFill>
-                  <a:srgbClr val="FFFFFF"/>
-                </a:solidFill>
-                <a:latin typeface="+mj-lt"/>
-                <a:ea typeface="+mj-ea"/>
-                <a:cs typeface="+mj-cs"/>
-              </a:rPr>
-              <a:t>User API: Get users</a:t>
-            </a:r>
-          </a:p>
-        </p:txBody>
-      </p:sp>
-      <p:pic>
-        <p:nvPicPr>
-          <p:cNvPr id="6" name="Picture 5">
-            <a:extLst>
-              <a:ext uri="{FF2B5EF4-FFF2-40B4-BE49-F238E27FC236}">
-                <a16:creationId xmlns:a16="http://schemas.microsoft.com/office/drawing/2014/main" id="{2453AAD1-D5EB-48E9-A715-AD3CD72D70BF}"/>
-              </a:ext>
-            </a:extLst>
-          </p:cNvPr>
-          <p:cNvPicPr>
-            <a:picLocks noChangeAspect="1"/>
-          </p:cNvPicPr>
-          <p:nvPr/>
-        </p:nvPicPr>
-        <p:blipFill>
-          <a:blip r:embed="rId2"/>
-          <a:stretch>
-            <a:fillRect/>
-          </a:stretch>
-        </p:blipFill>
-        <p:spPr>
-          <a:xfrm>
-            <a:off x="4038600" y="1313299"/>
-            <a:ext cx="6651833" cy="3091146"/>
-          </a:xfrm>
-          <a:prstGeom prst="rect">
-            <a:avLst/>
-          </a:prstGeom>
-        </p:spPr>
-      </p:pic>
-      <p:sp>
-        <p:nvSpPr>
-          <p:cNvPr id="3" name="Content Placeholder 2">
-            <a:extLst>
-              <a:ext uri="{FF2B5EF4-FFF2-40B4-BE49-F238E27FC236}">
-                <a16:creationId xmlns:a16="http://schemas.microsoft.com/office/drawing/2014/main" id="{BF8F92AB-9541-42F2-900F-2781C90C44C7}"/>
-              </a:ext>
-            </a:extLst>
-          </p:cNvPr>
-          <p:cNvSpPr>
-            <a:spLocks noGrp="1"/>
-          </p:cNvSpPr>
-          <p:nvPr>
-            <p:ph idx="1"/>
-          </p:nvPr>
-        </p:nvSpPr>
-        <p:spPr>
-          <a:xfrm>
-            <a:off x="4038600" y="4884873"/>
-            <a:ext cx="7188199" cy="1292090"/>
-          </a:xfrm>
-        </p:spPr>
-        <p:txBody>
-          <a:bodyPr vert="horz" lIns="91440" tIns="45720" rIns="91440" bIns="45720" rtlCol="0">
-            <a:normAutofit/>
-          </a:bodyPr>
-          <a:lstStyle/>
-          <a:p>
-            <a:pPr marL="0" indent="0">
-              <a:buNone/>
-            </a:pPr>
-            <a:r>
-              <a:rPr lang="en-US" sz="1800" kern="1200">
-                <a:latin typeface="+mn-lt"/>
-                <a:ea typeface="+mn-ea"/>
-                <a:cs typeface="+mn-cs"/>
-              </a:rPr>
-              <a:t>Create a route to list all users:</a:t>
-            </a:r>
-          </a:p>
-        </p:txBody>
-      </p:sp>
-    </p:spTree>
-    <p:extLst>
-      <p:ext uri="{BB962C8B-B14F-4D97-AF65-F5344CB8AC3E}">
-        <p14:creationId xmlns:p14="http://schemas.microsoft.com/office/powerpoint/2010/main" val="2525113180"/>
-      </p:ext>
-    </p:extLst>
-  </p:cSld>
-  <p:clrMapOvr>
-    <a:masterClrMapping/>
-  </p:clrMapOvr>
-</p:sld>
-</file>
-
-<file path=ppt/slides/slide21.xml><?xml version="1.0" encoding="utf-8"?>
-<p:sld xmlns:a="http://schemas.openxmlformats.org/drawingml/2006/main" xmlns:r="http://schemas.openxmlformats.org/officeDocument/2006/relationships" xmlns:p="http://schemas.openxmlformats.org/presentationml/2006/main">
-  <p:cSld>
-    <p:bg>
-      <p:bgPr>
-        <a:solidFill>
-          <a:schemeClr val="bg1"/>
-        </a:solidFill>
-        <a:effectLst/>
-      </p:bgPr>
-    </p:bg>
-    <p:spTree>
-      <p:nvGrpSpPr>
-        <p:cNvPr id="1" name=""/>
-        <p:cNvGrpSpPr/>
-        <p:nvPr/>
-      </p:nvGrpSpPr>
-      <p:grpSpPr>
-        <a:xfrm>
-          <a:off x="0" y="0"/>
-          <a:ext cx="0" cy="0"/>
-          <a:chOff x="0" y="0"/>
-          <a:chExt cx="0" cy="0"/>
-        </a:xfrm>
-      </p:grpSpPr>
-      <p:pic>
-        <p:nvPicPr>
-          <p:cNvPr id="4" name="Picture 3">
-            <a:extLst>
-              <a:ext uri="{FF2B5EF4-FFF2-40B4-BE49-F238E27FC236}">
-                <a16:creationId xmlns:a16="http://schemas.microsoft.com/office/drawing/2014/main" id="{297B0F57-71AB-4E24-BC7E-E32E21397E00}"/>
-              </a:ext>
-            </a:extLst>
-          </p:cNvPr>
-          <p:cNvPicPr>
-            <a:picLocks noChangeAspect="1"/>
-          </p:cNvPicPr>
-          <p:nvPr/>
-        </p:nvPicPr>
-        <p:blipFill>
-          <a:blip r:embed="rId2"/>
-          <a:stretch>
-            <a:fillRect/>
-          </a:stretch>
-        </p:blipFill>
-        <p:spPr>
-          <a:xfrm>
-            <a:off x="5565515" y="1096152"/>
-            <a:ext cx="5353050" cy="3676650"/>
-          </a:xfrm>
-          <a:prstGeom prst="rect">
-            <a:avLst/>
-          </a:prstGeom>
-        </p:spPr>
-      </p:pic>
-      <p:sp>
-        <p:nvSpPr>
-          <p:cNvPr id="18" name="Rectangle 17">
-            <a:extLst>
-              <a:ext uri="{FF2B5EF4-FFF2-40B4-BE49-F238E27FC236}">
                 <a16:creationId xmlns:a16="http://schemas.microsoft.com/office/drawing/2014/main" id="{867D4867-5BA7-4462-B2F6-A23F4A622AA7}"/>
               </a:ext>
               <a:ext uri="{C183D7F6-B498-43B3-948B-1728B52AA6E4}">
@@ -14499,6 +15149,586 @@
           <a:p>
             <a:pPr algn="ctr"/>
             <a:endParaRPr lang="en-IE"/>
+          </a:p>
+        </p:txBody>
+      </p:sp>
+      <p:sp>
+        <p:nvSpPr>
+          <p:cNvPr id="11" name="TextBox 10">
+            <a:extLst>
+              <a:ext uri="{FF2B5EF4-FFF2-40B4-BE49-F238E27FC236}">
+                <a16:creationId xmlns:a16="http://schemas.microsoft.com/office/drawing/2014/main" id="{88304C79-0206-4235-8A9D-FEA5F3B5BB00}"/>
+              </a:ext>
+            </a:extLst>
+          </p:cNvPr>
+          <p:cNvSpPr txBox="1"/>
+          <p:nvPr/>
+        </p:nvSpPr>
+        <p:spPr>
+          <a:xfrm>
+            <a:off x="5713457" y="1806012"/>
+            <a:ext cx="6094902" cy="2031325"/>
+          </a:xfrm>
+          <a:prstGeom prst="rect">
+            <a:avLst/>
+          </a:prstGeom>
+          <a:solidFill>
+            <a:schemeClr val="tx1"/>
+          </a:solidFill>
+        </p:spPr>
+        <p:txBody>
+          <a:bodyPr wrap="square">
+            <a:spAutoFit/>
+          </a:bodyPr>
+          <a:lstStyle/>
+          <a:p>
+            <a:r>
+              <a:rPr lang="en-IE" b="0" dirty="0">
+                <a:solidFill>
+                  <a:srgbClr val="6A9955"/>
+                </a:solidFill>
+                <a:effectLst/>
+                <a:latin typeface="Consolas" panose="020B0609020204030204" pitchFamily="49" charset="0"/>
+              </a:rPr>
+              <a:t>// register a user</a:t>
+            </a:r>
+            <a:endParaRPr lang="en-IE" b="0" dirty="0">
+              <a:solidFill>
+                <a:srgbClr val="D4D4D4"/>
+              </a:solidFill>
+              <a:effectLst/>
+              <a:latin typeface="Consolas" panose="020B0609020204030204" pitchFamily="49" charset="0"/>
+            </a:endParaRPr>
+          </a:p>
+          <a:p>
+            <a:r>
+              <a:rPr lang="en-IE" b="0" dirty="0" err="1">
+                <a:solidFill>
+                  <a:srgbClr val="4FC1FF"/>
+                </a:solidFill>
+                <a:effectLst/>
+                <a:latin typeface="Consolas" panose="020B0609020204030204" pitchFamily="49" charset="0"/>
+              </a:rPr>
+              <a:t>router</a:t>
+            </a:r>
+            <a:r>
+              <a:rPr lang="en-IE" b="0" dirty="0" err="1">
+                <a:solidFill>
+                  <a:srgbClr val="D4D4D4"/>
+                </a:solidFill>
+                <a:effectLst/>
+                <a:latin typeface="Consolas" panose="020B0609020204030204" pitchFamily="49" charset="0"/>
+              </a:rPr>
+              <a:t>.</a:t>
+            </a:r>
+            <a:r>
+              <a:rPr lang="en-IE" b="0" dirty="0" err="1">
+                <a:solidFill>
+                  <a:srgbClr val="DCDCAA"/>
+                </a:solidFill>
+                <a:effectLst/>
+                <a:latin typeface="Consolas" panose="020B0609020204030204" pitchFamily="49" charset="0"/>
+              </a:rPr>
+              <a:t>post</a:t>
+            </a:r>
+            <a:r>
+              <a:rPr lang="en-IE" b="0" dirty="0">
+                <a:solidFill>
+                  <a:srgbClr val="D4D4D4"/>
+                </a:solidFill>
+                <a:effectLst/>
+                <a:latin typeface="Consolas" panose="020B0609020204030204" pitchFamily="49" charset="0"/>
+              </a:rPr>
+              <a:t>(</a:t>
+            </a:r>
+            <a:r>
+              <a:rPr lang="en-IE" b="0" dirty="0">
+                <a:solidFill>
+                  <a:srgbClr val="CE9178"/>
+                </a:solidFill>
+                <a:effectLst/>
+                <a:latin typeface="Consolas" panose="020B0609020204030204" pitchFamily="49" charset="0"/>
+              </a:rPr>
+              <a:t>'/'</a:t>
+            </a:r>
+            <a:r>
+              <a:rPr lang="en-IE" b="0" dirty="0">
+                <a:solidFill>
+                  <a:srgbClr val="D4D4D4"/>
+                </a:solidFill>
+                <a:effectLst/>
+                <a:latin typeface="Consolas" panose="020B0609020204030204" pitchFamily="49" charset="0"/>
+              </a:rPr>
+              <a:t>, </a:t>
+            </a:r>
+            <a:r>
+              <a:rPr lang="en-IE" b="0" dirty="0" err="1">
+                <a:solidFill>
+                  <a:srgbClr val="DCDCAA"/>
+                </a:solidFill>
+                <a:effectLst/>
+                <a:latin typeface="Consolas" panose="020B0609020204030204" pitchFamily="49" charset="0"/>
+              </a:rPr>
+              <a:t>asyncHandler</a:t>
+            </a:r>
+            <a:r>
+              <a:rPr lang="en-IE" b="0" dirty="0">
+                <a:solidFill>
+                  <a:srgbClr val="D4D4D4"/>
+                </a:solidFill>
+                <a:effectLst/>
+                <a:latin typeface="Consolas" panose="020B0609020204030204" pitchFamily="49" charset="0"/>
+              </a:rPr>
+              <a:t>(</a:t>
+            </a:r>
+            <a:r>
+              <a:rPr lang="en-IE" b="0" dirty="0">
+                <a:solidFill>
+                  <a:srgbClr val="569CD6"/>
+                </a:solidFill>
+                <a:effectLst/>
+                <a:latin typeface="Consolas" panose="020B0609020204030204" pitchFamily="49" charset="0"/>
+              </a:rPr>
+              <a:t>async</a:t>
+            </a:r>
+            <a:r>
+              <a:rPr lang="en-IE" b="0" dirty="0">
+                <a:solidFill>
+                  <a:srgbClr val="D4D4D4"/>
+                </a:solidFill>
+                <a:effectLst/>
+                <a:latin typeface="Consolas" panose="020B0609020204030204" pitchFamily="49" charset="0"/>
+              </a:rPr>
+              <a:t> (</a:t>
+            </a:r>
+            <a:r>
+              <a:rPr lang="en-IE" b="0" dirty="0" err="1">
+                <a:solidFill>
+                  <a:srgbClr val="9CDCFE"/>
+                </a:solidFill>
+                <a:effectLst/>
+                <a:latin typeface="Consolas" panose="020B0609020204030204" pitchFamily="49" charset="0"/>
+              </a:rPr>
+              <a:t>req</a:t>
+            </a:r>
+            <a:r>
+              <a:rPr lang="en-IE" b="0" dirty="0">
+                <a:solidFill>
+                  <a:srgbClr val="D4D4D4"/>
+                </a:solidFill>
+                <a:effectLst/>
+                <a:latin typeface="Consolas" panose="020B0609020204030204" pitchFamily="49" charset="0"/>
+              </a:rPr>
+              <a:t>, </a:t>
+            </a:r>
+            <a:r>
+              <a:rPr lang="en-IE" b="0" dirty="0">
+                <a:solidFill>
+                  <a:srgbClr val="9CDCFE"/>
+                </a:solidFill>
+                <a:effectLst/>
+                <a:latin typeface="Consolas" panose="020B0609020204030204" pitchFamily="49" charset="0"/>
+              </a:rPr>
+              <a:t>res</a:t>
+            </a:r>
+            <a:r>
+              <a:rPr lang="en-IE" b="0" dirty="0">
+                <a:solidFill>
+                  <a:srgbClr val="D4D4D4"/>
+                </a:solidFill>
+                <a:effectLst/>
+                <a:latin typeface="Consolas" panose="020B0609020204030204" pitchFamily="49" charset="0"/>
+              </a:rPr>
+              <a:t>) </a:t>
+            </a:r>
+            <a:r>
+              <a:rPr lang="en-IE" b="0" dirty="0">
+                <a:solidFill>
+                  <a:srgbClr val="569CD6"/>
+                </a:solidFill>
+                <a:effectLst/>
+                <a:latin typeface="Consolas" panose="020B0609020204030204" pitchFamily="49" charset="0"/>
+              </a:rPr>
+              <a:t>=&gt;</a:t>
+            </a:r>
+            <a:r>
+              <a:rPr lang="en-IE" b="0" dirty="0">
+                <a:solidFill>
+                  <a:srgbClr val="D4D4D4"/>
+                </a:solidFill>
+                <a:effectLst/>
+                <a:latin typeface="Consolas" panose="020B0609020204030204" pitchFamily="49" charset="0"/>
+              </a:rPr>
+              <a:t> {</a:t>
+            </a:r>
+          </a:p>
+          <a:p>
+            <a:r>
+              <a:rPr lang="en-IE" b="0" dirty="0">
+                <a:solidFill>
+                  <a:srgbClr val="D4D4D4"/>
+                </a:solidFill>
+                <a:effectLst/>
+                <a:latin typeface="Consolas" panose="020B0609020204030204" pitchFamily="49" charset="0"/>
+              </a:rPr>
+              <a:t>    </a:t>
+            </a:r>
+            <a:r>
+              <a:rPr lang="en-IE" b="0" dirty="0">
+                <a:solidFill>
+                  <a:srgbClr val="C586C0"/>
+                </a:solidFill>
+                <a:effectLst/>
+                <a:latin typeface="Consolas" panose="020B0609020204030204" pitchFamily="49" charset="0"/>
+              </a:rPr>
+              <a:t>if</a:t>
+            </a:r>
+            <a:r>
+              <a:rPr lang="en-IE" b="0" dirty="0">
+                <a:solidFill>
+                  <a:srgbClr val="D4D4D4"/>
+                </a:solidFill>
+                <a:effectLst/>
+                <a:latin typeface="Consolas" panose="020B0609020204030204" pitchFamily="49" charset="0"/>
+              </a:rPr>
+              <a:t> (</a:t>
+            </a:r>
+            <a:r>
+              <a:rPr lang="en-IE" b="0" dirty="0" err="1">
+                <a:solidFill>
+                  <a:srgbClr val="9CDCFE"/>
+                </a:solidFill>
+                <a:effectLst/>
+                <a:latin typeface="Consolas" panose="020B0609020204030204" pitchFamily="49" charset="0"/>
+              </a:rPr>
+              <a:t>req</a:t>
+            </a:r>
+            <a:r>
+              <a:rPr lang="en-IE" b="0" dirty="0" err="1">
+                <a:solidFill>
+                  <a:srgbClr val="D4D4D4"/>
+                </a:solidFill>
+                <a:effectLst/>
+                <a:latin typeface="Consolas" panose="020B0609020204030204" pitchFamily="49" charset="0"/>
+              </a:rPr>
+              <a:t>.</a:t>
+            </a:r>
+            <a:r>
+              <a:rPr lang="en-IE" b="0" dirty="0" err="1">
+                <a:solidFill>
+                  <a:srgbClr val="9CDCFE"/>
+                </a:solidFill>
+                <a:effectLst/>
+                <a:latin typeface="Consolas" panose="020B0609020204030204" pitchFamily="49" charset="0"/>
+              </a:rPr>
+              <a:t>query</a:t>
+            </a:r>
+            <a:r>
+              <a:rPr lang="en-IE" b="0" dirty="0" err="1">
+                <a:solidFill>
+                  <a:srgbClr val="D4D4D4"/>
+                </a:solidFill>
+                <a:effectLst/>
+                <a:latin typeface="Consolas" panose="020B0609020204030204" pitchFamily="49" charset="0"/>
+              </a:rPr>
+              <a:t>.</a:t>
+            </a:r>
+            <a:r>
+              <a:rPr lang="en-IE" b="0" dirty="0" err="1">
+                <a:solidFill>
+                  <a:srgbClr val="9CDCFE"/>
+                </a:solidFill>
+                <a:effectLst/>
+                <a:latin typeface="Consolas" panose="020B0609020204030204" pitchFamily="49" charset="0"/>
+              </a:rPr>
+              <a:t>action</a:t>
+            </a:r>
+            <a:r>
+              <a:rPr lang="en-IE" b="0" dirty="0">
+                <a:solidFill>
+                  <a:srgbClr val="D4D4D4"/>
+                </a:solidFill>
+                <a:effectLst/>
+                <a:latin typeface="Consolas" panose="020B0609020204030204" pitchFamily="49" charset="0"/>
+              </a:rPr>
+              <a:t> === </a:t>
+            </a:r>
+            <a:r>
+              <a:rPr lang="en-IE" b="0" dirty="0">
+                <a:solidFill>
+                  <a:srgbClr val="CE9178"/>
+                </a:solidFill>
+                <a:effectLst/>
+                <a:latin typeface="Consolas" panose="020B0609020204030204" pitchFamily="49" charset="0"/>
+              </a:rPr>
+              <a:t>'register'</a:t>
+            </a:r>
+            <a:r>
+              <a:rPr lang="en-IE" b="0" dirty="0">
+                <a:solidFill>
+                  <a:srgbClr val="D4D4D4"/>
+                </a:solidFill>
+                <a:effectLst/>
+                <a:latin typeface="Consolas" panose="020B0609020204030204" pitchFamily="49" charset="0"/>
+              </a:rPr>
+              <a:t>) {</a:t>
+            </a:r>
+          </a:p>
+          <a:p>
+            <a:r>
+              <a:rPr lang="en-IE" b="0" dirty="0">
+                <a:solidFill>
+                  <a:srgbClr val="D4D4D4"/>
+                </a:solidFill>
+                <a:effectLst/>
+                <a:latin typeface="Consolas" panose="020B0609020204030204" pitchFamily="49" charset="0"/>
+              </a:rPr>
+              <a:t>        </a:t>
+            </a:r>
+            <a:r>
+              <a:rPr lang="en-IE" b="0" dirty="0">
+                <a:solidFill>
+                  <a:srgbClr val="C586C0"/>
+                </a:solidFill>
+                <a:effectLst/>
+                <a:latin typeface="Consolas" panose="020B0609020204030204" pitchFamily="49" charset="0"/>
+              </a:rPr>
+              <a:t>await</a:t>
+            </a:r>
+            <a:r>
+              <a:rPr lang="en-IE" b="0" dirty="0">
+                <a:solidFill>
+                  <a:srgbClr val="D4D4D4"/>
+                </a:solidFill>
+                <a:effectLst/>
+                <a:latin typeface="Consolas" panose="020B0609020204030204" pitchFamily="49" charset="0"/>
+              </a:rPr>
+              <a:t> </a:t>
+            </a:r>
+            <a:r>
+              <a:rPr lang="en-IE" b="0" dirty="0" err="1">
+                <a:solidFill>
+                  <a:srgbClr val="9CDCFE"/>
+                </a:solidFill>
+                <a:effectLst/>
+                <a:latin typeface="Consolas" panose="020B0609020204030204" pitchFamily="49" charset="0"/>
+              </a:rPr>
+              <a:t>User</a:t>
+            </a:r>
+            <a:r>
+              <a:rPr lang="en-IE" b="0" dirty="0" err="1">
+                <a:solidFill>
+                  <a:srgbClr val="D4D4D4"/>
+                </a:solidFill>
+                <a:effectLst/>
+                <a:latin typeface="Consolas" panose="020B0609020204030204" pitchFamily="49" charset="0"/>
+              </a:rPr>
+              <a:t>.</a:t>
+            </a:r>
+            <a:r>
+              <a:rPr lang="en-IE" b="0" dirty="0" err="1">
+                <a:solidFill>
+                  <a:srgbClr val="DCDCAA"/>
+                </a:solidFill>
+                <a:effectLst/>
+                <a:latin typeface="Consolas" panose="020B0609020204030204" pitchFamily="49" charset="0"/>
+              </a:rPr>
+              <a:t>create</a:t>
+            </a:r>
+            <a:r>
+              <a:rPr lang="en-IE" b="0" dirty="0">
+                <a:solidFill>
+                  <a:srgbClr val="D4D4D4"/>
+                </a:solidFill>
+                <a:effectLst/>
+                <a:latin typeface="Consolas" panose="020B0609020204030204" pitchFamily="49" charset="0"/>
+              </a:rPr>
+              <a:t>(</a:t>
+            </a:r>
+            <a:r>
+              <a:rPr lang="en-IE" b="0" dirty="0" err="1">
+                <a:solidFill>
+                  <a:srgbClr val="9CDCFE"/>
+                </a:solidFill>
+                <a:effectLst/>
+                <a:latin typeface="Consolas" panose="020B0609020204030204" pitchFamily="49" charset="0"/>
+              </a:rPr>
+              <a:t>req</a:t>
+            </a:r>
+            <a:r>
+              <a:rPr lang="en-IE" b="0" dirty="0" err="1">
+                <a:solidFill>
+                  <a:srgbClr val="D4D4D4"/>
+                </a:solidFill>
+                <a:effectLst/>
+                <a:latin typeface="Consolas" panose="020B0609020204030204" pitchFamily="49" charset="0"/>
+              </a:rPr>
+              <a:t>.</a:t>
+            </a:r>
+            <a:r>
+              <a:rPr lang="en-IE" b="0" dirty="0" err="1">
+                <a:solidFill>
+                  <a:srgbClr val="9CDCFE"/>
+                </a:solidFill>
+                <a:effectLst/>
+                <a:latin typeface="Consolas" panose="020B0609020204030204" pitchFamily="49" charset="0"/>
+              </a:rPr>
+              <a:t>body</a:t>
+            </a:r>
+            <a:r>
+              <a:rPr lang="en-IE" b="0" dirty="0">
+                <a:solidFill>
+                  <a:srgbClr val="D4D4D4"/>
+                </a:solidFill>
+                <a:effectLst/>
+                <a:latin typeface="Consolas" panose="020B0609020204030204" pitchFamily="49" charset="0"/>
+              </a:rPr>
+              <a:t>);</a:t>
+            </a:r>
+          </a:p>
+          <a:p>
+            <a:r>
+              <a:rPr lang="en-IE" b="0" dirty="0">
+                <a:solidFill>
+                  <a:srgbClr val="9CDCFE"/>
+                </a:solidFill>
+                <a:effectLst/>
+                <a:latin typeface="Consolas" panose="020B0609020204030204" pitchFamily="49" charset="0"/>
+              </a:rPr>
+              <a:t>        </a:t>
+            </a:r>
+            <a:r>
+              <a:rPr lang="en-IE" b="0" dirty="0" err="1">
+                <a:solidFill>
+                  <a:srgbClr val="9CDCFE"/>
+                </a:solidFill>
+                <a:effectLst/>
+                <a:latin typeface="Consolas" panose="020B0609020204030204" pitchFamily="49" charset="0"/>
+              </a:rPr>
+              <a:t>res</a:t>
+            </a:r>
+            <a:r>
+              <a:rPr lang="en-IE" b="0" dirty="0" err="1">
+                <a:solidFill>
+                  <a:srgbClr val="D4D4D4"/>
+                </a:solidFill>
+                <a:effectLst/>
+                <a:latin typeface="Consolas" panose="020B0609020204030204" pitchFamily="49" charset="0"/>
+              </a:rPr>
+              <a:t>.</a:t>
+            </a:r>
+            <a:r>
+              <a:rPr lang="en-IE" b="0" dirty="0" err="1">
+                <a:solidFill>
+                  <a:srgbClr val="DCDCAA"/>
+                </a:solidFill>
+                <a:effectLst/>
+                <a:latin typeface="Consolas" panose="020B0609020204030204" pitchFamily="49" charset="0"/>
+              </a:rPr>
+              <a:t>status</a:t>
+            </a:r>
+            <a:r>
+              <a:rPr lang="en-IE" b="0" dirty="0">
+                <a:solidFill>
+                  <a:srgbClr val="D4D4D4"/>
+                </a:solidFill>
+                <a:effectLst/>
+                <a:latin typeface="Consolas" panose="020B0609020204030204" pitchFamily="49" charset="0"/>
+              </a:rPr>
+              <a:t>(</a:t>
+            </a:r>
+            <a:r>
+              <a:rPr lang="en-IE" b="0" dirty="0">
+                <a:solidFill>
+                  <a:srgbClr val="B5CEA8"/>
+                </a:solidFill>
+                <a:effectLst/>
+                <a:latin typeface="Consolas" panose="020B0609020204030204" pitchFamily="49" charset="0"/>
+              </a:rPr>
+              <a:t>201</a:t>
+            </a:r>
+            <a:r>
+              <a:rPr lang="en-IE" b="0" dirty="0">
+                <a:solidFill>
+                  <a:srgbClr val="D4D4D4"/>
+                </a:solidFill>
+                <a:effectLst/>
+                <a:latin typeface="Consolas" panose="020B0609020204030204" pitchFamily="49" charset="0"/>
+              </a:rPr>
+              <a:t>).</a:t>
+            </a:r>
+            <a:r>
+              <a:rPr lang="en-IE" b="0" dirty="0">
+                <a:solidFill>
+                  <a:srgbClr val="DCDCAA"/>
+                </a:solidFill>
+                <a:effectLst/>
+                <a:latin typeface="Consolas" panose="020B0609020204030204" pitchFamily="49" charset="0"/>
+              </a:rPr>
+              <a:t>json</a:t>
+            </a:r>
+            <a:r>
+              <a:rPr lang="en-IE" b="0" dirty="0">
+                <a:solidFill>
+                  <a:srgbClr val="D4D4D4"/>
+                </a:solidFill>
+                <a:effectLst/>
+                <a:latin typeface="Consolas" panose="020B0609020204030204" pitchFamily="49" charset="0"/>
+              </a:rPr>
+              <a:t>(</a:t>
+            </a:r>
+            <a:r>
+              <a:rPr lang="en-IE" b="0" dirty="0" err="1">
+                <a:solidFill>
+                  <a:srgbClr val="4FC1FF"/>
+                </a:solidFill>
+                <a:effectLst/>
+                <a:latin typeface="Consolas" panose="020B0609020204030204" pitchFamily="49" charset="0"/>
+              </a:rPr>
+              <a:t>CreatedResource</a:t>
+            </a:r>
+            <a:r>
+              <a:rPr lang="en-IE" b="0" dirty="0">
+                <a:solidFill>
+                  <a:srgbClr val="D4D4D4"/>
+                </a:solidFill>
+                <a:effectLst/>
+                <a:latin typeface="Consolas" panose="020B0609020204030204" pitchFamily="49" charset="0"/>
+              </a:rPr>
+              <a:t>);</a:t>
+            </a:r>
+          </a:p>
+          <a:p>
+            <a:r>
+              <a:rPr lang="en-IE" b="0" dirty="0">
+                <a:solidFill>
+                  <a:srgbClr val="D4D4D4"/>
+                </a:solidFill>
+                <a:effectLst/>
+                <a:latin typeface="Consolas" panose="020B0609020204030204" pitchFamily="49" charset="0"/>
+              </a:rPr>
+              <a:t>    } </a:t>
+            </a:r>
+            <a:r>
+              <a:rPr lang="en-IE" b="0" dirty="0">
+                <a:solidFill>
+                  <a:srgbClr val="C586C0"/>
+                </a:solidFill>
+                <a:effectLst/>
+                <a:latin typeface="Consolas" panose="020B0609020204030204" pitchFamily="49" charset="0"/>
+              </a:rPr>
+              <a:t>else</a:t>
+            </a:r>
+            <a:r>
+              <a:rPr lang="en-IE" b="0" dirty="0">
+                <a:solidFill>
+                  <a:srgbClr val="D4D4D4"/>
+                </a:solidFill>
+                <a:effectLst/>
+                <a:latin typeface="Consolas" panose="020B0609020204030204" pitchFamily="49" charset="0"/>
+              </a:rPr>
+              <a:t> {</a:t>
+            </a:r>
           </a:p>
         </p:txBody>
       </p:sp>
@@ -14681,7 +15911,7 @@
 </p:sld>
 </file>
 
-<file path=ppt/slides/slide22.xml><?xml version="1.0" encoding="utf-8"?>
+<file path=ppt/slides/slide21.xml><?xml version="1.0" encoding="utf-8"?>
 <p:sld xmlns:a="http://schemas.openxmlformats.org/drawingml/2006/main" xmlns:r="http://schemas.openxmlformats.org/officeDocument/2006/relationships" xmlns:p="http://schemas.openxmlformats.org/presentationml/2006/main">
   <p:cSld>
     <p:bg>
@@ -15069,36 +16299,1418 @@
           </a:p>
         </p:txBody>
       </p:sp>
-      <p:pic>
-        <p:nvPicPr>
-          <p:cNvPr id="4" name="Picture 3">
+      <p:sp>
+        <p:nvSpPr>
+          <p:cNvPr id="9" name="TextBox 8">
             <a:extLst>
               <a:ext uri="{FF2B5EF4-FFF2-40B4-BE49-F238E27FC236}">
-                <a16:creationId xmlns:a16="http://schemas.microsoft.com/office/drawing/2014/main" id="{A93591C6-5616-4D74-A08C-DA8D65AE58AD}"/>
+                <a16:creationId xmlns:a16="http://schemas.microsoft.com/office/drawing/2014/main" id="{D6117192-78B0-43F6-8920-56BD75435BA5}"/>
               </a:ext>
             </a:extLst>
           </p:cNvPr>
-          <p:cNvPicPr>
-            <a:picLocks noChangeAspect="1"/>
-          </p:cNvPicPr>
+          <p:cNvSpPr txBox="1"/>
           <p:nvPr/>
-        </p:nvPicPr>
-        <p:blipFill>
-          <a:blip r:embed="rId2"/>
-          <a:stretch>
-            <a:fillRect/>
-          </a:stretch>
-        </p:blipFill>
+        </p:nvSpPr>
         <p:spPr>
           <a:xfrm>
-            <a:off x="4876213" y="1162942"/>
-            <a:ext cx="7107382" cy="4532110"/>
+            <a:off x="4895587" y="892665"/>
+            <a:ext cx="7340354" cy="4616648"/>
           </a:xfrm>
           <a:prstGeom prst="rect">
             <a:avLst/>
           </a:prstGeom>
+          <a:solidFill>
+            <a:schemeClr val="tx1"/>
+          </a:solidFill>
         </p:spPr>
-      </p:pic>
+        <p:txBody>
+          <a:bodyPr wrap="square">
+            <a:spAutoFit/>
+          </a:bodyPr>
+          <a:lstStyle/>
+          <a:p>
+            <a:r>
+              <a:rPr lang="en-IE" sz="1400" b="0" dirty="0">
+                <a:solidFill>
+                  <a:srgbClr val="D4D4D4"/>
+                </a:solidFill>
+                <a:effectLst/>
+                <a:latin typeface="Consolas" panose="020B0609020204030204" pitchFamily="49" charset="0"/>
+              </a:rPr>
+              <a:t>} </a:t>
+            </a:r>
+            <a:r>
+              <a:rPr lang="en-IE" sz="1400" b="0" dirty="0">
+                <a:solidFill>
+                  <a:srgbClr val="C586C0"/>
+                </a:solidFill>
+                <a:effectLst/>
+                <a:latin typeface="Consolas" panose="020B0609020204030204" pitchFamily="49" charset="0"/>
+              </a:rPr>
+              <a:t>else</a:t>
+            </a:r>
+            <a:r>
+              <a:rPr lang="en-IE" sz="1400" b="0" dirty="0">
+                <a:solidFill>
+                  <a:srgbClr val="D4D4D4"/>
+                </a:solidFill>
+                <a:effectLst/>
+                <a:latin typeface="Consolas" panose="020B0609020204030204" pitchFamily="49" charset="0"/>
+              </a:rPr>
+              <a:t> {</a:t>
+            </a:r>
+          </a:p>
+          <a:p>
+            <a:r>
+              <a:rPr lang="en-IE" sz="1400" b="0" dirty="0">
+                <a:solidFill>
+                  <a:srgbClr val="D4D4D4"/>
+                </a:solidFill>
+                <a:effectLst/>
+                <a:latin typeface="Consolas" panose="020B0609020204030204" pitchFamily="49" charset="0"/>
+              </a:rPr>
+              <a:t>        </a:t>
+            </a:r>
+            <a:r>
+              <a:rPr lang="en-IE" sz="1400" b="0" dirty="0" err="1">
+                <a:solidFill>
+                  <a:srgbClr val="569CD6"/>
+                </a:solidFill>
+                <a:effectLst/>
+                <a:latin typeface="Consolas" panose="020B0609020204030204" pitchFamily="49" charset="0"/>
+              </a:rPr>
+              <a:t>const</a:t>
+            </a:r>
+            <a:r>
+              <a:rPr lang="en-IE" sz="1400" b="0" dirty="0">
+                <a:solidFill>
+                  <a:srgbClr val="D4D4D4"/>
+                </a:solidFill>
+                <a:effectLst/>
+                <a:latin typeface="Consolas" panose="020B0609020204030204" pitchFamily="49" charset="0"/>
+              </a:rPr>
+              <a:t> </a:t>
+            </a:r>
+            <a:r>
+              <a:rPr lang="en-IE" sz="1400" b="0" dirty="0">
+                <a:solidFill>
+                  <a:srgbClr val="4FC1FF"/>
+                </a:solidFill>
+                <a:effectLst/>
+                <a:latin typeface="Consolas" panose="020B0609020204030204" pitchFamily="49" charset="0"/>
+              </a:rPr>
+              <a:t>user</a:t>
+            </a:r>
+            <a:r>
+              <a:rPr lang="en-IE" sz="1400" b="0" dirty="0">
+                <a:solidFill>
+                  <a:srgbClr val="D4D4D4"/>
+                </a:solidFill>
+                <a:effectLst/>
+                <a:latin typeface="Consolas" panose="020B0609020204030204" pitchFamily="49" charset="0"/>
+              </a:rPr>
+              <a:t> = </a:t>
+            </a:r>
+            <a:r>
+              <a:rPr lang="en-IE" sz="1400" b="0" dirty="0">
+                <a:solidFill>
+                  <a:srgbClr val="C586C0"/>
+                </a:solidFill>
+                <a:effectLst/>
+                <a:latin typeface="Consolas" panose="020B0609020204030204" pitchFamily="49" charset="0"/>
+              </a:rPr>
+              <a:t>await</a:t>
+            </a:r>
+            <a:r>
+              <a:rPr lang="en-IE" sz="1400" b="0" dirty="0">
+                <a:solidFill>
+                  <a:srgbClr val="D4D4D4"/>
+                </a:solidFill>
+                <a:effectLst/>
+                <a:latin typeface="Consolas" panose="020B0609020204030204" pitchFamily="49" charset="0"/>
+              </a:rPr>
+              <a:t> </a:t>
+            </a:r>
+            <a:r>
+              <a:rPr lang="en-IE" sz="1400" b="0" dirty="0" err="1">
+                <a:solidFill>
+                  <a:srgbClr val="9CDCFE"/>
+                </a:solidFill>
+                <a:effectLst/>
+                <a:latin typeface="Consolas" panose="020B0609020204030204" pitchFamily="49" charset="0"/>
+              </a:rPr>
+              <a:t>User</a:t>
+            </a:r>
+            <a:r>
+              <a:rPr lang="en-IE" sz="1400" b="0" dirty="0" err="1">
+                <a:solidFill>
+                  <a:srgbClr val="D4D4D4"/>
+                </a:solidFill>
+                <a:effectLst/>
+                <a:latin typeface="Consolas" panose="020B0609020204030204" pitchFamily="49" charset="0"/>
+              </a:rPr>
+              <a:t>.</a:t>
+            </a:r>
+            <a:r>
+              <a:rPr lang="en-IE" sz="1400" b="0" dirty="0" err="1">
+                <a:solidFill>
+                  <a:srgbClr val="DCDCAA"/>
+                </a:solidFill>
+                <a:effectLst/>
+                <a:latin typeface="Consolas" panose="020B0609020204030204" pitchFamily="49" charset="0"/>
+              </a:rPr>
+              <a:t>findByUserName</a:t>
+            </a:r>
+            <a:r>
+              <a:rPr lang="en-IE" sz="1400" b="0" dirty="0">
+                <a:solidFill>
+                  <a:srgbClr val="D4D4D4"/>
+                </a:solidFill>
+                <a:effectLst/>
+                <a:latin typeface="Consolas" panose="020B0609020204030204" pitchFamily="49" charset="0"/>
+              </a:rPr>
+              <a:t>(</a:t>
+            </a:r>
+            <a:r>
+              <a:rPr lang="en-IE" sz="1400" b="0" dirty="0" err="1">
+                <a:solidFill>
+                  <a:srgbClr val="9CDCFE"/>
+                </a:solidFill>
+                <a:effectLst/>
+                <a:latin typeface="Consolas" panose="020B0609020204030204" pitchFamily="49" charset="0"/>
+              </a:rPr>
+              <a:t>req</a:t>
+            </a:r>
+            <a:r>
+              <a:rPr lang="en-IE" sz="1400" b="0" dirty="0" err="1">
+                <a:solidFill>
+                  <a:srgbClr val="D4D4D4"/>
+                </a:solidFill>
+                <a:effectLst/>
+                <a:latin typeface="Consolas" panose="020B0609020204030204" pitchFamily="49" charset="0"/>
+              </a:rPr>
+              <a:t>.</a:t>
+            </a:r>
+            <a:r>
+              <a:rPr lang="en-IE" sz="1400" b="0" dirty="0" err="1">
+                <a:solidFill>
+                  <a:srgbClr val="9CDCFE"/>
+                </a:solidFill>
+                <a:effectLst/>
+                <a:latin typeface="Consolas" panose="020B0609020204030204" pitchFamily="49" charset="0"/>
+              </a:rPr>
+              <a:t>body</a:t>
+            </a:r>
+            <a:r>
+              <a:rPr lang="en-IE" sz="1400" b="0" dirty="0" err="1">
+                <a:solidFill>
+                  <a:srgbClr val="D4D4D4"/>
+                </a:solidFill>
+                <a:effectLst/>
+                <a:latin typeface="Consolas" panose="020B0609020204030204" pitchFamily="49" charset="0"/>
+              </a:rPr>
+              <a:t>.</a:t>
+            </a:r>
+            <a:r>
+              <a:rPr lang="en-IE" sz="1400" b="0" dirty="0" err="1">
+                <a:solidFill>
+                  <a:srgbClr val="9CDCFE"/>
+                </a:solidFill>
+                <a:effectLst/>
+                <a:latin typeface="Consolas" panose="020B0609020204030204" pitchFamily="49" charset="0"/>
+              </a:rPr>
+              <a:t>username</a:t>
+            </a:r>
+            <a:r>
+              <a:rPr lang="en-IE" sz="1400" b="0" dirty="0">
+                <a:solidFill>
+                  <a:srgbClr val="D4D4D4"/>
+                </a:solidFill>
+                <a:effectLst/>
+                <a:latin typeface="Consolas" panose="020B0609020204030204" pitchFamily="49" charset="0"/>
+              </a:rPr>
+              <a:t>);</a:t>
+            </a:r>
+          </a:p>
+          <a:p>
+            <a:r>
+              <a:rPr lang="en-IE" sz="1400" b="0" dirty="0">
+                <a:solidFill>
+                  <a:srgbClr val="D4D4D4"/>
+                </a:solidFill>
+                <a:effectLst/>
+                <a:latin typeface="Consolas" panose="020B0609020204030204" pitchFamily="49" charset="0"/>
+              </a:rPr>
+              <a:t>        </a:t>
+            </a:r>
+            <a:r>
+              <a:rPr lang="en-IE" sz="1400" b="0" dirty="0">
+                <a:solidFill>
+                  <a:srgbClr val="C586C0"/>
+                </a:solidFill>
+                <a:effectLst/>
+                <a:latin typeface="Consolas" panose="020B0609020204030204" pitchFamily="49" charset="0"/>
+              </a:rPr>
+              <a:t>if</a:t>
+            </a:r>
+            <a:r>
+              <a:rPr lang="en-IE" sz="1400" b="0" dirty="0">
+                <a:solidFill>
+                  <a:srgbClr val="D4D4D4"/>
+                </a:solidFill>
+                <a:effectLst/>
+                <a:latin typeface="Consolas" panose="020B0609020204030204" pitchFamily="49" charset="0"/>
+              </a:rPr>
+              <a:t> (!</a:t>
+            </a:r>
+            <a:r>
+              <a:rPr lang="en-IE" sz="1400" b="0" dirty="0">
+                <a:solidFill>
+                  <a:srgbClr val="4FC1FF"/>
+                </a:solidFill>
+                <a:effectLst/>
+                <a:latin typeface="Consolas" panose="020B0609020204030204" pitchFamily="49" charset="0"/>
+              </a:rPr>
+              <a:t>user</a:t>
+            </a:r>
+            <a:r>
+              <a:rPr lang="en-IE" sz="1400" b="0" dirty="0">
+                <a:solidFill>
+                  <a:srgbClr val="D4D4D4"/>
+                </a:solidFill>
+                <a:effectLst/>
+                <a:latin typeface="Consolas" panose="020B0609020204030204" pitchFamily="49" charset="0"/>
+              </a:rPr>
+              <a:t>) </a:t>
+            </a:r>
+            <a:r>
+              <a:rPr lang="en-IE" sz="1400" b="0" dirty="0">
+                <a:solidFill>
+                  <a:srgbClr val="C586C0"/>
+                </a:solidFill>
+                <a:effectLst/>
+                <a:latin typeface="Consolas" panose="020B0609020204030204" pitchFamily="49" charset="0"/>
+              </a:rPr>
+              <a:t>return</a:t>
+            </a:r>
+            <a:r>
+              <a:rPr lang="en-IE" sz="1400" b="0" dirty="0">
+                <a:solidFill>
+                  <a:srgbClr val="9CDCFE"/>
+                </a:solidFill>
+                <a:effectLst/>
+                <a:latin typeface="Consolas" panose="020B0609020204030204" pitchFamily="49" charset="0"/>
+              </a:rPr>
+              <a:t> </a:t>
+            </a:r>
+            <a:r>
+              <a:rPr lang="en-IE" sz="1400" b="0" dirty="0" err="1">
+                <a:solidFill>
+                  <a:srgbClr val="9CDCFE"/>
+                </a:solidFill>
+                <a:effectLst/>
+                <a:latin typeface="Consolas" panose="020B0609020204030204" pitchFamily="49" charset="0"/>
+              </a:rPr>
+              <a:t>res</a:t>
+            </a:r>
+            <a:r>
+              <a:rPr lang="en-IE" sz="1400" b="0" dirty="0" err="1">
+                <a:solidFill>
+                  <a:srgbClr val="D4D4D4"/>
+                </a:solidFill>
+                <a:effectLst/>
+                <a:latin typeface="Consolas" panose="020B0609020204030204" pitchFamily="49" charset="0"/>
+              </a:rPr>
+              <a:t>.</a:t>
+            </a:r>
+            <a:r>
+              <a:rPr lang="en-IE" sz="1400" b="0" dirty="0" err="1">
+                <a:solidFill>
+                  <a:srgbClr val="DCDCAA"/>
+                </a:solidFill>
+                <a:effectLst/>
+                <a:latin typeface="Consolas" panose="020B0609020204030204" pitchFamily="49" charset="0"/>
+              </a:rPr>
+              <a:t>status</a:t>
+            </a:r>
+            <a:r>
+              <a:rPr lang="en-IE" sz="1400" b="0" dirty="0">
+                <a:solidFill>
+                  <a:srgbClr val="D4D4D4"/>
+                </a:solidFill>
+                <a:effectLst/>
+                <a:latin typeface="Consolas" panose="020B0609020204030204" pitchFamily="49" charset="0"/>
+              </a:rPr>
+              <a:t>(</a:t>
+            </a:r>
+            <a:r>
+              <a:rPr lang="en-IE" sz="1400" b="0" dirty="0">
+                <a:solidFill>
+                  <a:srgbClr val="B5CEA8"/>
+                </a:solidFill>
+                <a:effectLst/>
+                <a:latin typeface="Consolas" panose="020B0609020204030204" pitchFamily="49" charset="0"/>
+              </a:rPr>
+              <a:t>401</a:t>
+            </a:r>
+            <a:r>
+              <a:rPr lang="en-IE" sz="1400" b="0" dirty="0">
+                <a:solidFill>
+                  <a:srgbClr val="D4D4D4"/>
+                </a:solidFill>
+                <a:effectLst/>
+                <a:latin typeface="Consolas" panose="020B0609020204030204" pitchFamily="49" charset="0"/>
+              </a:rPr>
+              <a:t>).</a:t>
+            </a:r>
+            <a:r>
+              <a:rPr lang="en-IE" sz="1400" b="0" dirty="0">
+                <a:solidFill>
+                  <a:srgbClr val="DCDCAA"/>
+                </a:solidFill>
+                <a:effectLst/>
+                <a:latin typeface="Consolas" panose="020B0609020204030204" pitchFamily="49" charset="0"/>
+              </a:rPr>
+              <a:t>json</a:t>
+            </a:r>
+            <a:r>
+              <a:rPr lang="en-IE" sz="1400" b="0" dirty="0">
+                <a:solidFill>
+                  <a:srgbClr val="D4D4D4"/>
+                </a:solidFill>
+                <a:effectLst/>
+                <a:latin typeface="Consolas" panose="020B0609020204030204" pitchFamily="49" charset="0"/>
+              </a:rPr>
+              <a:t>(</a:t>
+            </a:r>
+            <a:r>
+              <a:rPr lang="en-IE" sz="1400" b="0" dirty="0">
+                <a:solidFill>
+                  <a:srgbClr val="4FC1FF"/>
+                </a:solidFill>
+                <a:effectLst/>
+                <a:latin typeface="Consolas" panose="020B0609020204030204" pitchFamily="49" charset="0"/>
+              </a:rPr>
+              <a:t>Unauthorised</a:t>
+            </a:r>
+            <a:r>
+              <a:rPr lang="en-IE" sz="1400" b="0" dirty="0">
+                <a:solidFill>
+                  <a:srgbClr val="D4D4D4"/>
+                </a:solidFill>
+                <a:effectLst/>
+                <a:latin typeface="Consolas" panose="020B0609020204030204" pitchFamily="49" charset="0"/>
+              </a:rPr>
+              <a:t>);</a:t>
+            </a:r>
+          </a:p>
+          <a:p>
+            <a:r>
+              <a:rPr lang="en-IE" sz="1400" b="0" dirty="0">
+                <a:solidFill>
+                  <a:srgbClr val="9CDCFE"/>
+                </a:solidFill>
+                <a:effectLst/>
+                <a:latin typeface="Consolas" panose="020B0609020204030204" pitchFamily="49" charset="0"/>
+              </a:rPr>
+              <a:t>        </a:t>
+            </a:r>
+            <a:r>
+              <a:rPr lang="en-IE" sz="1400" b="0" dirty="0" err="1">
+                <a:solidFill>
+                  <a:srgbClr val="4FC1FF"/>
+                </a:solidFill>
+                <a:effectLst/>
+                <a:latin typeface="Consolas" panose="020B0609020204030204" pitchFamily="49" charset="0"/>
+              </a:rPr>
+              <a:t>user</a:t>
+            </a:r>
+            <a:r>
+              <a:rPr lang="en-IE" sz="1400" b="0" dirty="0" err="1">
+                <a:solidFill>
+                  <a:srgbClr val="D4D4D4"/>
+                </a:solidFill>
+                <a:effectLst/>
+                <a:latin typeface="Consolas" panose="020B0609020204030204" pitchFamily="49" charset="0"/>
+              </a:rPr>
+              <a:t>.</a:t>
+            </a:r>
+            <a:r>
+              <a:rPr lang="en-IE" sz="1400" b="0" dirty="0" err="1">
+                <a:solidFill>
+                  <a:srgbClr val="DCDCAA"/>
+                </a:solidFill>
+                <a:effectLst/>
+                <a:latin typeface="Consolas" panose="020B0609020204030204" pitchFamily="49" charset="0"/>
+              </a:rPr>
+              <a:t>comparePassword</a:t>
+            </a:r>
+            <a:r>
+              <a:rPr lang="en-IE" sz="1400" b="0" dirty="0">
+                <a:solidFill>
+                  <a:srgbClr val="D4D4D4"/>
+                </a:solidFill>
+                <a:effectLst/>
+                <a:latin typeface="Consolas" panose="020B0609020204030204" pitchFamily="49" charset="0"/>
+              </a:rPr>
+              <a:t>(</a:t>
+            </a:r>
+            <a:r>
+              <a:rPr lang="en-IE" sz="1400" b="0" dirty="0" err="1">
+                <a:solidFill>
+                  <a:srgbClr val="9CDCFE"/>
+                </a:solidFill>
+                <a:effectLst/>
+                <a:latin typeface="Consolas" panose="020B0609020204030204" pitchFamily="49" charset="0"/>
+              </a:rPr>
+              <a:t>req</a:t>
+            </a:r>
+            <a:r>
+              <a:rPr lang="en-IE" sz="1400" b="0" dirty="0" err="1">
+                <a:solidFill>
+                  <a:srgbClr val="D4D4D4"/>
+                </a:solidFill>
+                <a:effectLst/>
+                <a:latin typeface="Consolas" panose="020B0609020204030204" pitchFamily="49" charset="0"/>
+              </a:rPr>
+              <a:t>.</a:t>
+            </a:r>
+            <a:r>
+              <a:rPr lang="en-IE" sz="1400" b="0" dirty="0" err="1">
+                <a:solidFill>
+                  <a:srgbClr val="9CDCFE"/>
+                </a:solidFill>
+                <a:effectLst/>
+                <a:latin typeface="Consolas" panose="020B0609020204030204" pitchFamily="49" charset="0"/>
+              </a:rPr>
+              <a:t>body</a:t>
+            </a:r>
+            <a:r>
+              <a:rPr lang="en-IE" sz="1400" b="0" dirty="0" err="1">
+                <a:solidFill>
+                  <a:srgbClr val="D4D4D4"/>
+                </a:solidFill>
+                <a:effectLst/>
+                <a:latin typeface="Consolas" panose="020B0609020204030204" pitchFamily="49" charset="0"/>
+              </a:rPr>
+              <a:t>.</a:t>
+            </a:r>
+            <a:r>
+              <a:rPr lang="en-IE" sz="1400" b="0" dirty="0" err="1">
+                <a:solidFill>
+                  <a:srgbClr val="9CDCFE"/>
+                </a:solidFill>
+                <a:effectLst/>
+                <a:latin typeface="Consolas" panose="020B0609020204030204" pitchFamily="49" charset="0"/>
+              </a:rPr>
+              <a:t>password</a:t>
+            </a:r>
+            <a:r>
+              <a:rPr lang="en-IE" sz="1400" b="0" dirty="0">
+                <a:solidFill>
+                  <a:srgbClr val="D4D4D4"/>
+                </a:solidFill>
+                <a:effectLst/>
+                <a:latin typeface="Consolas" panose="020B0609020204030204" pitchFamily="49" charset="0"/>
+              </a:rPr>
+              <a:t>, (</a:t>
+            </a:r>
+            <a:r>
+              <a:rPr lang="en-IE" sz="1400" b="0" dirty="0">
+                <a:solidFill>
+                  <a:srgbClr val="9CDCFE"/>
+                </a:solidFill>
+                <a:effectLst/>
+                <a:latin typeface="Consolas" panose="020B0609020204030204" pitchFamily="49" charset="0"/>
+              </a:rPr>
+              <a:t>err</a:t>
+            </a:r>
+            <a:r>
+              <a:rPr lang="en-IE" sz="1400" b="0" dirty="0">
+                <a:solidFill>
+                  <a:srgbClr val="D4D4D4"/>
+                </a:solidFill>
+                <a:effectLst/>
+                <a:latin typeface="Consolas" panose="020B0609020204030204" pitchFamily="49" charset="0"/>
+              </a:rPr>
+              <a:t>, </a:t>
+            </a:r>
+            <a:r>
+              <a:rPr lang="en-IE" sz="1400" b="0" dirty="0" err="1">
+                <a:solidFill>
+                  <a:srgbClr val="9CDCFE"/>
+                </a:solidFill>
+                <a:effectLst/>
+                <a:latin typeface="Consolas" panose="020B0609020204030204" pitchFamily="49" charset="0"/>
+              </a:rPr>
+              <a:t>isMatch</a:t>
+            </a:r>
+            <a:r>
+              <a:rPr lang="en-IE" sz="1400" b="0" dirty="0">
+                <a:solidFill>
+                  <a:srgbClr val="D4D4D4"/>
+                </a:solidFill>
+                <a:effectLst/>
+                <a:latin typeface="Consolas" panose="020B0609020204030204" pitchFamily="49" charset="0"/>
+              </a:rPr>
+              <a:t>) </a:t>
+            </a:r>
+            <a:r>
+              <a:rPr lang="en-IE" sz="1400" b="0" dirty="0">
+                <a:solidFill>
+                  <a:srgbClr val="569CD6"/>
+                </a:solidFill>
+                <a:effectLst/>
+                <a:latin typeface="Consolas" panose="020B0609020204030204" pitchFamily="49" charset="0"/>
+              </a:rPr>
+              <a:t>=&gt;</a:t>
+            </a:r>
+            <a:r>
+              <a:rPr lang="en-IE" sz="1400" b="0" dirty="0">
+                <a:solidFill>
+                  <a:srgbClr val="D4D4D4"/>
+                </a:solidFill>
+                <a:effectLst/>
+                <a:latin typeface="Consolas" panose="020B0609020204030204" pitchFamily="49" charset="0"/>
+              </a:rPr>
+              <a:t> {</a:t>
+            </a:r>
+          </a:p>
+          <a:p>
+            <a:r>
+              <a:rPr lang="en-IE" sz="1400" b="0" dirty="0">
+                <a:solidFill>
+                  <a:srgbClr val="D4D4D4"/>
+                </a:solidFill>
+                <a:effectLst/>
+                <a:latin typeface="Consolas" panose="020B0609020204030204" pitchFamily="49" charset="0"/>
+              </a:rPr>
+              <a:t>            </a:t>
+            </a:r>
+            <a:r>
+              <a:rPr lang="en-IE" sz="1400" b="0" dirty="0">
+                <a:solidFill>
+                  <a:srgbClr val="C586C0"/>
+                </a:solidFill>
+                <a:effectLst/>
+                <a:latin typeface="Consolas" panose="020B0609020204030204" pitchFamily="49" charset="0"/>
+              </a:rPr>
+              <a:t>if</a:t>
+            </a:r>
+            <a:r>
+              <a:rPr lang="en-IE" sz="1400" b="0" dirty="0">
+                <a:solidFill>
+                  <a:srgbClr val="D4D4D4"/>
+                </a:solidFill>
+                <a:effectLst/>
+                <a:latin typeface="Consolas" panose="020B0609020204030204" pitchFamily="49" charset="0"/>
+              </a:rPr>
+              <a:t> (</a:t>
+            </a:r>
+            <a:r>
+              <a:rPr lang="en-IE" sz="1400" b="0" dirty="0" err="1">
+                <a:solidFill>
+                  <a:srgbClr val="9CDCFE"/>
+                </a:solidFill>
+                <a:effectLst/>
+                <a:latin typeface="Consolas" panose="020B0609020204030204" pitchFamily="49" charset="0"/>
+              </a:rPr>
+              <a:t>isMatch</a:t>
+            </a:r>
+            <a:r>
+              <a:rPr lang="en-IE" sz="1400" b="0" dirty="0">
+                <a:solidFill>
+                  <a:srgbClr val="D4D4D4"/>
+                </a:solidFill>
+                <a:effectLst/>
+                <a:latin typeface="Consolas" panose="020B0609020204030204" pitchFamily="49" charset="0"/>
+              </a:rPr>
+              <a:t> &amp;&amp; !</a:t>
+            </a:r>
+            <a:r>
+              <a:rPr lang="en-IE" sz="1400" b="0" dirty="0">
+                <a:solidFill>
+                  <a:srgbClr val="9CDCFE"/>
+                </a:solidFill>
+                <a:effectLst/>
+                <a:latin typeface="Consolas" panose="020B0609020204030204" pitchFamily="49" charset="0"/>
+              </a:rPr>
+              <a:t>err</a:t>
+            </a:r>
+            <a:r>
+              <a:rPr lang="en-IE" sz="1400" b="0" dirty="0">
+                <a:solidFill>
+                  <a:srgbClr val="D4D4D4"/>
+                </a:solidFill>
+                <a:effectLst/>
+                <a:latin typeface="Consolas" panose="020B0609020204030204" pitchFamily="49" charset="0"/>
+              </a:rPr>
+              <a:t>) {</a:t>
+            </a:r>
+          </a:p>
+          <a:p>
+            <a:r>
+              <a:rPr lang="en-IE" sz="1400" b="0" dirty="0">
+                <a:solidFill>
+                  <a:srgbClr val="D4D4D4"/>
+                </a:solidFill>
+                <a:effectLst/>
+                <a:latin typeface="Consolas" panose="020B0609020204030204" pitchFamily="49" charset="0"/>
+              </a:rPr>
+              <a:t>                </a:t>
+            </a:r>
+            <a:r>
+              <a:rPr lang="en-IE" sz="1400" b="0" dirty="0">
+                <a:solidFill>
+                  <a:srgbClr val="6A9955"/>
+                </a:solidFill>
+                <a:effectLst/>
+                <a:latin typeface="Consolas" panose="020B0609020204030204" pitchFamily="49" charset="0"/>
+              </a:rPr>
+              <a:t>// if user is found and password is right create a token</a:t>
+            </a:r>
+            <a:endParaRPr lang="en-IE" sz="1400" b="0" dirty="0">
+              <a:solidFill>
+                <a:srgbClr val="D4D4D4"/>
+              </a:solidFill>
+              <a:effectLst/>
+              <a:latin typeface="Consolas" panose="020B0609020204030204" pitchFamily="49" charset="0"/>
+            </a:endParaRPr>
+          </a:p>
+          <a:p>
+            <a:r>
+              <a:rPr lang="en-IE" sz="1400" b="0" dirty="0">
+                <a:solidFill>
+                  <a:srgbClr val="D4D4D4"/>
+                </a:solidFill>
+                <a:effectLst/>
+                <a:latin typeface="Consolas" panose="020B0609020204030204" pitchFamily="49" charset="0"/>
+              </a:rPr>
+              <a:t>                </a:t>
+            </a:r>
+            <a:r>
+              <a:rPr lang="en-IE" sz="1400" b="0" dirty="0" err="1">
+                <a:solidFill>
+                  <a:srgbClr val="569CD6"/>
+                </a:solidFill>
+                <a:effectLst/>
+                <a:latin typeface="Consolas" panose="020B0609020204030204" pitchFamily="49" charset="0"/>
+              </a:rPr>
+              <a:t>const</a:t>
+            </a:r>
+            <a:r>
+              <a:rPr lang="en-IE" sz="1400" b="0" dirty="0">
+                <a:solidFill>
+                  <a:srgbClr val="D4D4D4"/>
+                </a:solidFill>
+                <a:effectLst/>
+                <a:latin typeface="Consolas" panose="020B0609020204030204" pitchFamily="49" charset="0"/>
+              </a:rPr>
+              <a:t> </a:t>
+            </a:r>
+            <a:r>
+              <a:rPr lang="en-IE" sz="1400" b="0" dirty="0">
+                <a:solidFill>
+                  <a:srgbClr val="4FC1FF"/>
+                </a:solidFill>
+                <a:effectLst/>
+                <a:latin typeface="Consolas" panose="020B0609020204030204" pitchFamily="49" charset="0"/>
+              </a:rPr>
+              <a:t>token</a:t>
+            </a:r>
+            <a:r>
+              <a:rPr lang="en-IE" sz="1400" b="0" dirty="0">
+                <a:solidFill>
+                  <a:srgbClr val="D4D4D4"/>
+                </a:solidFill>
+                <a:effectLst/>
+                <a:latin typeface="Consolas" panose="020B0609020204030204" pitchFamily="49" charset="0"/>
+              </a:rPr>
+              <a:t> =</a:t>
+            </a:r>
+            <a:r>
+              <a:rPr lang="en-IE" sz="1400" b="0" dirty="0">
+                <a:solidFill>
+                  <a:srgbClr val="9CDCFE"/>
+                </a:solidFill>
+                <a:effectLst/>
+                <a:latin typeface="Consolas" panose="020B0609020204030204" pitchFamily="49" charset="0"/>
+              </a:rPr>
+              <a:t> </a:t>
+            </a:r>
+            <a:r>
+              <a:rPr lang="en-IE" sz="1400" b="0" dirty="0" err="1">
+                <a:solidFill>
+                  <a:srgbClr val="9CDCFE"/>
+                </a:solidFill>
+                <a:effectLst/>
+                <a:latin typeface="Consolas" panose="020B0609020204030204" pitchFamily="49" charset="0"/>
+              </a:rPr>
+              <a:t>jwt</a:t>
+            </a:r>
+            <a:r>
+              <a:rPr lang="en-IE" sz="1400" b="0" dirty="0" err="1">
+                <a:solidFill>
+                  <a:srgbClr val="D4D4D4"/>
+                </a:solidFill>
+                <a:effectLst/>
+                <a:latin typeface="Consolas" panose="020B0609020204030204" pitchFamily="49" charset="0"/>
+              </a:rPr>
+              <a:t>.</a:t>
+            </a:r>
+            <a:r>
+              <a:rPr lang="en-IE" sz="1400" b="0" dirty="0" err="1">
+                <a:solidFill>
+                  <a:srgbClr val="DCDCAA"/>
+                </a:solidFill>
+                <a:effectLst/>
+                <a:latin typeface="Consolas" panose="020B0609020204030204" pitchFamily="49" charset="0"/>
+              </a:rPr>
+              <a:t>sign</a:t>
+            </a:r>
+            <a:r>
+              <a:rPr lang="en-IE" sz="1400" b="0" dirty="0">
+                <a:solidFill>
+                  <a:srgbClr val="D4D4D4"/>
+                </a:solidFill>
+                <a:effectLst/>
+                <a:latin typeface="Consolas" panose="020B0609020204030204" pitchFamily="49" charset="0"/>
+              </a:rPr>
+              <a:t>(</a:t>
+            </a:r>
+            <a:r>
+              <a:rPr lang="en-IE" sz="1400" b="0" dirty="0" err="1">
+                <a:solidFill>
+                  <a:srgbClr val="4FC1FF"/>
+                </a:solidFill>
+                <a:effectLst/>
+                <a:latin typeface="Consolas" panose="020B0609020204030204" pitchFamily="49" charset="0"/>
+              </a:rPr>
+              <a:t>user</a:t>
+            </a:r>
+            <a:r>
+              <a:rPr lang="en-IE" sz="1400" b="0" dirty="0" err="1">
+                <a:solidFill>
+                  <a:srgbClr val="D4D4D4"/>
+                </a:solidFill>
+                <a:effectLst/>
+                <a:latin typeface="Consolas" panose="020B0609020204030204" pitchFamily="49" charset="0"/>
+              </a:rPr>
+              <a:t>.</a:t>
+            </a:r>
+            <a:r>
+              <a:rPr lang="en-IE" sz="1400" b="0" dirty="0" err="1">
+                <a:solidFill>
+                  <a:srgbClr val="9CDCFE"/>
+                </a:solidFill>
+                <a:effectLst/>
+                <a:latin typeface="Consolas" panose="020B0609020204030204" pitchFamily="49" charset="0"/>
+              </a:rPr>
+              <a:t>username</a:t>
+            </a:r>
+            <a:r>
+              <a:rPr lang="en-IE" sz="1400" b="0" dirty="0">
+                <a:solidFill>
+                  <a:srgbClr val="D4D4D4"/>
+                </a:solidFill>
+                <a:effectLst/>
+                <a:latin typeface="Consolas" panose="020B0609020204030204" pitchFamily="49" charset="0"/>
+              </a:rPr>
+              <a:t>, </a:t>
+            </a:r>
+            <a:r>
+              <a:rPr lang="en-IE" sz="1400" b="0" dirty="0" err="1">
+                <a:solidFill>
+                  <a:srgbClr val="9CDCFE"/>
+                </a:solidFill>
+                <a:effectLst/>
+                <a:latin typeface="Consolas" panose="020B0609020204030204" pitchFamily="49" charset="0"/>
+              </a:rPr>
+              <a:t>process</a:t>
+            </a:r>
+            <a:r>
+              <a:rPr lang="en-IE" sz="1400" b="0" dirty="0" err="1">
+                <a:solidFill>
+                  <a:srgbClr val="D4D4D4"/>
+                </a:solidFill>
+                <a:effectLst/>
+                <a:latin typeface="Consolas" panose="020B0609020204030204" pitchFamily="49" charset="0"/>
+              </a:rPr>
+              <a:t>.</a:t>
+            </a:r>
+            <a:r>
+              <a:rPr lang="en-IE" sz="1400" b="0" dirty="0" err="1">
+                <a:solidFill>
+                  <a:srgbClr val="9CDCFE"/>
+                </a:solidFill>
+                <a:effectLst/>
+                <a:latin typeface="Consolas" panose="020B0609020204030204" pitchFamily="49" charset="0"/>
+              </a:rPr>
+              <a:t>env</a:t>
+            </a:r>
+            <a:r>
+              <a:rPr lang="en-IE" sz="1400" b="0" dirty="0" err="1">
+                <a:solidFill>
+                  <a:srgbClr val="D4D4D4"/>
+                </a:solidFill>
+                <a:effectLst/>
+                <a:latin typeface="Consolas" panose="020B0609020204030204" pitchFamily="49" charset="0"/>
+              </a:rPr>
+              <a:t>.</a:t>
+            </a:r>
+            <a:r>
+              <a:rPr lang="en-IE" sz="1400" b="0" dirty="0" err="1">
+                <a:solidFill>
+                  <a:srgbClr val="9CDCFE"/>
+                </a:solidFill>
+                <a:effectLst/>
+                <a:latin typeface="Consolas" panose="020B0609020204030204" pitchFamily="49" charset="0"/>
+              </a:rPr>
+              <a:t>secret</a:t>
+            </a:r>
+            <a:r>
+              <a:rPr lang="en-IE" sz="1400" b="0" dirty="0">
+                <a:solidFill>
+                  <a:srgbClr val="D4D4D4"/>
+                </a:solidFill>
+                <a:effectLst/>
+                <a:latin typeface="Consolas" panose="020B0609020204030204" pitchFamily="49" charset="0"/>
+              </a:rPr>
+              <a:t>);</a:t>
+            </a:r>
+          </a:p>
+          <a:p>
+            <a:r>
+              <a:rPr lang="en-IE" sz="1400" b="0" dirty="0">
+                <a:solidFill>
+                  <a:srgbClr val="D4D4D4"/>
+                </a:solidFill>
+                <a:effectLst/>
+                <a:latin typeface="Consolas" panose="020B0609020204030204" pitchFamily="49" charset="0"/>
+              </a:rPr>
+              <a:t>                </a:t>
+            </a:r>
+            <a:r>
+              <a:rPr lang="en-IE" sz="1400" b="0" dirty="0">
+                <a:solidFill>
+                  <a:srgbClr val="6A9955"/>
+                </a:solidFill>
+                <a:effectLst/>
+                <a:latin typeface="Consolas" panose="020B0609020204030204" pitchFamily="49" charset="0"/>
+              </a:rPr>
+              <a:t>// return the information including token as JSON</a:t>
+            </a:r>
+            <a:endParaRPr lang="en-IE" sz="1400" b="0" dirty="0">
+              <a:solidFill>
+                <a:srgbClr val="D4D4D4"/>
+              </a:solidFill>
+              <a:effectLst/>
+              <a:latin typeface="Consolas" panose="020B0609020204030204" pitchFamily="49" charset="0"/>
+            </a:endParaRPr>
+          </a:p>
+          <a:p>
+            <a:r>
+              <a:rPr lang="en-IE" sz="1400" b="0" dirty="0">
+                <a:solidFill>
+                  <a:srgbClr val="9CDCFE"/>
+                </a:solidFill>
+                <a:effectLst/>
+                <a:latin typeface="Consolas" panose="020B0609020204030204" pitchFamily="49" charset="0"/>
+              </a:rPr>
+              <a:t>                </a:t>
+            </a:r>
+            <a:r>
+              <a:rPr lang="en-IE" sz="1400" b="0" dirty="0" err="1">
+                <a:solidFill>
+                  <a:srgbClr val="9CDCFE"/>
+                </a:solidFill>
+                <a:effectLst/>
+                <a:latin typeface="Consolas" panose="020B0609020204030204" pitchFamily="49" charset="0"/>
+              </a:rPr>
+              <a:t>res</a:t>
+            </a:r>
+            <a:r>
+              <a:rPr lang="en-IE" sz="1400" b="0" dirty="0" err="1">
+                <a:solidFill>
+                  <a:srgbClr val="D4D4D4"/>
+                </a:solidFill>
+                <a:effectLst/>
+                <a:latin typeface="Consolas" panose="020B0609020204030204" pitchFamily="49" charset="0"/>
+              </a:rPr>
+              <a:t>.</a:t>
+            </a:r>
+            <a:r>
+              <a:rPr lang="en-IE" sz="1400" b="0" dirty="0" err="1">
+                <a:solidFill>
+                  <a:srgbClr val="DCDCAA"/>
+                </a:solidFill>
+                <a:effectLst/>
+                <a:latin typeface="Consolas" panose="020B0609020204030204" pitchFamily="49" charset="0"/>
+              </a:rPr>
+              <a:t>status</a:t>
+            </a:r>
+            <a:r>
+              <a:rPr lang="en-IE" sz="1400" b="0" dirty="0">
+                <a:solidFill>
+                  <a:srgbClr val="D4D4D4"/>
+                </a:solidFill>
+                <a:effectLst/>
+                <a:latin typeface="Consolas" panose="020B0609020204030204" pitchFamily="49" charset="0"/>
+              </a:rPr>
+              <a:t>(</a:t>
+            </a:r>
+            <a:r>
+              <a:rPr lang="en-IE" sz="1400" b="0" dirty="0">
+                <a:solidFill>
+                  <a:srgbClr val="B5CEA8"/>
+                </a:solidFill>
+                <a:effectLst/>
+                <a:latin typeface="Consolas" panose="020B0609020204030204" pitchFamily="49" charset="0"/>
+              </a:rPr>
+              <a:t>200</a:t>
+            </a:r>
+            <a:r>
+              <a:rPr lang="en-IE" sz="1400" b="0" dirty="0">
+                <a:solidFill>
+                  <a:srgbClr val="D4D4D4"/>
+                </a:solidFill>
+                <a:effectLst/>
+                <a:latin typeface="Consolas" panose="020B0609020204030204" pitchFamily="49" charset="0"/>
+              </a:rPr>
+              <a:t>).</a:t>
+            </a:r>
+            <a:r>
+              <a:rPr lang="en-IE" sz="1400" b="0" dirty="0">
+                <a:solidFill>
+                  <a:srgbClr val="DCDCAA"/>
+                </a:solidFill>
+                <a:effectLst/>
+                <a:latin typeface="Consolas" panose="020B0609020204030204" pitchFamily="49" charset="0"/>
+              </a:rPr>
+              <a:t>json</a:t>
+            </a:r>
+            <a:r>
+              <a:rPr lang="en-IE" sz="1400" b="0" dirty="0">
+                <a:solidFill>
+                  <a:srgbClr val="D4D4D4"/>
+                </a:solidFill>
+                <a:effectLst/>
+                <a:latin typeface="Consolas" panose="020B0609020204030204" pitchFamily="49" charset="0"/>
+              </a:rPr>
+              <a:t>({</a:t>
+            </a:r>
+          </a:p>
+          <a:p>
+            <a:r>
+              <a:rPr lang="en-IE" sz="1400" b="0" dirty="0">
+                <a:solidFill>
+                  <a:srgbClr val="D4D4D4"/>
+                </a:solidFill>
+                <a:effectLst/>
+                <a:latin typeface="Consolas" panose="020B0609020204030204" pitchFamily="49" charset="0"/>
+              </a:rPr>
+              <a:t>                    </a:t>
+            </a:r>
+            <a:r>
+              <a:rPr lang="en-IE" sz="1400" b="0" dirty="0" err="1">
+                <a:solidFill>
+                  <a:srgbClr val="9CDCFE"/>
+                </a:solidFill>
+                <a:effectLst/>
+                <a:latin typeface="Consolas" panose="020B0609020204030204" pitchFamily="49" charset="0"/>
+              </a:rPr>
+              <a:t>status_message</a:t>
+            </a:r>
+            <a:r>
+              <a:rPr lang="en-IE" sz="1400" b="0" dirty="0">
+                <a:solidFill>
+                  <a:srgbClr val="D4D4D4"/>
+                </a:solidFill>
+                <a:effectLst/>
+                <a:latin typeface="Consolas" panose="020B0609020204030204" pitchFamily="49" charset="0"/>
+              </a:rPr>
+              <a:t>: </a:t>
+            </a:r>
+            <a:r>
+              <a:rPr lang="en-IE" sz="1400" b="0" dirty="0">
+                <a:solidFill>
+                  <a:srgbClr val="CE9178"/>
+                </a:solidFill>
+                <a:effectLst/>
+                <a:latin typeface="Consolas" panose="020B0609020204030204" pitchFamily="49" charset="0"/>
+              </a:rPr>
+              <a:t>"Success"</a:t>
+            </a:r>
+            <a:r>
+              <a:rPr lang="en-IE" sz="1400" b="0" dirty="0">
+                <a:solidFill>
+                  <a:srgbClr val="D4D4D4"/>
+                </a:solidFill>
+                <a:effectLst/>
+                <a:latin typeface="Consolas" panose="020B0609020204030204" pitchFamily="49" charset="0"/>
+              </a:rPr>
+              <a:t>,</a:t>
+            </a:r>
+          </a:p>
+          <a:p>
+            <a:r>
+              <a:rPr lang="en-IE" sz="1400" b="0" dirty="0">
+                <a:solidFill>
+                  <a:srgbClr val="D4D4D4"/>
+                </a:solidFill>
+                <a:effectLst/>
+                <a:latin typeface="Consolas" panose="020B0609020204030204" pitchFamily="49" charset="0"/>
+              </a:rPr>
+              <a:t>                    </a:t>
+            </a:r>
+            <a:r>
+              <a:rPr lang="en-IE" sz="1400" b="0" dirty="0" err="1">
+                <a:solidFill>
+                  <a:srgbClr val="9CDCFE"/>
+                </a:solidFill>
+                <a:effectLst/>
+                <a:latin typeface="Consolas" panose="020B0609020204030204" pitchFamily="49" charset="0"/>
+              </a:rPr>
+              <a:t>status_code</a:t>
+            </a:r>
+            <a:r>
+              <a:rPr lang="en-IE" sz="1400" b="0" dirty="0">
+                <a:solidFill>
+                  <a:srgbClr val="D4D4D4"/>
+                </a:solidFill>
+                <a:effectLst/>
+                <a:latin typeface="Consolas" panose="020B0609020204030204" pitchFamily="49" charset="0"/>
+              </a:rPr>
+              <a:t>: </a:t>
+            </a:r>
+            <a:r>
+              <a:rPr lang="en-IE" sz="1400" b="0" dirty="0">
+                <a:solidFill>
+                  <a:srgbClr val="B5CEA8"/>
+                </a:solidFill>
+                <a:effectLst/>
+                <a:latin typeface="Consolas" panose="020B0609020204030204" pitchFamily="49" charset="0"/>
+              </a:rPr>
+              <a:t>200</a:t>
+            </a:r>
+            <a:r>
+              <a:rPr lang="en-IE" sz="1400" b="0" dirty="0">
+                <a:solidFill>
+                  <a:srgbClr val="D4D4D4"/>
+                </a:solidFill>
+                <a:effectLst/>
+                <a:latin typeface="Consolas" panose="020B0609020204030204" pitchFamily="49" charset="0"/>
+              </a:rPr>
+              <a:t>,</a:t>
+            </a:r>
+          </a:p>
+          <a:p>
+            <a:r>
+              <a:rPr lang="en-IE" sz="1400" b="0" dirty="0">
+                <a:solidFill>
+                  <a:srgbClr val="D4D4D4"/>
+                </a:solidFill>
+                <a:effectLst/>
+                <a:latin typeface="Consolas" panose="020B0609020204030204" pitchFamily="49" charset="0"/>
+              </a:rPr>
+              <a:t>                    </a:t>
+            </a:r>
+            <a:r>
+              <a:rPr lang="en-IE" sz="1400" b="0" dirty="0">
+                <a:solidFill>
+                  <a:srgbClr val="9CDCFE"/>
+                </a:solidFill>
+                <a:effectLst/>
+                <a:latin typeface="Consolas" panose="020B0609020204030204" pitchFamily="49" charset="0"/>
+              </a:rPr>
+              <a:t>token</a:t>
+            </a:r>
+            <a:r>
+              <a:rPr lang="en-IE" sz="1400" b="0" dirty="0">
+                <a:solidFill>
+                  <a:srgbClr val="D4D4D4"/>
+                </a:solidFill>
+                <a:effectLst/>
+                <a:latin typeface="Consolas" panose="020B0609020204030204" pitchFamily="49" charset="0"/>
+              </a:rPr>
+              <a:t>: </a:t>
+            </a:r>
+            <a:r>
+              <a:rPr lang="en-IE" sz="1400" b="0" dirty="0">
+                <a:solidFill>
+                  <a:srgbClr val="CE9178"/>
+                </a:solidFill>
+                <a:effectLst/>
+                <a:latin typeface="Consolas" panose="020B0609020204030204" pitchFamily="49" charset="0"/>
+              </a:rPr>
+              <a:t>'BEARER</a:t>
+            </a:r>
+            <a:r>
+              <a:rPr lang="en-IE" sz="1400" b="0" dirty="0">
+                <a:solidFill>
+                  <a:srgbClr val="D4D4D4"/>
+                </a:solidFill>
+                <a:effectLst/>
+                <a:latin typeface="Consolas" panose="020B0609020204030204" pitchFamily="49" charset="0"/>
+              </a:rPr>
+              <a:t> </a:t>
+            </a:r>
+            <a:r>
+              <a:rPr lang="en-IE" sz="1400" b="0" dirty="0">
+                <a:solidFill>
+                  <a:srgbClr val="CE9178"/>
+                </a:solidFill>
+                <a:effectLst/>
+                <a:latin typeface="Consolas" panose="020B0609020204030204" pitchFamily="49" charset="0"/>
+              </a:rPr>
+              <a:t>'</a:t>
+            </a:r>
+            <a:r>
+              <a:rPr lang="en-IE" sz="1400" b="0" dirty="0">
+                <a:solidFill>
+                  <a:srgbClr val="D4D4D4"/>
+                </a:solidFill>
+                <a:effectLst/>
+                <a:latin typeface="Consolas" panose="020B0609020204030204" pitchFamily="49" charset="0"/>
+              </a:rPr>
+              <a:t> + </a:t>
+            </a:r>
+            <a:r>
+              <a:rPr lang="en-IE" sz="1400" b="0" dirty="0">
+                <a:solidFill>
+                  <a:srgbClr val="4FC1FF"/>
+                </a:solidFill>
+                <a:effectLst/>
+                <a:latin typeface="Consolas" panose="020B0609020204030204" pitchFamily="49" charset="0"/>
+              </a:rPr>
+              <a:t>token</a:t>
+            </a:r>
+            <a:r>
+              <a:rPr lang="en-IE" sz="1400" b="0" dirty="0">
+                <a:solidFill>
+                  <a:srgbClr val="D4D4D4"/>
+                </a:solidFill>
+                <a:effectLst/>
+                <a:latin typeface="Consolas" panose="020B0609020204030204" pitchFamily="49" charset="0"/>
+              </a:rPr>
+              <a:t>,</a:t>
+            </a:r>
+          </a:p>
+          <a:p>
+            <a:r>
+              <a:rPr lang="en-IE" sz="1400" b="0" dirty="0">
+                <a:solidFill>
+                  <a:srgbClr val="D4D4D4"/>
+                </a:solidFill>
+                <a:effectLst/>
+                <a:latin typeface="Consolas" panose="020B0609020204030204" pitchFamily="49" charset="0"/>
+              </a:rPr>
+              <a:t>                });</a:t>
+            </a:r>
+          </a:p>
+          <a:p>
+            <a:r>
+              <a:rPr lang="en-IE" sz="1400" b="0" dirty="0">
+                <a:solidFill>
+                  <a:srgbClr val="D4D4D4"/>
+                </a:solidFill>
+                <a:effectLst/>
+                <a:latin typeface="Consolas" panose="020B0609020204030204" pitchFamily="49" charset="0"/>
+              </a:rPr>
+              <a:t>            } </a:t>
+            </a:r>
+            <a:r>
+              <a:rPr lang="en-IE" sz="1400" b="0" dirty="0">
+                <a:solidFill>
+                  <a:srgbClr val="C586C0"/>
+                </a:solidFill>
+                <a:effectLst/>
+                <a:latin typeface="Consolas" panose="020B0609020204030204" pitchFamily="49" charset="0"/>
+              </a:rPr>
+              <a:t>else</a:t>
+            </a:r>
+            <a:r>
+              <a:rPr lang="en-IE" sz="1400" b="0" dirty="0">
+                <a:solidFill>
+                  <a:srgbClr val="D4D4D4"/>
+                </a:solidFill>
+                <a:effectLst/>
+                <a:latin typeface="Consolas" panose="020B0609020204030204" pitchFamily="49" charset="0"/>
+              </a:rPr>
+              <a:t> {</a:t>
+            </a:r>
+          </a:p>
+          <a:p>
+            <a:r>
+              <a:rPr lang="en-IE" sz="1400" b="0" dirty="0">
+                <a:solidFill>
+                  <a:srgbClr val="9CDCFE"/>
+                </a:solidFill>
+                <a:effectLst/>
+                <a:latin typeface="Consolas" panose="020B0609020204030204" pitchFamily="49" charset="0"/>
+              </a:rPr>
+              <a:t>                </a:t>
+            </a:r>
+            <a:r>
+              <a:rPr lang="en-IE" sz="1400" b="0" dirty="0" err="1">
+                <a:solidFill>
+                  <a:srgbClr val="9CDCFE"/>
+                </a:solidFill>
+                <a:effectLst/>
+                <a:latin typeface="Consolas" panose="020B0609020204030204" pitchFamily="49" charset="0"/>
+              </a:rPr>
+              <a:t>res</a:t>
+            </a:r>
+            <a:r>
+              <a:rPr lang="en-IE" sz="1400" b="0" dirty="0" err="1">
+                <a:solidFill>
+                  <a:srgbClr val="D4D4D4"/>
+                </a:solidFill>
+                <a:effectLst/>
+                <a:latin typeface="Consolas" panose="020B0609020204030204" pitchFamily="49" charset="0"/>
+              </a:rPr>
+              <a:t>.</a:t>
+            </a:r>
+            <a:r>
+              <a:rPr lang="en-IE" sz="1400" b="0" dirty="0" err="1">
+                <a:solidFill>
+                  <a:srgbClr val="DCDCAA"/>
+                </a:solidFill>
+                <a:effectLst/>
+                <a:latin typeface="Consolas" panose="020B0609020204030204" pitchFamily="49" charset="0"/>
+              </a:rPr>
+              <a:t>status</a:t>
+            </a:r>
+            <a:r>
+              <a:rPr lang="en-IE" sz="1400" b="0" dirty="0">
+                <a:solidFill>
+                  <a:srgbClr val="D4D4D4"/>
+                </a:solidFill>
+                <a:effectLst/>
+                <a:latin typeface="Consolas" panose="020B0609020204030204" pitchFamily="49" charset="0"/>
+              </a:rPr>
+              <a:t>(</a:t>
+            </a:r>
+            <a:r>
+              <a:rPr lang="en-IE" sz="1400" b="0" dirty="0">
+                <a:solidFill>
+                  <a:srgbClr val="B5CEA8"/>
+                </a:solidFill>
+                <a:effectLst/>
+                <a:latin typeface="Consolas" panose="020B0609020204030204" pitchFamily="49" charset="0"/>
+              </a:rPr>
+              <a:t>401</a:t>
+            </a:r>
+            <a:r>
+              <a:rPr lang="en-IE" sz="1400" b="0" dirty="0">
+                <a:solidFill>
+                  <a:srgbClr val="D4D4D4"/>
+                </a:solidFill>
+                <a:effectLst/>
+                <a:latin typeface="Consolas" panose="020B0609020204030204" pitchFamily="49" charset="0"/>
+              </a:rPr>
+              <a:t>).</a:t>
+            </a:r>
+            <a:r>
+              <a:rPr lang="en-IE" sz="1400" b="0" dirty="0">
+                <a:solidFill>
+                  <a:srgbClr val="DCDCAA"/>
+                </a:solidFill>
+                <a:effectLst/>
+                <a:latin typeface="Consolas" panose="020B0609020204030204" pitchFamily="49" charset="0"/>
+              </a:rPr>
+              <a:t>send</a:t>
+            </a:r>
+            <a:r>
+              <a:rPr lang="en-IE" sz="1400" b="0" dirty="0">
+                <a:solidFill>
+                  <a:srgbClr val="D4D4D4"/>
+                </a:solidFill>
+                <a:effectLst/>
+                <a:latin typeface="Consolas" panose="020B0609020204030204" pitchFamily="49" charset="0"/>
+              </a:rPr>
+              <a:t>(</a:t>
+            </a:r>
+            <a:r>
+              <a:rPr lang="en-IE" sz="1400" b="0" dirty="0">
+                <a:solidFill>
+                  <a:srgbClr val="4FC1FF"/>
+                </a:solidFill>
+                <a:effectLst/>
+                <a:latin typeface="Consolas" panose="020B0609020204030204" pitchFamily="49" charset="0"/>
+              </a:rPr>
+              <a:t>Unauthorised</a:t>
+            </a:r>
+            <a:r>
+              <a:rPr lang="en-IE" sz="1400" b="0" dirty="0">
+                <a:solidFill>
+                  <a:srgbClr val="D4D4D4"/>
+                </a:solidFill>
+                <a:effectLst/>
+                <a:latin typeface="Consolas" panose="020B0609020204030204" pitchFamily="49" charset="0"/>
+              </a:rPr>
+              <a:t>);</a:t>
+            </a:r>
+          </a:p>
+          <a:p>
+            <a:r>
+              <a:rPr lang="en-IE" sz="1400" b="0" dirty="0">
+                <a:solidFill>
+                  <a:srgbClr val="D4D4D4"/>
+                </a:solidFill>
+                <a:effectLst/>
+                <a:latin typeface="Consolas" panose="020B0609020204030204" pitchFamily="49" charset="0"/>
+              </a:rPr>
+              <a:t>            }</a:t>
+            </a:r>
+          </a:p>
+          <a:p>
+            <a:r>
+              <a:rPr lang="en-IE" sz="1400" b="0" dirty="0">
+                <a:solidFill>
+                  <a:srgbClr val="D4D4D4"/>
+                </a:solidFill>
+                <a:effectLst/>
+                <a:latin typeface="Consolas" panose="020B0609020204030204" pitchFamily="49" charset="0"/>
+              </a:rPr>
+              <a:t>        });</a:t>
+            </a:r>
+          </a:p>
+          <a:p>
+            <a:br>
+              <a:rPr lang="en-IE" sz="1400" b="0" dirty="0">
+                <a:solidFill>
+                  <a:srgbClr val="D4D4D4"/>
+                </a:solidFill>
+                <a:effectLst/>
+                <a:latin typeface="Consolas" panose="020B0609020204030204" pitchFamily="49" charset="0"/>
+              </a:rPr>
+            </a:br>
+            <a:r>
+              <a:rPr lang="en-IE" sz="1400" b="0" dirty="0">
+                <a:solidFill>
+                  <a:srgbClr val="D4D4D4"/>
+                </a:solidFill>
+                <a:effectLst/>
+                <a:latin typeface="Consolas" panose="020B0609020204030204" pitchFamily="49" charset="0"/>
+              </a:rPr>
+              <a:t>    }</a:t>
+            </a:r>
+          </a:p>
+          <a:p>
+            <a:r>
+              <a:rPr lang="en-IE" sz="1400" b="0" dirty="0">
+                <a:solidFill>
+                  <a:srgbClr val="D4D4D4"/>
+                </a:solidFill>
+                <a:effectLst/>
+                <a:latin typeface="Consolas" panose="020B0609020204030204" pitchFamily="49" charset="0"/>
+              </a:rPr>
+              <a:t>}));</a:t>
+            </a:r>
+          </a:p>
+        </p:txBody>
+      </p:sp>
     </p:spTree>
     <p:extLst>
       <p:ext uri="{BB962C8B-B14F-4D97-AF65-F5344CB8AC3E}">
@@ -15112,7 +17724,7 @@
 </p:sld>
 </file>
 
-<file path=ppt/slides/slide23.xml><?xml version="1.0" encoding="utf-8"?>
+<file path=ppt/slides/slide22.xml><?xml version="1.0" encoding="utf-8"?>
 <p:sld xmlns:a="http://schemas.openxmlformats.org/drawingml/2006/main" xmlns:r="http://schemas.openxmlformats.org/officeDocument/2006/relationships" xmlns:p="http://schemas.openxmlformats.org/presentationml/2006/main">
   <p:cSld>
     <p:spTree>
@@ -15729,7 +18341,7 @@
 </p:sld>
 </file>
 
-<file path=ppt/slides/slide24.xml><?xml version="1.0" encoding="utf-8"?>
+<file path=ppt/slides/slide23.xml><?xml version="1.0" encoding="utf-8"?>
 <p:sld xmlns:a="http://schemas.openxmlformats.org/drawingml/2006/main" xmlns:r="http://schemas.openxmlformats.org/officeDocument/2006/relationships" xmlns:p="http://schemas.openxmlformats.org/presentationml/2006/main">
   <p:cSld>
     <p:spTree>
@@ -15812,7 +18424,7 @@
 </p:sld>
 </file>
 
-<file path=ppt/slides/slide25.xml><?xml version="1.0" encoding="utf-8"?>
+<file path=ppt/slides/slide24.xml><?xml version="1.0" encoding="utf-8"?>
 <p:sld xmlns:a="http://schemas.openxmlformats.org/drawingml/2006/main" xmlns:r="http://schemas.openxmlformats.org/officeDocument/2006/relationships" xmlns:p="http://schemas.openxmlformats.org/presentationml/2006/main">
   <p:cSld>
     <p:bg>
@@ -16198,36 +18810,6 @@
           </a:p>
         </p:txBody>
       </p:sp>
-      <p:pic>
-        <p:nvPicPr>
-          <p:cNvPr id="5" name="Picture 4">
-            <a:extLst>
-              <a:ext uri="{FF2B5EF4-FFF2-40B4-BE49-F238E27FC236}">
-                <a16:creationId xmlns:a16="http://schemas.microsoft.com/office/drawing/2014/main" id="{E599E203-248E-4EBC-9606-02E8BF9DC4FB}"/>
-              </a:ext>
-            </a:extLst>
-          </p:cNvPr>
-          <p:cNvPicPr>
-            <a:picLocks noChangeAspect="1"/>
-          </p:cNvPicPr>
-          <p:nvPr/>
-        </p:nvPicPr>
-        <p:blipFill>
-          <a:blip r:embed="rId2"/>
-          <a:stretch>
-            <a:fillRect/>
-          </a:stretch>
-        </p:blipFill>
-        <p:spPr>
-          <a:xfrm>
-            <a:off x="4938755" y="624298"/>
-            <a:ext cx="7062401" cy="5885334"/>
-          </a:xfrm>
-          <a:prstGeom prst="rect">
-            <a:avLst/>
-          </a:prstGeom>
-        </p:spPr>
-      </p:pic>
       <p:sp>
         <p:nvSpPr>
           <p:cNvPr id="6" name="TextBox 5">
@@ -16243,7 +18825,7 @@
         <p:spPr>
           <a:xfrm>
             <a:off x="5516380" y="163702"/>
-            <a:ext cx="1501117" cy="369332"/>
+            <a:ext cx="2260299" cy="369332"/>
           </a:xfrm>
           <a:prstGeom prst="rect">
             <a:avLst/>
@@ -16258,7 +18840,1401 @@
           <a:p>
             <a:r>
               <a:rPr lang="en-IE" dirty="0"/>
-              <a:t>/auth/index.js</a:t>
+              <a:t>/authenticate/index.js</a:t>
+            </a:r>
+          </a:p>
+        </p:txBody>
+      </p:sp>
+      <p:sp>
+        <p:nvSpPr>
+          <p:cNvPr id="10" name="TextBox 9">
+            <a:extLst>
+              <a:ext uri="{FF2B5EF4-FFF2-40B4-BE49-F238E27FC236}">
+                <a16:creationId xmlns:a16="http://schemas.microsoft.com/office/drawing/2014/main" id="{F94083BE-FCAE-4896-A9C2-5472BCFEC397}"/>
+              </a:ext>
+            </a:extLst>
+          </p:cNvPr>
+          <p:cNvSpPr txBox="1"/>
+          <p:nvPr/>
+        </p:nvSpPr>
+        <p:spPr>
+          <a:xfrm>
+            <a:off x="5186288" y="672283"/>
+            <a:ext cx="6957469" cy="5262979"/>
+          </a:xfrm>
+          <a:prstGeom prst="rect">
+            <a:avLst/>
+          </a:prstGeom>
+          <a:solidFill>
+            <a:schemeClr val="tx1"/>
+          </a:solidFill>
+        </p:spPr>
+        <p:txBody>
+          <a:bodyPr wrap="square">
+            <a:spAutoFit/>
+          </a:bodyPr>
+          <a:lstStyle/>
+          <a:p>
+            <a:r>
+              <a:rPr lang="en-IE" sz="1600" b="0" dirty="0">
+                <a:solidFill>
+                  <a:srgbClr val="C586C0"/>
+                </a:solidFill>
+                <a:effectLst/>
+                <a:latin typeface="Consolas" panose="020B0609020204030204" pitchFamily="49" charset="0"/>
+              </a:rPr>
+              <a:t>import</a:t>
+            </a:r>
+            <a:r>
+              <a:rPr lang="en-IE" sz="1600" b="0" dirty="0">
+                <a:solidFill>
+                  <a:srgbClr val="D4D4D4"/>
+                </a:solidFill>
+                <a:effectLst/>
+                <a:latin typeface="Consolas" panose="020B0609020204030204" pitchFamily="49" charset="0"/>
+              </a:rPr>
+              <a:t> </a:t>
+            </a:r>
+            <a:r>
+              <a:rPr lang="en-IE" sz="1600" b="0" dirty="0">
+                <a:solidFill>
+                  <a:srgbClr val="9CDCFE"/>
+                </a:solidFill>
+                <a:effectLst/>
+                <a:latin typeface="Consolas" panose="020B0609020204030204" pitchFamily="49" charset="0"/>
+              </a:rPr>
+              <a:t>passport</a:t>
+            </a:r>
+            <a:r>
+              <a:rPr lang="en-IE" sz="1600" b="0" dirty="0">
+                <a:solidFill>
+                  <a:srgbClr val="D4D4D4"/>
+                </a:solidFill>
+                <a:effectLst/>
+                <a:latin typeface="Consolas" panose="020B0609020204030204" pitchFamily="49" charset="0"/>
+              </a:rPr>
+              <a:t> </a:t>
+            </a:r>
+            <a:r>
+              <a:rPr lang="en-IE" sz="1600" b="0" dirty="0">
+                <a:solidFill>
+                  <a:srgbClr val="C586C0"/>
+                </a:solidFill>
+                <a:effectLst/>
+                <a:latin typeface="Consolas" panose="020B0609020204030204" pitchFamily="49" charset="0"/>
+              </a:rPr>
+              <a:t>from</a:t>
+            </a:r>
+            <a:r>
+              <a:rPr lang="en-IE" sz="1600" b="0" dirty="0">
+                <a:solidFill>
+                  <a:srgbClr val="D4D4D4"/>
+                </a:solidFill>
+                <a:effectLst/>
+                <a:latin typeface="Consolas" panose="020B0609020204030204" pitchFamily="49" charset="0"/>
+              </a:rPr>
+              <a:t> </a:t>
+            </a:r>
+            <a:r>
+              <a:rPr lang="en-IE" sz="1600" b="0" dirty="0">
+                <a:solidFill>
+                  <a:srgbClr val="CE9178"/>
+                </a:solidFill>
+                <a:effectLst/>
+                <a:latin typeface="Consolas" panose="020B0609020204030204" pitchFamily="49" charset="0"/>
+              </a:rPr>
+              <a:t>'passport'</a:t>
+            </a:r>
+            <a:r>
+              <a:rPr lang="en-IE" sz="1600" b="0" dirty="0">
+                <a:solidFill>
+                  <a:srgbClr val="D4D4D4"/>
+                </a:solidFill>
+                <a:effectLst/>
+                <a:latin typeface="Consolas" panose="020B0609020204030204" pitchFamily="49" charset="0"/>
+              </a:rPr>
+              <a:t>;</a:t>
+            </a:r>
+          </a:p>
+          <a:p>
+            <a:r>
+              <a:rPr lang="en-IE" sz="1600" b="0" dirty="0">
+                <a:solidFill>
+                  <a:srgbClr val="C586C0"/>
+                </a:solidFill>
+                <a:effectLst/>
+                <a:latin typeface="Consolas" panose="020B0609020204030204" pitchFamily="49" charset="0"/>
+              </a:rPr>
+              <a:t>import</a:t>
+            </a:r>
+            <a:r>
+              <a:rPr lang="en-IE" sz="1600" b="0" dirty="0">
+                <a:solidFill>
+                  <a:srgbClr val="D4D4D4"/>
+                </a:solidFill>
+                <a:effectLst/>
+                <a:latin typeface="Consolas" panose="020B0609020204030204" pitchFamily="49" charset="0"/>
+              </a:rPr>
+              <a:t> </a:t>
+            </a:r>
+            <a:r>
+              <a:rPr lang="en-IE" sz="1600" b="0" dirty="0" err="1">
+                <a:solidFill>
+                  <a:srgbClr val="9CDCFE"/>
+                </a:solidFill>
+                <a:effectLst/>
+                <a:latin typeface="Consolas" panose="020B0609020204030204" pitchFamily="49" charset="0"/>
+              </a:rPr>
+              <a:t>passportJWT</a:t>
+            </a:r>
+            <a:r>
+              <a:rPr lang="en-IE" sz="1600" b="0" dirty="0">
+                <a:solidFill>
+                  <a:srgbClr val="D4D4D4"/>
+                </a:solidFill>
+                <a:effectLst/>
+                <a:latin typeface="Consolas" panose="020B0609020204030204" pitchFamily="49" charset="0"/>
+              </a:rPr>
+              <a:t> </a:t>
+            </a:r>
+            <a:r>
+              <a:rPr lang="en-IE" sz="1600" b="0" dirty="0">
+                <a:solidFill>
+                  <a:srgbClr val="C586C0"/>
+                </a:solidFill>
+                <a:effectLst/>
+                <a:latin typeface="Consolas" panose="020B0609020204030204" pitchFamily="49" charset="0"/>
+              </a:rPr>
+              <a:t>from</a:t>
+            </a:r>
+            <a:r>
+              <a:rPr lang="en-IE" sz="1600" b="0" dirty="0">
+                <a:solidFill>
+                  <a:srgbClr val="D4D4D4"/>
+                </a:solidFill>
+                <a:effectLst/>
+                <a:latin typeface="Consolas" panose="020B0609020204030204" pitchFamily="49" charset="0"/>
+              </a:rPr>
+              <a:t> </a:t>
+            </a:r>
+            <a:r>
+              <a:rPr lang="en-IE" sz="1600" b="0" dirty="0">
+                <a:solidFill>
+                  <a:srgbClr val="CE9178"/>
+                </a:solidFill>
+                <a:effectLst/>
+                <a:latin typeface="Consolas" panose="020B0609020204030204" pitchFamily="49" charset="0"/>
+              </a:rPr>
+              <a:t>'passport-</a:t>
+            </a:r>
+            <a:r>
+              <a:rPr lang="en-IE" sz="1600" b="0" dirty="0" err="1">
+                <a:solidFill>
+                  <a:srgbClr val="CE9178"/>
+                </a:solidFill>
+                <a:effectLst/>
+                <a:latin typeface="Consolas" panose="020B0609020204030204" pitchFamily="49" charset="0"/>
+              </a:rPr>
+              <a:t>jwt</a:t>
+            </a:r>
+            <a:r>
+              <a:rPr lang="en-IE" sz="1600" b="0" dirty="0">
+                <a:solidFill>
+                  <a:srgbClr val="CE9178"/>
+                </a:solidFill>
+                <a:effectLst/>
+                <a:latin typeface="Consolas" panose="020B0609020204030204" pitchFamily="49" charset="0"/>
+              </a:rPr>
+              <a:t>'</a:t>
+            </a:r>
+            <a:r>
+              <a:rPr lang="en-IE" sz="1600" b="0" dirty="0">
+                <a:solidFill>
+                  <a:srgbClr val="D4D4D4"/>
+                </a:solidFill>
+                <a:effectLst/>
+                <a:latin typeface="Consolas" panose="020B0609020204030204" pitchFamily="49" charset="0"/>
+              </a:rPr>
+              <a:t>;</a:t>
+            </a:r>
+          </a:p>
+          <a:p>
+            <a:r>
+              <a:rPr lang="en-IE" sz="1600" b="0" dirty="0">
+                <a:solidFill>
+                  <a:srgbClr val="C586C0"/>
+                </a:solidFill>
+                <a:effectLst/>
+                <a:latin typeface="Consolas" panose="020B0609020204030204" pitchFamily="49" charset="0"/>
+              </a:rPr>
+              <a:t>import</a:t>
+            </a:r>
+            <a:r>
+              <a:rPr lang="en-IE" sz="1600" b="0" dirty="0">
+                <a:solidFill>
+                  <a:srgbClr val="D4D4D4"/>
+                </a:solidFill>
+                <a:effectLst/>
+                <a:latin typeface="Consolas" panose="020B0609020204030204" pitchFamily="49" charset="0"/>
+              </a:rPr>
+              <a:t> </a:t>
+            </a:r>
+            <a:r>
+              <a:rPr lang="en-IE" sz="1600" b="0" dirty="0" err="1">
+                <a:solidFill>
+                  <a:srgbClr val="9CDCFE"/>
+                </a:solidFill>
+                <a:effectLst/>
+                <a:latin typeface="Consolas" panose="020B0609020204030204" pitchFamily="49" charset="0"/>
+              </a:rPr>
+              <a:t>UserModel</a:t>
+            </a:r>
+            <a:r>
+              <a:rPr lang="en-IE" sz="1600" b="0" dirty="0">
+                <a:solidFill>
+                  <a:srgbClr val="D4D4D4"/>
+                </a:solidFill>
+                <a:effectLst/>
+                <a:latin typeface="Consolas" panose="020B0609020204030204" pitchFamily="49" charset="0"/>
+              </a:rPr>
+              <a:t> </a:t>
+            </a:r>
+            <a:r>
+              <a:rPr lang="en-IE" sz="1600" b="0" dirty="0">
+                <a:solidFill>
+                  <a:srgbClr val="C586C0"/>
+                </a:solidFill>
+                <a:effectLst/>
+                <a:latin typeface="Consolas" panose="020B0609020204030204" pitchFamily="49" charset="0"/>
+              </a:rPr>
+              <a:t>from</a:t>
+            </a:r>
+            <a:r>
+              <a:rPr lang="en-IE" sz="1600" b="0" dirty="0">
+                <a:solidFill>
+                  <a:srgbClr val="D4D4D4"/>
+                </a:solidFill>
+                <a:effectLst/>
+                <a:latin typeface="Consolas" panose="020B0609020204030204" pitchFamily="49" charset="0"/>
+              </a:rPr>
+              <a:t> </a:t>
+            </a:r>
+            <a:r>
+              <a:rPr lang="en-IE" sz="1600" b="0" dirty="0">
+                <a:solidFill>
+                  <a:srgbClr val="CE9178"/>
+                </a:solidFill>
+                <a:effectLst/>
+                <a:latin typeface="Consolas" panose="020B0609020204030204" pitchFamily="49" charset="0"/>
+              </a:rPr>
+              <a:t>'./../</a:t>
+            </a:r>
+            <a:r>
+              <a:rPr lang="en-IE" sz="1600" b="0" dirty="0" err="1">
+                <a:solidFill>
+                  <a:srgbClr val="CE9178"/>
+                </a:solidFill>
+                <a:effectLst/>
+                <a:latin typeface="Consolas" panose="020B0609020204030204" pitchFamily="49" charset="0"/>
+              </a:rPr>
+              <a:t>api</a:t>
+            </a:r>
+            <a:r>
+              <a:rPr lang="en-IE" sz="1600" b="0" dirty="0">
+                <a:solidFill>
+                  <a:srgbClr val="CE9178"/>
+                </a:solidFill>
+                <a:effectLst/>
+                <a:latin typeface="Consolas" panose="020B0609020204030204" pitchFamily="49" charset="0"/>
+              </a:rPr>
+              <a:t>/users/</a:t>
+            </a:r>
+            <a:r>
+              <a:rPr lang="en-IE" sz="1600" b="0" dirty="0" err="1">
+                <a:solidFill>
+                  <a:srgbClr val="CE9178"/>
+                </a:solidFill>
+                <a:effectLst/>
+                <a:latin typeface="Consolas" panose="020B0609020204030204" pitchFamily="49" charset="0"/>
+              </a:rPr>
+              <a:t>userModel</a:t>
+            </a:r>
+            <a:r>
+              <a:rPr lang="en-IE" sz="1600" b="0" dirty="0">
+                <a:solidFill>
+                  <a:srgbClr val="CE9178"/>
+                </a:solidFill>
+                <a:effectLst/>
+                <a:latin typeface="Consolas" panose="020B0609020204030204" pitchFamily="49" charset="0"/>
+              </a:rPr>
+              <a:t>'</a:t>
+            </a:r>
+            <a:r>
+              <a:rPr lang="en-IE" sz="1600" b="0" dirty="0">
+                <a:solidFill>
+                  <a:srgbClr val="D4D4D4"/>
+                </a:solidFill>
+                <a:effectLst/>
+                <a:latin typeface="Consolas" panose="020B0609020204030204" pitchFamily="49" charset="0"/>
+              </a:rPr>
+              <a:t>;</a:t>
+            </a:r>
+          </a:p>
+          <a:p>
+            <a:br>
+              <a:rPr lang="en-IE" sz="1600" b="0" dirty="0">
+                <a:solidFill>
+                  <a:srgbClr val="D4D4D4"/>
+                </a:solidFill>
+                <a:effectLst/>
+                <a:latin typeface="Consolas" panose="020B0609020204030204" pitchFamily="49" charset="0"/>
+              </a:rPr>
+            </a:br>
+            <a:br>
+              <a:rPr lang="en-IE" sz="1600" b="0" dirty="0">
+                <a:solidFill>
+                  <a:srgbClr val="D4D4D4"/>
+                </a:solidFill>
+                <a:effectLst/>
+                <a:latin typeface="Consolas" panose="020B0609020204030204" pitchFamily="49" charset="0"/>
+              </a:rPr>
+            </a:br>
+            <a:r>
+              <a:rPr lang="en-IE" sz="1600" b="0" dirty="0" err="1">
+                <a:solidFill>
+                  <a:srgbClr val="569CD6"/>
+                </a:solidFill>
+                <a:effectLst/>
+                <a:latin typeface="Consolas" panose="020B0609020204030204" pitchFamily="49" charset="0"/>
+              </a:rPr>
+              <a:t>const</a:t>
+            </a:r>
+            <a:r>
+              <a:rPr lang="en-IE" sz="1600" b="0" dirty="0">
+                <a:solidFill>
+                  <a:srgbClr val="D4D4D4"/>
+                </a:solidFill>
+                <a:effectLst/>
+                <a:latin typeface="Consolas" panose="020B0609020204030204" pitchFamily="49" charset="0"/>
+              </a:rPr>
+              <a:t> </a:t>
+            </a:r>
+            <a:r>
+              <a:rPr lang="en-IE" sz="1600" b="0" dirty="0" err="1">
+                <a:solidFill>
+                  <a:srgbClr val="4EC9B0"/>
+                </a:solidFill>
+                <a:effectLst/>
+                <a:latin typeface="Consolas" panose="020B0609020204030204" pitchFamily="49" charset="0"/>
+              </a:rPr>
+              <a:t>JWTStrategy</a:t>
+            </a:r>
+            <a:r>
+              <a:rPr lang="en-IE" sz="1600" b="0" dirty="0">
+                <a:solidFill>
+                  <a:srgbClr val="D4D4D4"/>
+                </a:solidFill>
+                <a:effectLst/>
+                <a:latin typeface="Consolas" panose="020B0609020204030204" pitchFamily="49" charset="0"/>
+              </a:rPr>
+              <a:t> =</a:t>
+            </a:r>
+            <a:r>
+              <a:rPr lang="en-IE" sz="1600" b="0" dirty="0">
+                <a:solidFill>
+                  <a:srgbClr val="9CDCFE"/>
+                </a:solidFill>
+                <a:effectLst/>
+                <a:latin typeface="Consolas" panose="020B0609020204030204" pitchFamily="49" charset="0"/>
+              </a:rPr>
+              <a:t> </a:t>
+            </a:r>
+            <a:r>
+              <a:rPr lang="en-IE" sz="1600" b="0" dirty="0" err="1">
+                <a:solidFill>
+                  <a:srgbClr val="9CDCFE"/>
+                </a:solidFill>
+                <a:effectLst/>
+                <a:latin typeface="Consolas" panose="020B0609020204030204" pitchFamily="49" charset="0"/>
+              </a:rPr>
+              <a:t>passportJWT</a:t>
+            </a:r>
+            <a:r>
+              <a:rPr lang="en-IE" sz="1600" b="0" dirty="0" err="1">
+                <a:solidFill>
+                  <a:srgbClr val="D4D4D4"/>
+                </a:solidFill>
+                <a:effectLst/>
+                <a:latin typeface="Consolas" panose="020B0609020204030204" pitchFamily="49" charset="0"/>
+              </a:rPr>
+              <a:t>.</a:t>
+            </a:r>
+            <a:r>
+              <a:rPr lang="en-IE" sz="1600" b="0" dirty="0" err="1">
+                <a:solidFill>
+                  <a:srgbClr val="4EC9B0"/>
+                </a:solidFill>
+                <a:effectLst/>
+                <a:latin typeface="Consolas" panose="020B0609020204030204" pitchFamily="49" charset="0"/>
+              </a:rPr>
+              <a:t>Strategy</a:t>
+            </a:r>
+            <a:r>
+              <a:rPr lang="en-IE" sz="1600" b="0" dirty="0">
+                <a:solidFill>
+                  <a:srgbClr val="D4D4D4"/>
+                </a:solidFill>
+                <a:effectLst/>
+                <a:latin typeface="Consolas" panose="020B0609020204030204" pitchFamily="49" charset="0"/>
+              </a:rPr>
+              <a:t>;</a:t>
+            </a:r>
+          </a:p>
+          <a:p>
+            <a:r>
+              <a:rPr lang="en-IE" sz="1600" b="0" dirty="0" err="1">
+                <a:solidFill>
+                  <a:srgbClr val="569CD6"/>
+                </a:solidFill>
+                <a:effectLst/>
+                <a:latin typeface="Consolas" panose="020B0609020204030204" pitchFamily="49" charset="0"/>
+              </a:rPr>
+              <a:t>const</a:t>
+            </a:r>
+            <a:r>
+              <a:rPr lang="en-IE" sz="1600" b="0" dirty="0">
+                <a:solidFill>
+                  <a:srgbClr val="D4D4D4"/>
+                </a:solidFill>
+                <a:effectLst/>
+                <a:latin typeface="Consolas" panose="020B0609020204030204" pitchFamily="49" charset="0"/>
+              </a:rPr>
+              <a:t> </a:t>
+            </a:r>
+            <a:r>
+              <a:rPr lang="en-IE" sz="1600" b="0" dirty="0" err="1">
+                <a:solidFill>
+                  <a:srgbClr val="4FC1FF"/>
+                </a:solidFill>
+                <a:effectLst/>
+                <a:latin typeface="Consolas" panose="020B0609020204030204" pitchFamily="49" charset="0"/>
+              </a:rPr>
+              <a:t>ExtractJWT</a:t>
+            </a:r>
+            <a:r>
+              <a:rPr lang="en-IE" sz="1600" b="0" dirty="0">
+                <a:solidFill>
+                  <a:srgbClr val="D4D4D4"/>
+                </a:solidFill>
+                <a:effectLst/>
+                <a:latin typeface="Consolas" panose="020B0609020204030204" pitchFamily="49" charset="0"/>
+              </a:rPr>
+              <a:t> =</a:t>
+            </a:r>
+            <a:r>
+              <a:rPr lang="en-IE" sz="1600" b="0" dirty="0">
+                <a:solidFill>
+                  <a:srgbClr val="9CDCFE"/>
+                </a:solidFill>
+                <a:effectLst/>
+                <a:latin typeface="Consolas" panose="020B0609020204030204" pitchFamily="49" charset="0"/>
+              </a:rPr>
+              <a:t> </a:t>
+            </a:r>
+            <a:r>
+              <a:rPr lang="en-IE" sz="1600" b="0" dirty="0" err="1">
+                <a:solidFill>
+                  <a:srgbClr val="9CDCFE"/>
+                </a:solidFill>
+                <a:effectLst/>
+                <a:latin typeface="Consolas" panose="020B0609020204030204" pitchFamily="49" charset="0"/>
+              </a:rPr>
+              <a:t>passportJWT</a:t>
+            </a:r>
+            <a:r>
+              <a:rPr lang="en-IE" sz="1600" b="0" dirty="0" err="1">
+                <a:solidFill>
+                  <a:srgbClr val="D4D4D4"/>
+                </a:solidFill>
+                <a:effectLst/>
+                <a:latin typeface="Consolas" panose="020B0609020204030204" pitchFamily="49" charset="0"/>
+              </a:rPr>
+              <a:t>.</a:t>
+            </a:r>
+            <a:r>
+              <a:rPr lang="en-IE" sz="1600" b="0" dirty="0" err="1">
+                <a:solidFill>
+                  <a:srgbClr val="4EC9B0"/>
+                </a:solidFill>
+                <a:effectLst/>
+                <a:latin typeface="Consolas" panose="020B0609020204030204" pitchFamily="49" charset="0"/>
+              </a:rPr>
+              <a:t>ExtractJwt</a:t>
+            </a:r>
+            <a:r>
+              <a:rPr lang="en-IE" sz="1600" b="0" dirty="0">
+                <a:solidFill>
+                  <a:srgbClr val="D4D4D4"/>
+                </a:solidFill>
+                <a:effectLst/>
+                <a:latin typeface="Consolas" panose="020B0609020204030204" pitchFamily="49" charset="0"/>
+              </a:rPr>
+              <a:t>;</a:t>
+            </a:r>
+          </a:p>
+          <a:p>
+            <a:br>
+              <a:rPr lang="en-IE" sz="1600" b="0" dirty="0">
+                <a:solidFill>
+                  <a:srgbClr val="D4D4D4"/>
+                </a:solidFill>
+                <a:effectLst/>
+                <a:latin typeface="Consolas" panose="020B0609020204030204" pitchFamily="49" charset="0"/>
+              </a:rPr>
+            </a:br>
+            <a:r>
+              <a:rPr lang="en-IE" sz="1600" b="0" dirty="0">
+                <a:solidFill>
+                  <a:srgbClr val="569CD6"/>
+                </a:solidFill>
+                <a:effectLst/>
+                <a:latin typeface="Consolas" panose="020B0609020204030204" pitchFamily="49" charset="0"/>
+              </a:rPr>
+              <a:t>let</a:t>
+            </a:r>
+            <a:r>
+              <a:rPr lang="en-IE" sz="1600" b="0" dirty="0">
+                <a:solidFill>
+                  <a:srgbClr val="D4D4D4"/>
+                </a:solidFill>
+                <a:effectLst/>
+                <a:latin typeface="Consolas" panose="020B0609020204030204" pitchFamily="49" charset="0"/>
+              </a:rPr>
+              <a:t> </a:t>
+            </a:r>
+            <a:r>
+              <a:rPr lang="en-IE" sz="1600" b="0" dirty="0" err="1">
+                <a:solidFill>
+                  <a:srgbClr val="9CDCFE"/>
+                </a:solidFill>
+                <a:effectLst/>
+                <a:latin typeface="Consolas" panose="020B0609020204030204" pitchFamily="49" charset="0"/>
+              </a:rPr>
+              <a:t>jwtOptions</a:t>
+            </a:r>
+            <a:r>
+              <a:rPr lang="en-IE" sz="1600" b="0" dirty="0">
+                <a:solidFill>
+                  <a:srgbClr val="D4D4D4"/>
+                </a:solidFill>
+                <a:effectLst/>
+                <a:latin typeface="Consolas" panose="020B0609020204030204" pitchFamily="49" charset="0"/>
+              </a:rPr>
+              <a:t> = {};</a:t>
+            </a:r>
+          </a:p>
+          <a:p>
+            <a:r>
+              <a:rPr lang="en-IE" sz="1600" b="0" dirty="0" err="1">
+                <a:solidFill>
+                  <a:srgbClr val="9CDCFE"/>
+                </a:solidFill>
+                <a:effectLst/>
+                <a:latin typeface="Consolas" panose="020B0609020204030204" pitchFamily="49" charset="0"/>
+              </a:rPr>
+              <a:t>jwtOptions</a:t>
+            </a:r>
+            <a:r>
+              <a:rPr lang="en-IE" sz="1600" b="0" dirty="0" err="1">
+                <a:solidFill>
+                  <a:srgbClr val="D4D4D4"/>
+                </a:solidFill>
+                <a:effectLst/>
+                <a:latin typeface="Consolas" panose="020B0609020204030204" pitchFamily="49" charset="0"/>
+              </a:rPr>
+              <a:t>.</a:t>
+            </a:r>
+            <a:r>
+              <a:rPr lang="en-IE" sz="1600" b="0" dirty="0" err="1">
+                <a:solidFill>
+                  <a:srgbClr val="9CDCFE"/>
+                </a:solidFill>
+                <a:effectLst/>
+                <a:latin typeface="Consolas" panose="020B0609020204030204" pitchFamily="49" charset="0"/>
+              </a:rPr>
+              <a:t>jwtFromRequest</a:t>
+            </a:r>
+            <a:r>
+              <a:rPr lang="en-IE" sz="1600" b="0" dirty="0">
+                <a:solidFill>
+                  <a:srgbClr val="D4D4D4"/>
+                </a:solidFill>
+                <a:effectLst/>
+                <a:latin typeface="Consolas" panose="020B0609020204030204" pitchFamily="49" charset="0"/>
+              </a:rPr>
+              <a:t> = </a:t>
+            </a:r>
+            <a:r>
+              <a:rPr lang="en-IE" sz="1600" b="0" dirty="0" err="1">
+                <a:solidFill>
+                  <a:srgbClr val="4FC1FF"/>
+                </a:solidFill>
+                <a:effectLst/>
+                <a:latin typeface="Consolas" panose="020B0609020204030204" pitchFamily="49" charset="0"/>
+              </a:rPr>
+              <a:t>ExtractJWT</a:t>
+            </a:r>
+            <a:r>
+              <a:rPr lang="en-IE" sz="1600" b="0" dirty="0" err="1">
+                <a:solidFill>
+                  <a:srgbClr val="D4D4D4"/>
+                </a:solidFill>
+                <a:effectLst/>
+                <a:latin typeface="Consolas" panose="020B0609020204030204" pitchFamily="49" charset="0"/>
+              </a:rPr>
+              <a:t>.</a:t>
+            </a:r>
+            <a:r>
+              <a:rPr lang="en-IE" sz="1600" b="0" dirty="0" err="1">
+                <a:solidFill>
+                  <a:srgbClr val="DCDCAA"/>
+                </a:solidFill>
+                <a:effectLst/>
+                <a:latin typeface="Consolas" panose="020B0609020204030204" pitchFamily="49" charset="0"/>
+              </a:rPr>
+              <a:t>fromAuthHeaderAsBearerToken</a:t>
+            </a:r>
+            <a:r>
+              <a:rPr lang="en-IE" sz="1600" b="0" dirty="0">
+                <a:solidFill>
+                  <a:srgbClr val="D4D4D4"/>
+                </a:solidFill>
+                <a:effectLst/>
+                <a:latin typeface="Consolas" panose="020B0609020204030204" pitchFamily="49" charset="0"/>
+              </a:rPr>
+              <a:t>();</a:t>
+            </a:r>
+          </a:p>
+          <a:p>
+            <a:r>
+              <a:rPr lang="en-IE" sz="1600" b="0" dirty="0" err="1">
+                <a:solidFill>
+                  <a:srgbClr val="9CDCFE"/>
+                </a:solidFill>
+                <a:effectLst/>
+                <a:latin typeface="Consolas" panose="020B0609020204030204" pitchFamily="49" charset="0"/>
+              </a:rPr>
+              <a:t>jwtOptions</a:t>
+            </a:r>
+            <a:r>
+              <a:rPr lang="en-IE" sz="1600" b="0" dirty="0" err="1">
+                <a:solidFill>
+                  <a:srgbClr val="D4D4D4"/>
+                </a:solidFill>
+                <a:effectLst/>
+                <a:latin typeface="Consolas" panose="020B0609020204030204" pitchFamily="49" charset="0"/>
+              </a:rPr>
+              <a:t>.</a:t>
+            </a:r>
+            <a:r>
+              <a:rPr lang="en-IE" sz="1600" b="0" dirty="0" err="1">
+                <a:solidFill>
+                  <a:srgbClr val="9CDCFE"/>
+                </a:solidFill>
+                <a:effectLst/>
+                <a:latin typeface="Consolas" panose="020B0609020204030204" pitchFamily="49" charset="0"/>
+              </a:rPr>
+              <a:t>secretOrKey</a:t>
+            </a:r>
+            <a:r>
+              <a:rPr lang="en-IE" sz="1600" b="0" dirty="0">
+                <a:solidFill>
+                  <a:srgbClr val="D4D4D4"/>
+                </a:solidFill>
+                <a:effectLst/>
+                <a:latin typeface="Consolas" panose="020B0609020204030204" pitchFamily="49" charset="0"/>
+              </a:rPr>
+              <a:t> = </a:t>
+            </a:r>
+            <a:r>
+              <a:rPr lang="en-IE" sz="1600" b="0" dirty="0" err="1">
+                <a:solidFill>
+                  <a:srgbClr val="9CDCFE"/>
+                </a:solidFill>
+                <a:effectLst/>
+                <a:latin typeface="Consolas" panose="020B0609020204030204" pitchFamily="49" charset="0"/>
+              </a:rPr>
+              <a:t>process</a:t>
+            </a:r>
+            <a:r>
+              <a:rPr lang="en-IE" sz="1600" b="0" dirty="0" err="1">
+                <a:solidFill>
+                  <a:srgbClr val="D4D4D4"/>
+                </a:solidFill>
+                <a:effectLst/>
+                <a:latin typeface="Consolas" panose="020B0609020204030204" pitchFamily="49" charset="0"/>
+              </a:rPr>
+              <a:t>.</a:t>
+            </a:r>
+            <a:r>
+              <a:rPr lang="en-IE" sz="1600" b="0" dirty="0" err="1">
+                <a:solidFill>
+                  <a:srgbClr val="9CDCFE"/>
+                </a:solidFill>
+                <a:effectLst/>
+                <a:latin typeface="Consolas" panose="020B0609020204030204" pitchFamily="49" charset="0"/>
+              </a:rPr>
+              <a:t>env</a:t>
+            </a:r>
+            <a:r>
+              <a:rPr lang="en-IE" sz="1600" b="0" dirty="0" err="1">
+                <a:solidFill>
+                  <a:srgbClr val="D4D4D4"/>
+                </a:solidFill>
+                <a:effectLst/>
+                <a:latin typeface="Consolas" panose="020B0609020204030204" pitchFamily="49" charset="0"/>
+              </a:rPr>
+              <a:t>.</a:t>
+            </a:r>
+            <a:r>
+              <a:rPr lang="en-IE" sz="1600" b="0" dirty="0" err="1">
+                <a:solidFill>
+                  <a:srgbClr val="9CDCFE"/>
+                </a:solidFill>
+                <a:effectLst/>
+                <a:latin typeface="Consolas" panose="020B0609020204030204" pitchFamily="49" charset="0"/>
+              </a:rPr>
+              <a:t>secret</a:t>
+            </a:r>
+            <a:r>
+              <a:rPr lang="en-IE" sz="1600" b="0" dirty="0">
+                <a:solidFill>
+                  <a:srgbClr val="D4D4D4"/>
+                </a:solidFill>
+                <a:effectLst/>
+                <a:latin typeface="Consolas" panose="020B0609020204030204" pitchFamily="49" charset="0"/>
+              </a:rPr>
+              <a:t>;</a:t>
+            </a:r>
+          </a:p>
+          <a:p>
+            <a:r>
+              <a:rPr lang="en-IE" sz="1600" b="0" dirty="0" err="1">
+                <a:solidFill>
+                  <a:srgbClr val="569CD6"/>
+                </a:solidFill>
+                <a:effectLst/>
+                <a:latin typeface="Consolas" panose="020B0609020204030204" pitchFamily="49" charset="0"/>
+              </a:rPr>
+              <a:t>const</a:t>
+            </a:r>
+            <a:r>
+              <a:rPr lang="en-IE" sz="1600" b="0" dirty="0">
+                <a:solidFill>
+                  <a:srgbClr val="D4D4D4"/>
+                </a:solidFill>
+                <a:effectLst/>
+                <a:latin typeface="Consolas" panose="020B0609020204030204" pitchFamily="49" charset="0"/>
+              </a:rPr>
+              <a:t> </a:t>
+            </a:r>
+            <a:r>
+              <a:rPr lang="en-IE" sz="1600" b="0" dirty="0">
+                <a:solidFill>
+                  <a:srgbClr val="4FC1FF"/>
+                </a:solidFill>
+                <a:effectLst/>
+                <a:latin typeface="Consolas" panose="020B0609020204030204" pitchFamily="49" charset="0"/>
+              </a:rPr>
+              <a:t>strategy</a:t>
+            </a:r>
+            <a:r>
+              <a:rPr lang="en-IE" sz="1600" b="0" dirty="0">
+                <a:solidFill>
+                  <a:srgbClr val="D4D4D4"/>
+                </a:solidFill>
+                <a:effectLst/>
+                <a:latin typeface="Consolas" panose="020B0609020204030204" pitchFamily="49" charset="0"/>
+              </a:rPr>
+              <a:t> = </a:t>
+            </a:r>
+            <a:r>
+              <a:rPr lang="en-IE" sz="1600" b="0" dirty="0">
+                <a:solidFill>
+                  <a:srgbClr val="569CD6"/>
+                </a:solidFill>
+                <a:effectLst/>
+                <a:latin typeface="Consolas" panose="020B0609020204030204" pitchFamily="49" charset="0"/>
+              </a:rPr>
+              <a:t>new</a:t>
+            </a:r>
+            <a:r>
+              <a:rPr lang="en-IE" sz="1600" b="0" dirty="0">
+                <a:solidFill>
+                  <a:srgbClr val="D4D4D4"/>
+                </a:solidFill>
+                <a:effectLst/>
+                <a:latin typeface="Consolas" panose="020B0609020204030204" pitchFamily="49" charset="0"/>
+              </a:rPr>
+              <a:t> </a:t>
+            </a:r>
+            <a:r>
+              <a:rPr lang="en-IE" sz="1600" b="0" dirty="0" err="1">
+                <a:solidFill>
+                  <a:srgbClr val="4EC9B0"/>
+                </a:solidFill>
+                <a:effectLst/>
+                <a:latin typeface="Consolas" panose="020B0609020204030204" pitchFamily="49" charset="0"/>
+              </a:rPr>
+              <a:t>JWTStrategy</a:t>
+            </a:r>
+            <a:r>
+              <a:rPr lang="en-IE" sz="1600" b="0" dirty="0">
+                <a:solidFill>
+                  <a:srgbClr val="D4D4D4"/>
+                </a:solidFill>
+                <a:effectLst/>
+                <a:latin typeface="Consolas" panose="020B0609020204030204" pitchFamily="49" charset="0"/>
+              </a:rPr>
+              <a:t>(</a:t>
+            </a:r>
+            <a:r>
+              <a:rPr lang="en-IE" sz="1600" b="0" dirty="0" err="1">
+                <a:solidFill>
+                  <a:srgbClr val="9CDCFE"/>
+                </a:solidFill>
+                <a:effectLst/>
+                <a:latin typeface="Consolas" panose="020B0609020204030204" pitchFamily="49" charset="0"/>
+              </a:rPr>
+              <a:t>jwtOptions</a:t>
+            </a:r>
+            <a:r>
+              <a:rPr lang="en-IE" sz="1600" b="0" dirty="0">
+                <a:solidFill>
+                  <a:srgbClr val="D4D4D4"/>
+                </a:solidFill>
+                <a:effectLst/>
+                <a:latin typeface="Consolas" panose="020B0609020204030204" pitchFamily="49" charset="0"/>
+              </a:rPr>
+              <a:t>, </a:t>
+            </a:r>
+            <a:r>
+              <a:rPr lang="en-IE" sz="1600" b="0" dirty="0">
+                <a:solidFill>
+                  <a:srgbClr val="569CD6"/>
+                </a:solidFill>
+                <a:effectLst/>
+                <a:latin typeface="Consolas" panose="020B0609020204030204" pitchFamily="49" charset="0"/>
+              </a:rPr>
+              <a:t>async</a:t>
+            </a:r>
+            <a:r>
+              <a:rPr lang="en-IE" sz="1600" b="0" dirty="0">
+                <a:solidFill>
+                  <a:srgbClr val="D4D4D4"/>
+                </a:solidFill>
+                <a:effectLst/>
+                <a:latin typeface="Consolas" panose="020B0609020204030204" pitchFamily="49" charset="0"/>
+              </a:rPr>
+              <a:t> (</a:t>
+            </a:r>
+            <a:r>
+              <a:rPr lang="en-IE" sz="1600" b="0" dirty="0">
+                <a:solidFill>
+                  <a:srgbClr val="9CDCFE"/>
+                </a:solidFill>
+                <a:effectLst/>
+                <a:latin typeface="Consolas" panose="020B0609020204030204" pitchFamily="49" charset="0"/>
+              </a:rPr>
+              <a:t>payload</a:t>
+            </a:r>
+            <a:r>
+              <a:rPr lang="en-IE" sz="1600" b="0" dirty="0">
+                <a:solidFill>
+                  <a:srgbClr val="D4D4D4"/>
+                </a:solidFill>
+                <a:effectLst/>
+                <a:latin typeface="Consolas" panose="020B0609020204030204" pitchFamily="49" charset="0"/>
+              </a:rPr>
+              <a:t>, </a:t>
+            </a:r>
+            <a:r>
+              <a:rPr lang="en-IE" sz="1600" b="0" dirty="0">
+                <a:solidFill>
+                  <a:srgbClr val="DCDCAA"/>
+                </a:solidFill>
+                <a:effectLst/>
+                <a:latin typeface="Consolas" panose="020B0609020204030204" pitchFamily="49" charset="0"/>
+              </a:rPr>
+              <a:t>next</a:t>
+            </a:r>
+            <a:r>
+              <a:rPr lang="en-IE" sz="1600" b="0" dirty="0">
+                <a:solidFill>
+                  <a:srgbClr val="D4D4D4"/>
+                </a:solidFill>
+                <a:effectLst/>
+                <a:latin typeface="Consolas" panose="020B0609020204030204" pitchFamily="49" charset="0"/>
+              </a:rPr>
+              <a:t>) </a:t>
+            </a:r>
+            <a:r>
+              <a:rPr lang="en-IE" sz="1600" b="0" dirty="0">
+                <a:solidFill>
+                  <a:srgbClr val="569CD6"/>
+                </a:solidFill>
+                <a:effectLst/>
+                <a:latin typeface="Consolas" panose="020B0609020204030204" pitchFamily="49" charset="0"/>
+              </a:rPr>
+              <a:t>=&gt;</a:t>
+            </a:r>
+            <a:r>
+              <a:rPr lang="en-IE" sz="1600" b="0" dirty="0">
+                <a:solidFill>
+                  <a:srgbClr val="D4D4D4"/>
+                </a:solidFill>
+                <a:effectLst/>
+                <a:latin typeface="Consolas" panose="020B0609020204030204" pitchFamily="49" charset="0"/>
+              </a:rPr>
+              <a:t> {</a:t>
+            </a:r>
+          </a:p>
+          <a:p>
+            <a:r>
+              <a:rPr lang="en-IE" sz="1600" b="0" dirty="0">
+                <a:solidFill>
+                  <a:srgbClr val="D4D4D4"/>
+                </a:solidFill>
+                <a:effectLst/>
+                <a:latin typeface="Consolas" panose="020B0609020204030204" pitchFamily="49" charset="0"/>
+              </a:rPr>
+              <a:t>    </a:t>
+            </a:r>
+            <a:r>
+              <a:rPr lang="en-IE" sz="1600" b="0" dirty="0" err="1">
+                <a:solidFill>
+                  <a:srgbClr val="569CD6"/>
+                </a:solidFill>
+                <a:effectLst/>
+                <a:latin typeface="Consolas" panose="020B0609020204030204" pitchFamily="49" charset="0"/>
+              </a:rPr>
+              <a:t>const</a:t>
+            </a:r>
+            <a:r>
+              <a:rPr lang="en-IE" sz="1600" b="0" dirty="0">
+                <a:solidFill>
+                  <a:srgbClr val="D4D4D4"/>
+                </a:solidFill>
+                <a:effectLst/>
+                <a:latin typeface="Consolas" panose="020B0609020204030204" pitchFamily="49" charset="0"/>
+              </a:rPr>
+              <a:t> </a:t>
+            </a:r>
+            <a:r>
+              <a:rPr lang="en-IE" sz="1600" b="0" dirty="0">
+                <a:solidFill>
+                  <a:srgbClr val="4FC1FF"/>
+                </a:solidFill>
+                <a:effectLst/>
+                <a:latin typeface="Consolas" panose="020B0609020204030204" pitchFamily="49" charset="0"/>
+              </a:rPr>
+              <a:t>user</a:t>
+            </a:r>
+            <a:r>
+              <a:rPr lang="en-IE" sz="1600" b="0" dirty="0">
+                <a:solidFill>
+                  <a:srgbClr val="D4D4D4"/>
+                </a:solidFill>
+                <a:effectLst/>
+                <a:latin typeface="Consolas" panose="020B0609020204030204" pitchFamily="49" charset="0"/>
+              </a:rPr>
+              <a:t> = </a:t>
+            </a:r>
+            <a:r>
+              <a:rPr lang="en-IE" sz="1600" b="0" dirty="0">
+                <a:solidFill>
+                  <a:srgbClr val="C586C0"/>
+                </a:solidFill>
+                <a:effectLst/>
+                <a:latin typeface="Consolas" panose="020B0609020204030204" pitchFamily="49" charset="0"/>
+              </a:rPr>
+              <a:t>await</a:t>
+            </a:r>
+            <a:r>
+              <a:rPr lang="en-IE" sz="1600" b="0" dirty="0">
+                <a:solidFill>
+                  <a:srgbClr val="D4D4D4"/>
+                </a:solidFill>
+                <a:effectLst/>
+                <a:latin typeface="Consolas" panose="020B0609020204030204" pitchFamily="49" charset="0"/>
+              </a:rPr>
+              <a:t> </a:t>
+            </a:r>
+            <a:r>
+              <a:rPr lang="en-IE" sz="1600" b="0" dirty="0" err="1">
+                <a:solidFill>
+                  <a:srgbClr val="9CDCFE"/>
+                </a:solidFill>
+                <a:effectLst/>
+                <a:latin typeface="Consolas" panose="020B0609020204030204" pitchFamily="49" charset="0"/>
+              </a:rPr>
+              <a:t>UserModel</a:t>
+            </a:r>
+            <a:r>
+              <a:rPr lang="en-IE" sz="1600" b="0" dirty="0" err="1">
+                <a:solidFill>
+                  <a:srgbClr val="D4D4D4"/>
+                </a:solidFill>
+                <a:effectLst/>
+                <a:latin typeface="Consolas" panose="020B0609020204030204" pitchFamily="49" charset="0"/>
+              </a:rPr>
+              <a:t>.</a:t>
+            </a:r>
+            <a:r>
+              <a:rPr lang="en-IE" sz="1600" b="0" dirty="0" err="1">
+                <a:solidFill>
+                  <a:srgbClr val="DCDCAA"/>
+                </a:solidFill>
+                <a:effectLst/>
+                <a:latin typeface="Consolas" panose="020B0609020204030204" pitchFamily="49" charset="0"/>
+              </a:rPr>
+              <a:t>findByUserName</a:t>
+            </a:r>
+            <a:r>
+              <a:rPr lang="en-IE" sz="1600" b="0" dirty="0">
+                <a:solidFill>
+                  <a:srgbClr val="D4D4D4"/>
+                </a:solidFill>
+                <a:effectLst/>
+                <a:latin typeface="Consolas" panose="020B0609020204030204" pitchFamily="49" charset="0"/>
+              </a:rPr>
+              <a:t>(</a:t>
+            </a:r>
+            <a:r>
+              <a:rPr lang="en-IE" sz="1600" b="0" dirty="0">
+                <a:solidFill>
+                  <a:srgbClr val="9CDCFE"/>
+                </a:solidFill>
+                <a:effectLst/>
+                <a:latin typeface="Consolas" panose="020B0609020204030204" pitchFamily="49" charset="0"/>
+              </a:rPr>
+              <a:t>payload</a:t>
+            </a:r>
+            <a:r>
+              <a:rPr lang="en-IE" sz="1600" b="0" dirty="0">
+                <a:solidFill>
+                  <a:srgbClr val="D4D4D4"/>
+                </a:solidFill>
+                <a:effectLst/>
+                <a:latin typeface="Consolas" panose="020B0609020204030204" pitchFamily="49" charset="0"/>
+              </a:rPr>
+              <a:t>);</a:t>
+            </a:r>
+          </a:p>
+          <a:p>
+            <a:r>
+              <a:rPr lang="en-IE" sz="1600" b="0" dirty="0">
+                <a:solidFill>
+                  <a:srgbClr val="D4D4D4"/>
+                </a:solidFill>
+                <a:effectLst/>
+                <a:latin typeface="Consolas" panose="020B0609020204030204" pitchFamily="49" charset="0"/>
+              </a:rPr>
+              <a:t>    (</a:t>
+            </a:r>
+            <a:r>
+              <a:rPr lang="en-IE" sz="1600" b="0" dirty="0">
+                <a:solidFill>
+                  <a:srgbClr val="4FC1FF"/>
+                </a:solidFill>
+                <a:effectLst/>
+                <a:latin typeface="Consolas" panose="020B0609020204030204" pitchFamily="49" charset="0"/>
+              </a:rPr>
+              <a:t>user</a:t>
+            </a:r>
+            <a:r>
+              <a:rPr lang="en-IE" sz="1600" b="0" dirty="0">
+                <a:solidFill>
+                  <a:srgbClr val="D4D4D4"/>
+                </a:solidFill>
+                <a:effectLst/>
+                <a:latin typeface="Consolas" panose="020B0609020204030204" pitchFamily="49" charset="0"/>
+              </a:rPr>
+              <a:t>) ? </a:t>
+            </a:r>
+            <a:r>
+              <a:rPr lang="en-IE" sz="1600" b="0" dirty="0">
+                <a:solidFill>
+                  <a:srgbClr val="DCDCAA"/>
+                </a:solidFill>
+                <a:effectLst/>
+                <a:latin typeface="Consolas" panose="020B0609020204030204" pitchFamily="49" charset="0"/>
+              </a:rPr>
+              <a:t>next</a:t>
+            </a:r>
+            <a:r>
+              <a:rPr lang="en-IE" sz="1600" b="0" dirty="0">
+                <a:solidFill>
+                  <a:srgbClr val="D4D4D4"/>
+                </a:solidFill>
+                <a:effectLst/>
+                <a:latin typeface="Consolas" panose="020B0609020204030204" pitchFamily="49" charset="0"/>
+              </a:rPr>
+              <a:t>(</a:t>
+            </a:r>
+            <a:r>
+              <a:rPr lang="en-IE" sz="1600" b="0" dirty="0">
+                <a:solidFill>
+                  <a:srgbClr val="569CD6"/>
+                </a:solidFill>
+                <a:effectLst/>
+                <a:latin typeface="Consolas" panose="020B0609020204030204" pitchFamily="49" charset="0"/>
+              </a:rPr>
+              <a:t>null</a:t>
+            </a:r>
+            <a:r>
+              <a:rPr lang="en-IE" sz="1600" b="0" dirty="0">
+                <a:solidFill>
+                  <a:srgbClr val="D4D4D4"/>
+                </a:solidFill>
+                <a:effectLst/>
+                <a:latin typeface="Consolas" panose="020B0609020204030204" pitchFamily="49" charset="0"/>
+              </a:rPr>
+              <a:t>, </a:t>
+            </a:r>
+            <a:r>
+              <a:rPr lang="en-IE" sz="1600" b="0" dirty="0">
+                <a:solidFill>
+                  <a:srgbClr val="4FC1FF"/>
+                </a:solidFill>
+                <a:effectLst/>
+                <a:latin typeface="Consolas" panose="020B0609020204030204" pitchFamily="49" charset="0"/>
+              </a:rPr>
+              <a:t>user</a:t>
+            </a:r>
+            <a:r>
+              <a:rPr lang="en-IE" sz="1600" b="0" dirty="0">
+                <a:solidFill>
+                  <a:srgbClr val="D4D4D4"/>
+                </a:solidFill>
+                <a:effectLst/>
+                <a:latin typeface="Consolas" panose="020B0609020204030204" pitchFamily="49" charset="0"/>
+              </a:rPr>
+              <a:t>) : </a:t>
+            </a:r>
+            <a:r>
+              <a:rPr lang="en-IE" sz="1600" b="0" dirty="0">
+                <a:solidFill>
+                  <a:srgbClr val="DCDCAA"/>
+                </a:solidFill>
+                <a:effectLst/>
+                <a:latin typeface="Consolas" panose="020B0609020204030204" pitchFamily="49" charset="0"/>
+              </a:rPr>
+              <a:t>next</a:t>
+            </a:r>
+            <a:r>
+              <a:rPr lang="en-IE" sz="1600" b="0" dirty="0">
+                <a:solidFill>
+                  <a:srgbClr val="D4D4D4"/>
+                </a:solidFill>
+                <a:effectLst/>
+                <a:latin typeface="Consolas" panose="020B0609020204030204" pitchFamily="49" charset="0"/>
+              </a:rPr>
+              <a:t>(</a:t>
+            </a:r>
+            <a:r>
+              <a:rPr lang="en-IE" sz="1600" b="0" dirty="0">
+                <a:solidFill>
+                  <a:srgbClr val="569CD6"/>
+                </a:solidFill>
+                <a:effectLst/>
+                <a:latin typeface="Consolas" panose="020B0609020204030204" pitchFamily="49" charset="0"/>
+              </a:rPr>
+              <a:t>null</a:t>
+            </a:r>
+            <a:r>
+              <a:rPr lang="en-IE" sz="1600" b="0" dirty="0">
+                <a:solidFill>
+                  <a:srgbClr val="D4D4D4"/>
+                </a:solidFill>
+                <a:effectLst/>
+                <a:latin typeface="Consolas" panose="020B0609020204030204" pitchFamily="49" charset="0"/>
+              </a:rPr>
+              <a:t>, </a:t>
+            </a:r>
+            <a:r>
+              <a:rPr lang="en-IE" sz="1600" b="0" dirty="0">
+                <a:solidFill>
+                  <a:srgbClr val="569CD6"/>
+                </a:solidFill>
+                <a:effectLst/>
+                <a:latin typeface="Consolas" panose="020B0609020204030204" pitchFamily="49" charset="0"/>
+              </a:rPr>
+              <a:t>false</a:t>
+            </a:r>
+            <a:r>
+              <a:rPr lang="en-IE" sz="1600" b="0" dirty="0">
+                <a:solidFill>
+                  <a:srgbClr val="D4D4D4"/>
+                </a:solidFill>
+                <a:effectLst/>
+                <a:latin typeface="Consolas" panose="020B0609020204030204" pitchFamily="49" charset="0"/>
+              </a:rPr>
+              <a:t>);</a:t>
+            </a:r>
+          </a:p>
+          <a:p>
+            <a:r>
+              <a:rPr lang="en-IE" sz="1600" b="0" dirty="0">
+                <a:solidFill>
+                  <a:srgbClr val="D4D4D4"/>
+                </a:solidFill>
+                <a:effectLst/>
+                <a:latin typeface="Consolas" panose="020B0609020204030204" pitchFamily="49" charset="0"/>
+              </a:rPr>
+              <a:t>});</a:t>
+            </a:r>
+          </a:p>
+          <a:p>
+            <a:br>
+              <a:rPr lang="en-IE" sz="1600" b="0" dirty="0">
+                <a:solidFill>
+                  <a:srgbClr val="D4D4D4"/>
+                </a:solidFill>
+                <a:effectLst/>
+                <a:latin typeface="Consolas" panose="020B0609020204030204" pitchFamily="49" charset="0"/>
+              </a:rPr>
+            </a:br>
+            <a:r>
+              <a:rPr lang="en-IE" sz="1600" b="0" dirty="0" err="1">
+                <a:solidFill>
+                  <a:srgbClr val="4FC1FF"/>
+                </a:solidFill>
+                <a:effectLst/>
+                <a:latin typeface="Consolas" panose="020B0609020204030204" pitchFamily="49" charset="0"/>
+              </a:rPr>
+              <a:t>passport</a:t>
+            </a:r>
+            <a:r>
+              <a:rPr lang="en-IE" sz="1600" b="0" dirty="0" err="1">
+                <a:solidFill>
+                  <a:srgbClr val="D4D4D4"/>
+                </a:solidFill>
+                <a:effectLst/>
+                <a:latin typeface="Consolas" panose="020B0609020204030204" pitchFamily="49" charset="0"/>
+              </a:rPr>
+              <a:t>.</a:t>
+            </a:r>
+            <a:r>
+              <a:rPr lang="en-IE" sz="1600" b="0" dirty="0" err="1">
+                <a:solidFill>
+                  <a:srgbClr val="DCDCAA"/>
+                </a:solidFill>
+                <a:effectLst/>
+                <a:latin typeface="Consolas" panose="020B0609020204030204" pitchFamily="49" charset="0"/>
+              </a:rPr>
+              <a:t>use</a:t>
+            </a:r>
+            <a:r>
+              <a:rPr lang="en-IE" sz="1600" b="0" dirty="0">
+                <a:solidFill>
+                  <a:srgbClr val="D4D4D4"/>
+                </a:solidFill>
+                <a:effectLst/>
+                <a:latin typeface="Consolas" panose="020B0609020204030204" pitchFamily="49" charset="0"/>
+              </a:rPr>
+              <a:t>(</a:t>
+            </a:r>
+            <a:r>
+              <a:rPr lang="en-IE" sz="1600" b="0" dirty="0">
+                <a:solidFill>
+                  <a:srgbClr val="4FC1FF"/>
+                </a:solidFill>
+                <a:effectLst/>
+                <a:latin typeface="Consolas" panose="020B0609020204030204" pitchFamily="49" charset="0"/>
+              </a:rPr>
+              <a:t>strategy</a:t>
+            </a:r>
+            <a:r>
+              <a:rPr lang="en-IE" sz="1600" b="0" dirty="0">
+                <a:solidFill>
+                  <a:srgbClr val="D4D4D4"/>
+                </a:solidFill>
+                <a:effectLst/>
+                <a:latin typeface="Consolas" panose="020B0609020204030204" pitchFamily="49" charset="0"/>
+              </a:rPr>
+              <a:t>);</a:t>
+            </a:r>
+          </a:p>
+          <a:p>
+            <a:br>
+              <a:rPr lang="en-IE" sz="1600" b="0" dirty="0">
+                <a:solidFill>
+                  <a:srgbClr val="D4D4D4"/>
+                </a:solidFill>
+                <a:effectLst/>
+                <a:latin typeface="Consolas" panose="020B0609020204030204" pitchFamily="49" charset="0"/>
+              </a:rPr>
+            </a:br>
+            <a:r>
+              <a:rPr lang="en-IE" sz="1600" b="0" dirty="0">
+                <a:solidFill>
+                  <a:srgbClr val="C586C0"/>
+                </a:solidFill>
+                <a:effectLst/>
+                <a:latin typeface="Consolas" panose="020B0609020204030204" pitchFamily="49" charset="0"/>
+              </a:rPr>
+              <a:t>export</a:t>
+            </a:r>
+            <a:r>
+              <a:rPr lang="en-IE" sz="1600" b="0" dirty="0">
+                <a:solidFill>
+                  <a:srgbClr val="D4D4D4"/>
+                </a:solidFill>
+                <a:effectLst/>
+                <a:latin typeface="Consolas" panose="020B0609020204030204" pitchFamily="49" charset="0"/>
+              </a:rPr>
+              <a:t> </a:t>
+            </a:r>
+            <a:r>
+              <a:rPr lang="en-IE" sz="1600" b="0" dirty="0">
+                <a:solidFill>
+                  <a:srgbClr val="C586C0"/>
+                </a:solidFill>
+                <a:effectLst/>
+                <a:latin typeface="Consolas" panose="020B0609020204030204" pitchFamily="49" charset="0"/>
+              </a:rPr>
+              <a:t>default</a:t>
+            </a:r>
+            <a:r>
+              <a:rPr lang="en-IE" sz="1600" b="0" dirty="0">
+                <a:solidFill>
+                  <a:srgbClr val="D4D4D4"/>
+                </a:solidFill>
+                <a:effectLst/>
+                <a:latin typeface="Consolas" panose="020B0609020204030204" pitchFamily="49" charset="0"/>
+              </a:rPr>
+              <a:t> </a:t>
+            </a:r>
+            <a:r>
+              <a:rPr lang="en-IE" sz="1600" b="0" dirty="0">
+                <a:solidFill>
+                  <a:srgbClr val="4FC1FF"/>
+                </a:solidFill>
+                <a:effectLst/>
+                <a:latin typeface="Consolas" panose="020B0609020204030204" pitchFamily="49" charset="0"/>
+              </a:rPr>
+              <a:t>passport</a:t>
+            </a:r>
+            <a:r>
+              <a:rPr lang="en-IE" sz="1600" b="0" dirty="0">
+                <a:solidFill>
+                  <a:srgbClr val="D4D4D4"/>
+                </a:solidFill>
+                <a:effectLst/>
+                <a:latin typeface="Consolas" panose="020B0609020204030204" pitchFamily="49" charset="0"/>
+              </a:rPr>
+              <a:t>;</a:t>
             </a:r>
           </a:p>
         </p:txBody>
@@ -16514,7 +20490,7 @@
 </p:sld>
 </file>
 
-<file path=ppt/slides/slide26.xml><?xml version="1.0" encoding="utf-8"?>
+<file path=ppt/slides/slide25.xml><?xml version="1.0" encoding="utf-8"?>
 <p:sld xmlns:a="http://schemas.openxmlformats.org/drawingml/2006/main" xmlns:r="http://schemas.openxmlformats.org/officeDocument/2006/relationships" xmlns:p="http://schemas.openxmlformats.org/presentationml/2006/main">
   <p:cSld>
     <p:spTree>
@@ -16844,7 +20820,7 @@
 </p:sld>
 </file>
 
-<file path=ppt/slides/slide27.xml><?xml version="1.0" encoding="utf-8"?>
+<file path=ppt/slides/slide26.xml><?xml version="1.0" encoding="utf-8"?>
 <p:sld xmlns:a="http://schemas.openxmlformats.org/drawingml/2006/main" xmlns:r="http://schemas.openxmlformats.org/officeDocument/2006/relationships" xmlns:p="http://schemas.openxmlformats.org/presentationml/2006/main">
   <p:cSld>
     <p:spTree>
@@ -16930,7 +20906,7 @@
 </p:sld>
 </file>
 
-<file path=ppt/slides/slide28.xml><?xml version="1.0" encoding="utf-8"?>
+<file path=ppt/slides/slide27.xml><?xml version="1.0" encoding="utf-8"?>
 <p:sld xmlns:a="http://schemas.openxmlformats.org/drawingml/2006/main" xmlns:r="http://schemas.openxmlformats.org/officeDocument/2006/relationships" xmlns:p="http://schemas.openxmlformats.org/presentationml/2006/main">
   <p:cSld>
     <p:bg>
@@ -17506,7 +21482,7 @@
 </p:sld>
 </file>
 
-<file path=ppt/slides/slide29.xml><?xml version="1.0" encoding="utf-8"?>
+<file path=ppt/slides/slide28.xml><?xml version="1.0" encoding="utf-8"?>
 <p:sld xmlns:a="http://schemas.openxmlformats.org/drawingml/2006/main" xmlns:r="http://schemas.openxmlformats.org/officeDocument/2006/relationships" xmlns:p="http://schemas.openxmlformats.org/presentationml/2006/main">
   <p:cSld>
     <p:spTree>
@@ -18012,606 +21988,7 @@
 </p:sld>
 </file>
 
-<file path=ppt/slides/slide3.xml><?xml version="1.0" encoding="utf-8"?>
-<p:sld xmlns:a="http://schemas.openxmlformats.org/drawingml/2006/main" xmlns:r="http://schemas.openxmlformats.org/officeDocument/2006/relationships" xmlns:p="http://schemas.openxmlformats.org/presentationml/2006/main">
-  <p:cSld>
-    <p:bg>
-      <p:bgPr>
-        <a:solidFill>
-          <a:schemeClr val="bg1"/>
-        </a:solidFill>
-        <a:effectLst/>
-      </p:bgPr>
-    </p:bg>
-    <p:spTree>
-      <p:nvGrpSpPr>
-        <p:cNvPr id="1" name=""/>
-        <p:cNvGrpSpPr/>
-        <p:nvPr/>
-      </p:nvGrpSpPr>
-      <p:grpSpPr>
-        <a:xfrm>
-          <a:off x="0" y="0"/>
-          <a:ext cx="0" cy="0"/>
-          <a:chOff x="0" y="0"/>
-          <a:chExt cx="0" cy="0"/>
-        </a:xfrm>
-      </p:grpSpPr>
-      <p:sp>
-        <p:nvSpPr>
-          <p:cNvPr id="2" name="Title 1">
-            <a:extLst>
-              <a:ext uri="{FF2B5EF4-FFF2-40B4-BE49-F238E27FC236}">
-                <a16:creationId xmlns:a16="http://schemas.microsoft.com/office/drawing/2014/main" id="{7AEA2702-980A-4BE2-B19B-50447F53442B}"/>
-              </a:ext>
-            </a:extLst>
-          </p:cNvPr>
-          <p:cNvSpPr>
-            <a:spLocks noGrp="1"/>
-          </p:cNvSpPr>
-          <p:nvPr>
-            <p:ph type="title"/>
-          </p:nvPr>
-        </p:nvSpPr>
-        <p:spPr>
-          <a:xfrm>
-            <a:off x="648929" y="629266"/>
-            <a:ext cx="3505495" cy="1622321"/>
-          </a:xfrm>
-        </p:spPr>
-        <p:txBody>
-          <a:bodyPr>
-            <a:normAutofit/>
-          </a:bodyPr>
-          <a:lstStyle/>
-          <a:p>
-            <a:r>
-              <a:rPr lang="en-US" sz="4100">
-                <a:cs typeface="Calibri Light"/>
-              </a:rPr>
-              <a:t>Authentication options</a:t>
-            </a:r>
-            <a:endParaRPr lang="en-US" sz="4100"/>
-          </a:p>
-        </p:txBody>
-      </p:sp>
-      <p:sp>
-        <p:nvSpPr>
-          <p:cNvPr id="3" name="Content Placeholder 2">
-            <a:extLst>
-              <a:ext uri="{FF2B5EF4-FFF2-40B4-BE49-F238E27FC236}">
-                <a16:creationId xmlns:a16="http://schemas.microsoft.com/office/drawing/2014/main" id="{C100E089-E0BF-47C6-89DB-3E1B3DDA74E7}"/>
-              </a:ext>
-            </a:extLst>
-          </p:cNvPr>
-          <p:cNvSpPr>
-            <a:spLocks noGrp="1"/>
-          </p:cNvSpPr>
-          <p:nvPr>
-            <p:ph idx="1"/>
-          </p:nvPr>
-        </p:nvSpPr>
-        <p:spPr>
-          <a:xfrm>
-            <a:off x="648931" y="2438400"/>
-            <a:ext cx="3505494" cy="3785419"/>
-          </a:xfrm>
-        </p:spPr>
-        <p:txBody>
-          <a:bodyPr vert="horz" lIns="91440" tIns="45720" rIns="91440" bIns="45720" rtlCol="0" anchor="t">
-            <a:normAutofit fontScale="92500" lnSpcReduction="20000"/>
-          </a:bodyPr>
-          <a:lstStyle/>
-          <a:p>
-            <a:r>
-              <a:rPr lang="en-US" sz="2000" dirty="0">
-                <a:cs typeface="Calibri"/>
-              </a:rPr>
-              <a:t>Many solutions for Auth</a:t>
-            </a:r>
-          </a:p>
-          <a:p>
-            <a:pPr lvl="1"/>
-            <a:r>
-              <a:rPr lang="en-US" sz="2000" dirty="0">
-                <a:cs typeface="Calibri"/>
-              </a:rPr>
-              <a:t>Cookies, basic-auth, JWT, </a:t>
-            </a:r>
-            <a:r>
-              <a:rPr lang="en-US" sz="2000" dirty="0" err="1">
-                <a:cs typeface="Calibri"/>
-              </a:rPr>
-              <a:t>Oauth</a:t>
-            </a:r>
-            <a:r>
-              <a:rPr lang="en-US" sz="2000" dirty="0">
-                <a:cs typeface="Calibri"/>
-              </a:rPr>
-              <a:t>.</a:t>
-            </a:r>
-          </a:p>
-          <a:p>
-            <a:pPr lvl="1"/>
-            <a:r>
-              <a:rPr lang="en-US" sz="2000" dirty="0">
-                <a:cs typeface="Calibri"/>
-              </a:rPr>
-              <a:t>Web-based Identity Federation/3</a:t>
-            </a:r>
-            <a:r>
-              <a:rPr lang="en-US" sz="2000" baseline="30000" dirty="0">
-                <a:cs typeface="Calibri"/>
-              </a:rPr>
-              <a:t>rd</a:t>
-            </a:r>
-            <a:r>
-              <a:rPr lang="en-US" sz="2000" dirty="0">
-                <a:cs typeface="Calibri"/>
-              </a:rPr>
-              <a:t> Party (Firebase)</a:t>
-            </a:r>
-          </a:p>
-          <a:p>
-            <a:r>
-              <a:rPr lang="en-US" sz="2000" dirty="0">
-                <a:cs typeface="Calibri"/>
-              </a:rPr>
-              <a:t>JSON Web Tokens (JWT) </a:t>
-            </a:r>
-          </a:p>
-          <a:p>
-            <a:pPr lvl="1"/>
-            <a:r>
-              <a:rPr lang="en-US" sz="2000" dirty="0">
-                <a:cs typeface="Calibri"/>
-              </a:rPr>
-              <a:t>Tokens means no need to keep sessions or cookies</a:t>
-            </a:r>
-          </a:p>
-          <a:p>
-            <a:pPr lvl="1"/>
-            <a:r>
-              <a:rPr lang="en-US" sz="2000" dirty="0">
-                <a:cs typeface="Calibri"/>
-              </a:rPr>
-              <a:t>In keeping with REST stateless principle – token sent on each request</a:t>
-            </a:r>
-          </a:p>
-          <a:p>
-            <a:pPr lvl="1"/>
-            <a:r>
-              <a:rPr lang="en-US" sz="2000" dirty="0">
-                <a:cs typeface="Calibri"/>
-              </a:rPr>
-              <a:t>Token stored on client, usually in local storage of client.</a:t>
-            </a:r>
-          </a:p>
-          <a:p>
-            <a:pPr marL="0" indent="0">
-              <a:buNone/>
-            </a:pPr>
-            <a:endParaRPr lang="en-US" sz="2000" dirty="0">
-              <a:cs typeface="Calibri"/>
-            </a:endParaRPr>
-          </a:p>
-          <a:p>
-            <a:endParaRPr lang="en-US" sz="2000" dirty="0">
-              <a:cs typeface="Calibri"/>
-            </a:endParaRPr>
-          </a:p>
-        </p:txBody>
-      </p:sp>
-      <p:pic>
-        <p:nvPicPr>
-          <p:cNvPr id="5" name="Picture 4" descr="A screenshot of a computer screen&#10;&#10;Description generated with very high confidence">
-            <a:extLst>
-              <a:ext uri="{FF2B5EF4-FFF2-40B4-BE49-F238E27FC236}">
-                <a16:creationId xmlns:a16="http://schemas.microsoft.com/office/drawing/2014/main" id="{76993D08-70D9-4BCE-872D-947FB5015507}"/>
-              </a:ext>
-            </a:extLst>
-          </p:cNvPr>
-          <p:cNvPicPr>
-            <a:picLocks noChangeAspect="1"/>
-          </p:cNvPicPr>
-          <p:nvPr/>
-        </p:nvPicPr>
-        <p:blipFill rotWithShape="1">
-          <a:blip r:embed="rId3"/>
-          <a:srcRect l="5041" t="17999" r="6816" b="8471"/>
-          <a:stretch/>
-        </p:blipFill>
-        <p:spPr>
-          <a:xfrm>
-            <a:off x="4040540" y="2330865"/>
-            <a:ext cx="7994073" cy="3751106"/>
-          </a:xfrm>
-          <a:prstGeom prst="rect">
-            <a:avLst/>
-          </a:prstGeom>
-        </p:spPr>
-      </p:pic>
-    </p:spTree>
-    <p:extLst>
-      <p:ext uri="{BB962C8B-B14F-4D97-AF65-F5344CB8AC3E}">
-        <p14:creationId xmlns:p14="http://schemas.microsoft.com/office/powerpoint/2010/main" val="3469585241"/>
-      </p:ext>
-    </p:extLst>
-  </p:cSld>
-  <p:clrMapOvr>
-    <a:masterClrMapping/>
-  </p:clrMapOvr>
-  <p:timing>
-    <p:tnLst>
-      <p:par>
-        <p:cTn id="1" dur="indefinite" restart="never" nodeType="tmRoot">
-          <p:childTnLst>
-            <p:seq concurrent="1" nextAc="seek">
-              <p:cTn id="2" dur="indefinite" nodeType="mainSeq">
-                <p:childTnLst>
-                  <p:par>
-                    <p:cTn id="3" fill="hold">
-                      <p:stCondLst>
-                        <p:cond delay="indefinite"/>
-                      </p:stCondLst>
-                      <p:childTnLst>
-                        <p:par>
-                          <p:cTn id="4" fill="hold">
-                            <p:stCondLst>
-                              <p:cond delay="0"/>
-                            </p:stCondLst>
-                            <p:childTnLst>
-                              <p:par>
-                                <p:cTn id="5" presetID="10" presetClass="entr" presetSubtype="0" fill="hold" nodeType="clickEffect">
-                                  <p:stCondLst>
-                                    <p:cond delay="0"/>
-                                  </p:stCondLst>
-                                  <p:childTnLst>
-                                    <p:set>
-                                      <p:cBhvr>
-                                        <p:cTn id="6" dur="1" fill="hold">
-                                          <p:stCondLst>
-                                            <p:cond delay="0"/>
-                                          </p:stCondLst>
-                                        </p:cTn>
-                                        <p:tgtEl>
-                                          <p:spTgt spid="3">
-                                            <p:txEl>
-                                              <p:pRg st="0" end="0"/>
-                                            </p:txEl>
-                                          </p:spTgt>
-                                        </p:tgtEl>
-                                        <p:attrNameLst>
-                                          <p:attrName>style.visibility</p:attrName>
-                                        </p:attrNameLst>
-                                      </p:cBhvr>
-                                      <p:to>
-                                        <p:strVal val="visible"/>
-                                      </p:to>
-                                    </p:set>
-                                    <p:animEffect transition="in" filter="fade">
-                                      <p:cBhvr>
-                                        <p:cTn id="7" dur="500"/>
-                                        <p:tgtEl>
-                                          <p:spTgt spid="3">
-                                            <p:txEl>
-                                              <p:pRg st="0" end="0"/>
-                                            </p:txEl>
-                                          </p:spTgt>
-                                        </p:tgtEl>
-                                      </p:cBhvr>
-                                    </p:animEffect>
-                                  </p:childTnLst>
-                                </p:cTn>
-                              </p:par>
-                              <p:par>
-                                <p:cTn id="8" presetID="10" presetClass="entr" presetSubtype="0" fill="hold" nodeType="withEffect">
-                                  <p:stCondLst>
-                                    <p:cond delay="0"/>
-                                  </p:stCondLst>
-                                  <p:childTnLst>
-                                    <p:set>
-                                      <p:cBhvr>
-                                        <p:cTn id="9" dur="1" fill="hold">
-                                          <p:stCondLst>
-                                            <p:cond delay="0"/>
-                                          </p:stCondLst>
-                                        </p:cTn>
-                                        <p:tgtEl>
-                                          <p:spTgt spid="3">
-                                            <p:txEl>
-                                              <p:pRg st="1" end="1"/>
-                                            </p:txEl>
-                                          </p:spTgt>
-                                        </p:tgtEl>
-                                        <p:attrNameLst>
-                                          <p:attrName>style.visibility</p:attrName>
-                                        </p:attrNameLst>
-                                      </p:cBhvr>
-                                      <p:to>
-                                        <p:strVal val="visible"/>
-                                      </p:to>
-                                    </p:set>
-                                    <p:animEffect transition="in" filter="fade">
-                                      <p:cBhvr>
-                                        <p:cTn id="10" dur="500"/>
-                                        <p:tgtEl>
-                                          <p:spTgt spid="3">
-                                            <p:txEl>
-                                              <p:pRg st="1" end="1"/>
-                                            </p:txEl>
-                                          </p:spTgt>
-                                        </p:tgtEl>
-                                      </p:cBhvr>
-                                    </p:animEffect>
-                                  </p:childTnLst>
-                                </p:cTn>
-                              </p:par>
-                              <p:par>
-                                <p:cTn id="11" presetID="10" presetClass="entr" presetSubtype="0" fill="hold" nodeType="withEffect">
-                                  <p:stCondLst>
-                                    <p:cond delay="0"/>
-                                  </p:stCondLst>
-                                  <p:childTnLst>
-                                    <p:set>
-                                      <p:cBhvr>
-                                        <p:cTn id="12" dur="1" fill="hold">
-                                          <p:stCondLst>
-                                            <p:cond delay="0"/>
-                                          </p:stCondLst>
-                                        </p:cTn>
-                                        <p:tgtEl>
-                                          <p:spTgt spid="3">
-                                            <p:txEl>
-                                              <p:pRg st="2" end="2"/>
-                                            </p:txEl>
-                                          </p:spTgt>
-                                        </p:tgtEl>
-                                        <p:attrNameLst>
-                                          <p:attrName>style.visibility</p:attrName>
-                                        </p:attrNameLst>
-                                      </p:cBhvr>
-                                      <p:to>
-                                        <p:strVal val="visible"/>
-                                      </p:to>
-                                    </p:set>
-                                    <p:animEffect transition="in" filter="fade">
-                                      <p:cBhvr>
-                                        <p:cTn id="13" dur="500"/>
-                                        <p:tgtEl>
-                                          <p:spTgt spid="3">
-                                            <p:txEl>
-                                              <p:pRg st="2" end="2"/>
-                                            </p:txEl>
-                                          </p:spTgt>
-                                        </p:tgtEl>
-                                      </p:cBhvr>
-                                    </p:animEffect>
-                                  </p:childTnLst>
-                                </p:cTn>
-                              </p:par>
-                            </p:childTnLst>
-                          </p:cTn>
-                        </p:par>
-                      </p:childTnLst>
-                    </p:cTn>
-                  </p:par>
-                  <p:par>
-                    <p:cTn id="14" fill="hold">
-                      <p:stCondLst>
-                        <p:cond delay="indefinite"/>
-                      </p:stCondLst>
-                      <p:childTnLst>
-                        <p:par>
-                          <p:cTn id="15" fill="hold">
-                            <p:stCondLst>
-                              <p:cond delay="0"/>
-                            </p:stCondLst>
-                            <p:childTnLst>
-                              <p:par>
-                                <p:cTn id="16" presetID="10" presetClass="entr" presetSubtype="0" fill="hold" nodeType="clickEffect">
-                                  <p:stCondLst>
-                                    <p:cond delay="0"/>
-                                  </p:stCondLst>
-                                  <p:childTnLst>
-                                    <p:set>
-                                      <p:cBhvr>
-                                        <p:cTn id="17" dur="1" fill="hold">
-                                          <p:stCondLst>
-                                            <p:cond delay="0"/>
-                                          </p:stCondLst>
-                                        </p:cTn>
-                                        <p:tgtEl>
-                                          <p:spTgt spid="3">
-                                            <p:txEl>
-                                              <p:pRg st="3" end="3"/>
-                                            </p:txEl>
-                                          </p:spTgt>
-                                        </p:tgtEl>
-                                        <p:attrNameLst>
-                                          <p:attrName>style.visibility</p:attrName>
-                                        </p:attrNameLst>
-                                      </p:cBhvr>
-                                      <p:to>
-                                        <p:strVal val="visible"/>
-                                      </p:to>
-                                    </p:set>
-                                    <p:animEffect transition="in" filter="fade">
-                                      <p:cBhvr>
-                                        <p:cTn id="18" dur="500"/>
-                                        <p:tgtEl>
-                                          <p:spTgt spid="3">
-                                            <p:txEl>
-                                              <p:pRg st="3" end="3"/>
-                                            </p:txEl>
-                                          </p:spTgt>
-                                        </p:tgtEl>
-                                      </p:cBhvr>
-                                    </p:animEffect>
-                                  </p:childTnLst>
-                                </p:cTn>
-                              </p:par>
-                              <p:par>
-                                <p:cTn id="19" presetID="10" presetClass="entr" presetSubtype="0" fill="hold" nodeType="withEffect">
-                                  <p:stCondLst>
-                                    <p:cond delay="0"/>
-                                  </p:stCondLst>
-                                  <p:childTnLst>
-                                    <p:set>
-                                      <p:cBhvr>
-                                        <p:cTn id="20" dur="1" fill="hold">
-                                          <p:stCondLst>
-                                            <p:cond delay="0"/>
-                                          </p:stCondLst>
-                                        </p:cTn>
-                                        <p:tgtEl>
-                                          <p:spTgt spid="3">
-                                            <p:txEl>
-                                              <p:pRg st="4" end="4"/>
-                                            </p:txEl>
-                                          </p:spTgt>
-                                        </p:tgtEl>
-                                        <p:attrNameLst>
-                                          <p:attrName>style.visibility</p:attrName>
-                                        </p:attrNameLst>
-                                      </p:cBhvr>
-                                      <p:to>
-                                        <p:strVal val="visible"/>
-                                      </p:to>
-                                    </p:set>
-                                    <p:animEffect transition="in" filter="fade">
-                                      <p:cBhvr>
-                                        <p:cTn id="21" dur="500"/>
-                                        <p:tgtEl>
-                                          <p:spTgt spid="3">
-                                            <p:txEl>
-                                              <p:pRg st="4" end="4"/>
-                                            </p:txEl>
-                                          </p:spTgt>
-                                        </p:tgtEl>
-                                      </p:cBhvr>
-                                    </p:animEffect>
-                                  </p:childTnLst>
-                                </p:cTn>
-                              </p:par>
-                              <p:par>
-                                <p:cTn id="22" presetID="10" presetClass="entr" presetSubtype="0" fill="hold" nodeType="withEffect">
-                                  <p:stCondLst>
-                                    <p:cond delay="0"/>
-                                  </p:stCondLst>
-                                  <p:childTnLst>
-                                    <p:set>
-                                      <p:cBhvr>
-                                        <p:cTn id="23" dur="1" fill="hold">
-                                          <p:stCondLst>
-                                            <p:cond delay="0"/>
-                                          </p:stCondLst>
-                                        </p:cTn>
-                                        <p:tgtEl>
-                                          <p:spTgt spid="3">
-                                            <p:txEl>
-                                              <p:pRg st="5" end="5"/>
-                                            </p:txEl>
-                                          </p:spTgt>
-                                        </p:tgtEl>
-                                        <p:attrNameLst>
-                                          <p:attrName>style.visibility</p:attrName>
-                                        </p:attrNameLst>
-                                      </p:cBhvr>
-                                      <p:to>
-                                        <p:strVal val="visible"/>
-                                      </p:to>
-                                    </p:set>
-                                    <p:animEffect transition="in" filter="fade">
-                                      <p:cBhvr>
-                                        <p:cTn id="24" dur="500"/>
-                                        <p:tgtEl>
-                                          <p:spTgt spid="3">
-                                            <p:txEl>
-                                              <p:pRg st="5" end="5"/>
-                                            </p:txEl>
-                                          </p:spTgt>
-                                        </p:tgtEl>
-                                      </p:cBhvr>
-                                    </p:animEffect>
-                                  </p:childTnLst>
-                                </p:cTn>
-                              </p:par>
-                              <p:par>
-                                <p:cTn id="25" presetID="10" presetClass="entr" presetSubtype="0" fill="hold" nodeType="withEffect">
-                                  <p:stCondLst>
-                                    <p:cond delay="0"/>
-                                  </p:stCondLst>
-                                  <p:childTnLst>
-                                    <p:set>
-                                      <p:cBhvr>
-                                        <p:cTn id="26" dur="1" fill="hold">
-                                          <p:stCondLst>
-                                            <p:cond delay="0"/>
-                                          </p:stCondLst>
-                                        </p:cTn>
-                                        <p:tgtEl>
-                                          <p:spTgt spid="3">
-                                            <p:txEl>
-                                              <p:pRg st="6" end="6"/>
-                                            </p:txEl>
-                                          </p:spTgt>
-                                        </p:tgtEl>
-                                        <p:attrNameLst>
-                                          <p:attrName>style.visibility</p:attrName>
-                                        </p:attrNameLst>
-                                      </p:cBhvr>
-                                      <p:to>
-                                        <p:strVal val="visible"/>
-                                      </p:to>
-                                    </p:set>
-                                    <p:animEffect transition="in" filter="fade">
-                                      <p:cBhvr>
-                                        <p:cTn id="27" dur="500"/>
-                                        <p:tgtEl>
-                                          <p:spTgt spid="3">
-                                            <p:txEl>
-                                              <p:pRg st="6" end="6"/>
-                                            </p:txEl>
-                                          </p:spTgt>
-                                        </p:tgtEl>
-                                      </p:cBhvr>
-                                    </p:animEffect>
-                                  </p:childTnLst>
-                                </p:cTn>
-                              </p:par>
-                            </p:childTnLst>
-                          </p:cTn>
-                        </p:par>
-                      </p:childTnLst>
-                    </p:cTn>
-                  </p:par>
-                </p:childTnLst>
-              </p:cTn>
-              <p:prevCondLst>
-                <p:cond evt="onPrev" delay="0">
-                  <p:tgtEl>
-                    <p:sldTgt/>
-                  </p:tgtEl>
-                </p:cond>
-              </p:prevCondLst>
-              <p:nextCondLst>
-                <p:cond evt="onNext" delay="0">
-                  <p:tgtEl>
-                    <p:sldTgt/>
-                  </p:tgtEl>
-                </p:cond>
-              </p:nextCondLst>
-            </p:seq>
-          </p:childTnLst>
-        </p:cTn>
-      </p:par>
-    </p:tnLst>
-  </p:timing>
-</p:sld>
-</file>
-
-<file path=ppt/slides/slide30.xml><?xml version="1.0" encoding="utf-8"?>
+<file path=ppt/slides/slide29.xml><?xml version="1.0" encoding="utf-8"?>
 <p:sld xmlns:a="http://schemas.openxmlformats.org/drawingml/2006/main" xmlns:r="http://schemas.openxmlformats.org/officeDocument/2006/relationships" xmlns:p="http://schemas.openxmlformats.org/presentationml/2006/main">
   <p:cSld>
     <p:spTree>
@@ -18847,7 +22224,611 @@
 </p:sld>
 </file>
 
-<file path=ppt/slides/slide31.xml><?xml version="1.0" encoding="utf-8"?>
+<file path=ppt/slides/slide3.xml><?xml version="1.0" encoding="utf-8"?>
+<p:sld xmlns:a="http://schemas.openxmlformats.org/drawingml/2006/main" xmlns:r="http://schemas.openxmlformats.org/officeDocument/2006/relationships" xmlns:p="http://schemas.openxmlformats.org/presentationml/2006/main">
+  <p:cSld>
+    <p:bg>
+      <p:bgPr>
+        <a:solidFill>
+          <a:schemeClr val="bg1"/>
+        </a:solidFill>
+        <a:effectLst/>
+      </p:bgPr>
+    </p:bg>
+    <p:spTree>
+      <p:nvGrpSpPr>
+        <p:cNvPr id="1" name=""/>
+        <p:cNvGrpSpPr/>
+        <p:nvPr/>
+      </p:nvGrpSpPr>
+      <p:grpSpPr>
+        <a:xfrm>
+          <a:off x="0" y="0"/>
+          <a:ext cx="0" cy="0"/>
+          <a:chOff x="0" y="0"/>
+          <a:chExt cx="0" cy="0"/>
+        </a:xfrm>
+      </p:grpSpPr>
+      <p:sp>
+        <p:nvSpPr>
+          <p:cNvPr id="6" name="Freeform: Shape 9">
+            <a:extLst>
+              <a:ext uri="{FF2B5EF4-FFF2-40B4-BE49-F238E27FC236}">
+                <a16:creationId xmlns:a16="http://schemas.microsoft.com/office/drawing/2014/main" id="{46C2E80F-49A6-4372-B103-219D417A55ED}"/>
+              </a:ext>
+              <a:ext uri="{C183D7F6-B498-43B3-948B-1728B52AA6E4}">
+                <adec:decorative xmlns:adec="http://schemas.microsoft.com/office/drawing/2017/decorative" val="1"/>
+              </a:ext>
+            </a:extLst>
+          </p:cNvPr>
+          <p:cNvSpPr>
+            <a:spLocks noGrp="1" noRot="1" noChangeAspect="1" noMove="1" noResize="1" noEditPoints="1" noAdjustHandles="1" noChangeArrowheads="1" noChangeShapeType="1" noTextEdit="1"/>
+          </p:cNvSpPr>
+          <p:nvPr>
+            <p:extLst>
+              <p:ext uri="{386F3935-93C4-4BCD-93E2-E3B085C9AB24}">
+                <p16:designElem xmlns:p16="http://schemas.microsoft.com/office/powerpoint/2015/main" val="1"/>
+              </p:ext>
+            </p:extLst>
+          </p:nvPr>
+        </p:nvSpPr>
+        <p:spPr>
+          <a:xfrm>
+            <a:off x="484096" y="470925"/>
+            <a:ext cx="4381009" cy="5892104"/>
+          </a:xfrm>
+          <a:custGeom>
+            <a:avLst/>
+            <a:gdLst>
+              <a:gd name="connsiteX0" fmla="*/ 0 w 4381009"/>
+              <a:gd name="connsiteY0" fmla="*/ 0 h 5892104"/>
+              <a:gd name="connsiteX1" fmla="*/ 4157628 w 4381009"/>
+              <a:gd name="connsiteY1" fmla="*/ 0 h 5892104"/>
+              <a:gd name="connsiteX2" fmla="*/ 4169302 w 4381009"/>
+              <a:gd name="connsiteY2" fmla="*/ 68659 h 5892104"/>
+              <a:gd name="connsiteX3" fmla="*/ 4191571 w 4381009"/>
+              <a:gd name="connsiteY3" fmla="*/ 205472 h 5892104"/>
+              <a:gd name="connsiteX4" fmla="*/ 4213368 w 4381009"/>
+              <a:gd name="connsiteY4" fmla="*/ 342890 h 5892104"/>
+              <a:gd name="connsiteX5" fmla="*/ 4232030 w 4381009"/>
+              <a:gd name="connsiteY5" fmla="*/ 480913 h 5892104"/>
+              <a:gd name="connsiteX6" fmla="*/ 4250848 w 4381009"/>
+              <a:gd name="connsiteY6" fmla="*/ 618332 h 5892104"/>
+              <a:gd name="connsiteX7" fmla="*/ 4268412 w 4381009"/>
+              <a:gd name="connsiteY7" fmla="*/ 756355 h 5892104"/>
+              <a:gd name="connsiteX8" fmla="*/ 4283467 w 4381009"/>
+              <a:gd name="connsiteY8" fmla="*/ 892563 h 5892104"/>
+              <a:gd name="connsiteX9" fmla="*/ 4297737 w 4381009"/>
+              <a:gd name="connsiteY9" fmla="*/ 1030587 h 5892104"/>
+              <a:gd name="connsiteX10" fmla="*/ 4310754 w 4381009"/>
+              <a:gd name="connsiteY10" fmla="*/ 1168005 h 5892104"/>
+              <a:gd name="connsiteX11" fmla="*/ 4322045 w 4381009"/>
+              <a:gd name="connsiteY11" fmla="*/ 1303002 h 5892104"/>
+              <a:gd name="connsiteX12" fmla="*/ 4333336 w 4381009"/>
+              <a:gd name="connsiteY12" fmla="*/ 1439815 h 5892104"/>
+              <a:gd name="connsiteX13" fmla="*/ 4342745 w 4381009"/>
+              <a:gd name="connsiteY13" fmla="*/ 1574812 h 5892104"/>
+              <a:gd name="connsiteX14" fmla="*/ 4350115 w 4381009"/>
+              <a:gd name="connsiteY14" fmla="*/ 1709808 h 5892104"/>
+              <a:gd name="connsiteX15" fmla="*/ 4357799 w 4381009"/>
+              <a:gd name="connsiteY15" fmla="*/ 1844200 h 5892104"/>
+              <a:gd name="connsiteX16" fmla="*/ 4364229 w 4381009"/>
+              <a:gd name="connsiteY16" fmla="*/ 1977381 h 5892104"/>
+              <a:gd name="connsiteX17" fmla="*/ 4368777 w 4381009"/>
+              <a:gd name="connsiteY17" fmla="*/ 2109351 h 5892104"/>
+              <a:gd name="connsiteX18" fmla="*/ 4372697 w 4381009"/>
+              <a:gd name="connsiteY18" fmla="*/ 2241321 h 5892104"/>
+              <a:gd name="connsiteX19" fmla="*/ 4376461 w 4381009"/>
+              <a:gd name="connsiteY19" fmla="*/ 2372080 h 5892104"/>
+              <a:gd name="connsiteX20" fmla="*/ 4378186 w 4381009"/>
+              <a:gd name="connsiteY20" fmla="*/ 2501023 h 5892104"/>
+              <a:gd name="connsiteX21" fmla="*/ 4380068 w 4381009"/>
+              <a:gd name="connsiteY21" fmla="*/ 2629966 h 5892104"/>
+              <a:gd name="connsiteX22" fmla="*/ 4381009 w 4381009"/>
+              <a:gd name="connsiteY22" fmla="*/ 2757093 h 5892104"/>
+              <a:gd name="connsiteX23" fmla="*/ 4380068 w 4381009"/>
+              <a:gd name="connsiteY23" fmla="*/ 2883010 h 5892104"/>
+              <a:gd name="connsiteX24" fmla="*/ 4380068 w 4381009"/>
+              <a:gd name="connsiteY24" fmla="*/ 3007715 h 5892104"/>
+              <a:gd name="connsiteX25" fmla="*/ 4378186 w 4381009"/>
+              <a:gd name="connsiteY25" fmla="*/ 3131210 h 5892104"/>
+              <a:gd name="connsiteX26" fmla="*/ 4375363 w 4381009"/>
+              <a:gd name="connsiteY26" fmla="*/ 3252283 h 5892104"/>
+              <a:gd name="connsiteX27" fmla="*/ 4372697 w 4381009"/>
+              <a:gd name="connsiteY27" fmla="*/ 3372146 h 5892104"/>
+              <a:gd name="connsiteX28" fmla="*/ 4369718 w 4381009"/>
+              <a:gd name="connsiteY28" fmla="*/ 3489587 h 5892104"/>
+              <a:gd name="connsiteX29" fmla="*/ 4365170 w 4381009"/>
+              <a:gd name="connsiteY29" fmla="*/ 3606423 h 5892104"/>
+              <a:gd name="connsiteX30" fmla="*/ 4360309 w 4381009"/>
+              <a:gd name="connsiteY30" fmla="*/ 3721443 h 5892104"/>
+              <a:gd name="connsiteX31" fmla="*/ 4355918 w 4381009"/>
+              <a:gd name="connsiteY31" fmla="*/ 3834041 h 5892104"/>
+              <a:gd name="connsiteX32" fmla="*/ 4343529 w 4381009"/>
+              <a:gd name="connsiteY32" fmla="*/ 4053789 h 5892104"/>
+              <a:gd name="connsiteX33" fmla="*/ 4330356 w 4381009"/>
+              <a:gd name="connsiteY33" fmla="*/ 4264457 h 5892104"/>
+              <a:gd name="connsiteX34" fmla="*/ 4316556 w 4381009"/>
+              <a:gd name="connsiteY34" fmla="*/ 4466650 h 5892104"/>
+              <a:gd name="connsiteX35" fmla="*/ 4301344 w 4381009"/>
+              <a:gd name="connsiteY35" fmla="*/ 4657946 h 5892104"/>
+              <a:gd name="connsiteX36" fmla="*/ 4285506 w 4381009"/>
+              <a:gd name="connsiteY36" fmla="*/ 4840767 h 5892104"/>
+              <a:gd name="connsiteX37" fmla="*/ 4268412 w 4381009"/>
+              <a:gd name="connsiteY37" fmla="*/ 5010269 h 5892104"/>
+              <a:gd name="connsiteX38" fmla="*/ 4251633 w 4381009"/>
+              <a:gd name="connsiteY38" fmla="*/ 5169481 h 5892104"/>
+              <a:gd name="connsiteX39" fmla="*/ 4234853 w 4381009"/>
+              <a:gd name="connsiteY39" fmla="*/ 5315980 h 5892104"/>
+              <a:gd name="connsiteX40" fmla="*/ 4219014 w 4381009"/>
+              <a:gd name="connsiteY40" fmla="*/ 5450371 h 5892104"/>
+              <a:gd name="connsiteX41" fmla="*/ 4203959 w 4381009"/>
+              <a:gd name="connsiteY41" fmla="*/ 5569628 h 5892104"/>
+              <a:gd name="connsiteX42" fmla="*/ 4189689 w 4381009"/>
+              <a:gd name="connsiteY42" fmla="*/ 5677384 h 5892104"/>
+              <a:gd name="connsiteX43" fmla="*/ 4177770 w 4381009"/>
+              <a:gd name="connsiteY43" fmla="*/ 5768189 h 5892104"/>
+              <a:gd name="connsiteX44" fmla="*/ 4166479 w 4381009"/>
+              <a:gd name="connsiteY44" fmla="*/ 5844465 h 5892104"/>
+              <a:gd name="connsiteX45" fmla="*/ 4159132 w 4381009"/>
+              <a:gd name="connsiteY45" fmla="*/ 5892104 h 5892104"/>
+              <a:gd name="connsiteX46" fmla="*/ 0 w 4381009"/>
+              <a:gd name="connsiteY46" fmla="*/ 5892104 h 5892104"/>
+            </a:gdLst>
+            <a:ahLst/>
+            <a:cxnLst>
+              <a:cxn ang="0">
+                <a:pos x="connsiteX0" y="connsiteY0"/>
+              </a:cxn>
+              <a:cxn ang="0">
+                <a:pos x="connsiteX1" y="connsiteY1"/>
+              </a:cxn>
+              <a:cxn ang="0">
+                <a:pos x="connsiteX2" y="connsiteY2"/>
+              </a:cxn>
+              <a:cxn ang="0">
+                <a:pos x="connsiteX3" y="connsiteY3"/>
+              </a:cxn>
+              <a:cxn ang="0">
+                <a:pos x="connsiteX4" y="connsiteY4"/>
+              </a:cxn>
+              <a:cxn ang="0">
+                <a:pos x="connsiteX5" y="connsiteY5"/>
+              </a:cxn>
+              <a:cxn ang="0">
+                <a:pos x="connsiteX6" y="connsiteY6"/>
+              </a:cxn>
+              <a:cxn ang="0">
+                <a:pos x="connsiteX7" y="connsiteY7"/>
+              </a:cxn>
+              <a:cxn ang="0">
+                <a:pos x="connsiteX8" y="connsiteY8"/>
+              </a:cxn>
+              <a:cxn ang="0">
+                <a:pos x="connsiteX9" y="connsiteY9"/>
+              </a:cxn>
+              <a:cxn ang="0">
+                <a:pos x="connsiteX10" y="connsiteY10"/>
+              </a:cxn>
+              <a:cxn ang="0">
+                <a:pos x="connsiteX11" y="connsiteY11"/>
+              </a:cxn>
+              <a:cxn ang="0">
+                <a:pos x="connsiteX12" y="connsiteY12"/>
+              </a:cxn>
+              <a:cxn ang="0">
+                <a:pos x="connsiteX13" y="connsiteY13"/>
+              </a:cxn>
+              <a:cxn ang="0">
+                <a:pos x="connsiteX14" y="connsiteY14"/>
+              </a:cxn>
+              <a:cxn ang="0">
+                <a:pos x="connsiteX15" y="connsiteY15"/>
+              </a:cxn>
+              <a:cxn ang="0">
+                <a:pos x="connsiteX16" y="connsiteY16"/>
+              </a:cxn>
+              <a:cxn ang="0">
+                <a:pos x="connsiteX17" y="connsiteY17"/>
+              </a:cxn>
+              <a:cxn ang="0">
+                <a:pos x="connsiteX18" y="connsiteY18"/>
+              </a:cxn>
+              <a:cxn ang="0">
+                <a:pos x="connsiteX19" y="connsiteY19"/>
+              </a:cxn>
+              <a:cxn ang="0">
+                <a:pos x="connsiteX20" y="connsiteY20"/>
+              </a:cxn>
+              <a:cxn ang="0">
+                <a:pos x="connsiteX21" y="connsiteY21"/>
+              </a:cxn>
+              <a:cxn ang="0">
+                <a:pos x="connsiteX22" y="connsiteY22"/>
+              </a:cxn>
+              <a:cxn ang="0">
+                <a:pos x="connsiteX23" y="connsiteY23"/>
+              </a:cxn>
+              <a:cxn ang="0">
+                <a:pos x="connsiteX24" y="connsiteY24"/>
+              </a:cxn>
+              <a:cxn ang="0">
+                <a:pos x="connsiteX25" y="connsiteY25"/>
+              </a:cxn>
+              <a:cxn ang="0">
+                <a:pos x="connsiteX26" y="connsiteY26"/>
+              </a:cxn>
+              <a:cxn ang="0">
+                <a:pos x="connsiteX27" y="connsiteY27"/>
+              </a:cxn>
+              <a:cxn ang="0">
+                <a:pos x="connsiteX28" y="connsiteY28"/>
+              </a:cxn>
+              <a:cxn ang="0">
+                <a:pos x="connsiteX29" y="connsiteY29"/>
+              </a:cxn>
+              <a:cxn ang="0">
+                <a:pos x="connsiteX30" y="connsiteY30"/>
+              </a:cxn>
+              <a:cxn ang="0">
+                <a:pos x="connsiteX31" y="connsiteY31"/>
+              </a:cxn>
+              <a:cxn ang="0">
+                <a:pos x="connsiteX32" y="connsiteY32"/>
+              </a:cxn>
+              <a:cxn ang="0">
+                <a:pos x="connsiteX33" y="connsiteY33"/>
+              </a:cxn>
+              <a:cxn ang="0">
+                <a:pos x="connsiteX34" y="connsiteY34"/>
+              </a:cxn>
+              <a:cxn ang="0">
+                <a:pos x="connsiteX35" y="connsiteY35"/>
+              </a:cxn>
+              <a:cxn ang="0">
+                <a:pos x="connsiteX36" y="connsiteY36"/>
+              </a:cxn>
+              <a:cxn ang="0">
+                <a:pos x="connsiteX37" y="connsiteY37"/>
+              </a:cxn>
+              <a:cxn ang="0">
+                <a:pos x="connsiteX38" y="connsiteY38"/>
+              </a:cxn>
+              <a:cxn ang="0">
+                <a:pos x="connsiteX39" y="connsiteY39"/>
+              </a:cxn>
+              <a:cxn ang="0">
+                <a:pos x="connsiteX40" y="connsiteY40"/>
+              </a:cxn>
+              <a:cxn ang="0">
+                <a:pos x="connsiteX41" y="connsiteY41"/>
+              </a:cxn>
+              <a:cxn ang="0">
+                <a:pos x="connsiteX42" y="connsiteY42"/>
+              </a:cxn>
+              <a:cxn ang="0">
+                <a:pos x="connsiteX43" y="connsiteY43"/>
+              </a:cxn>
+              <a:cxn ang="0">
+                <a:pos x="connsiteX44" y="connsiteY44"/>
+              </a:cxn>
+              <a:cxn ang="0">
+                <a:pos x="connsiteX45" y="connsiteY45"/>
+              </a:cxn>
+              <a:cxn ang="0">
+                <a:pos x="connsiteX46" y="connsiteY46"/>
+              </a:cxn>
+            </a:cxnLst>
+            <a:rect l="l" t="t" r="r" b="b"/>
+            <a:pathLst>
+              <a:path w="4381009" h="5892104">
+                <a:moveTo>
+                  <a:pt x="0" y="0"/>
+                </a:moveTo>
+                <a:lnTo>
+                  <a:pt x="4157628" y="0"/>
+                </a:lnTo>
+                <a:lnTo>
+                  <a:pt x="4169302" y="68659"/>
+                </a:lnTo>
+                <a:lnTo>
+                  <a:pt x="4191571" y="205472"/>
+                </a:lnTo>
+                <a:lnTo>
+                  <a:pt x="4213368" y="342890"/>
+                </a:lnTo>
+                <a:lnTo>
+                  <a:pt x="4232030" y="480913"/>
+                </a:lnTo>
+                <a:lnTo>
+                  <a:pt x="4250848" y="618332"/>
+                </a:lnTo>
+                <a:lnTo>
+                  <a:pt x="4268412" y="756355"/>
+                </a:lnTo>
+                <a:lnTo>
+                  <a:pt x="4283467" y="892563"/>
+                </a:lnTo>
+                <a:lnTo>
+                  <a:pt x="4297737" y="1030587"/>
+                </a:lnTo>
+                <a:lnTo>
+                  <a:pt x="4310754" y="1168005"/>
+                </a:lnTo>
+                <a:lnTo>
+                  <a:pt x="4322045" y="1303002"/>
+                </a:lnTo>
+                <a:lnTo>
+                  <a:pt x="4333336" y="1439815"/>
+                </a:lnTo>
+                <a:lnTo>
+                  <a:pt x="4342745" y="1574812"/>
+                </a:lnTo>
+                <a:lnTo>
+                  <a:pt x="4350115" y="1709808"/>
+                </a:lnTo>
+                <a:lnTo>
+                  <a:pt x="4357799" y="1844200"/>
+                </a:lnTo>
+                <a:lnTo>
+                  <a:pt x="4364229" y="1977381"/>
+                </a:lnTo>
+                <a:lnTo>
+                  <a:pt x="4368777" y="2109351"/>
+                </a:lnTo>
+                <a:lnTo>
+                  <a:pt x="4372697" y="2241321"/>
+                </a:lnTo>
+                <a:lnTo>
+                  <a:pt x="4376461" y="2372080"/>
+                </a:lnTo>
+                <a:lnTo>
+                  <a:pt x="4378186" y="2501023"/>
+                </a:lnTo>
+                <a:lnTo>
+                  <a:pt x="4380068" y="2629966"/>
+                </a:lnTo>
+                <a:lnTo>
+                  <a:pt x="4381009" y="2757093"/>
+                </a:lnTo>
+                <a:lnTo>
+                  <a:pt x="4380068" y="2883010"/>
+                </a:lnTo>
+                <a:lnTo>
+                  <a:pt x="4380068" y="3007715"/>
+                </a:lnTo>
+                <a:lnTo>
+                  <a:pt x="4378186" y="3131210"/>
+                </a:lnTo>
+                <a:lnTo>
+                  <a:pt x="4375363" y="3252283"/>
+                </a:lnTo>
+                <a:lnTo>
+                  <a:pt x="4372697" y="3372146"/>
+                </a:lnTo>
+                <a:lnTo>
+                  <a:pt x="4369718" y="3489587"/>
+                </a:lnTo>
+                <a:lnTo>
+                  <a:pt x="4365170" y="3606423"/>
+                </a:lnTo>
+                <a:lnTo>
+                  <a:pt x="4360309" y="3721443"/>
+                </a:lnTo>
+                <a:lnTo>
+                  <a:pt x="4355918" y="3834041"/>
+                </a:lnTo>
+                <a:lnTo>
+                  <a:pt x="4343529" y="4053789"/>
+                </a:lnTo>
+                <a:lnTo>
+                  <a:pt x="4330356" y="4264457"/>
+                </a:lnTo>
+                <a:lnTo>
+                  <a:pt x="4316556" y="4466650"/>
+                </a:lnTo>
+                <a:lnTo>
+                  <a:pt x="4301344" y="4657946"/>
+                </a:lnTo>
+                <a:lnTo>
+                  <a:pt x="4285506" y="4840767"/>
+                </a:lnTo>
+                <a:lnTo>
+                  <a:pt x="4268412" y="5010269"/>
+                </a:lnTo>
+                <a:lnTo>
+                  <a:pt x="4251633" y="5169481"/>
+                </a:lnTo>
+                <a:lnTo>
+                  <a:pt x="4234853" y="5315980"/>
+                </a:lnTo>
+                <a:lnTo>
+                  <a:pt x="4219014" y="5450371"/>
+                </a:lnTo>
+                <a:lnTo>
+                  <a:pt x="4203959" y="5569628"/>
+                </a:lnTo>
+                <a:lnTo>
+                  <a:pt x="4189689" y="5677384"/>
+                </a:lnTo>
+                <a:lnTo>
+                  <a:pt x="4177770" y="5768189"/>
+                </a:lnTo>
+                <a:lnTo>
+                  <a:pt x="4166479" y="5844465"/>
+                </a:lnTo>
+                <a:lnTo>
+                  <a:pt x="4159132" y="5892104"/>
+                </a:lnTo>
+                <a:lnTo>
+                  <a:pt x="0" y="5892104"/>
+                </a:lnTo>
+                <a:close/>
+              </a:path>
+            </a:pathLst>
+          </a:custGeom>
+          <a:solidFill>
+            <a:srgbClr val="404040"/>
+          </a:solidFill>
+          <a:ln>
+            <a:noFill/>
+          </a:ln>
+        </p:spPr>
+        <p:style>
+          <a:lnRef idx="2">
+            <a:schemeClr val="accent1">
+              <a:shade val="50000"/>
+            </a:schemeClr>
+          </a:lnRef>
+          <a:fillRef idx="1">
+            <a:schemeClr val="accent1"/>
+          </a:fillRef>
+          <a:effectRef idx="0">
+            <a:schemeClr val="accent1"/>
+          </a:effectRef>
+          <a:fontRef idx="minor">
+            <a:schemeClr val="lt1"/>
+          </a:fontRef>
+        </p:style>
+        <p:txBody>
+          <a:bodyPr wrap="square" rtlCol="0" anchor="ctr">
+            <a:noAutofit/>
+          </a:bodyPr>
+          <a:lstStyle/>
+          <a:p>
+            <a:pPr marL="0" marR="0" lvl="0" indent="0" algn="ctr" defTabSz="457200" rtl="0" eaLnBrk="1" fontAlgn="auto" latinLnBrk="0" hangingPunct="1">
+              <a:lnSpc>
+                <a:spcPct val="100000"/>
+              </a:lnSpc>
+              <a:spcBef>
+                <a:spcPts val="0"/>
+              </a:spcBef>
+              <a:spcAft>
+                <a:spcPts val="0"/>
+              </a:spcAft>
+              <a:buClrTx/>
+              <a:buSzTx/>
+              <a:buFontTx/>
+              <a:buNone/>
+              <a:tabLst/>
+              <a:defRPr/>
+            </a:pPr>
+            <a:endParaRPr kumimoji="0" lang="en-US" sz="1800" b="0" i="0" u="none" strike="noStrike" kern="1200" cap="none" spc="0" normalizeH="0" baseline="0" noProof="0">
+              <a:ln>
+                <a:noFill/>
+              </a:ln>
+              <a:solidFill>
+                <a:prstClr val="white"/>
+              </a:solidFill>
+              <a:effectLst/>
+              <a:uLnTx/>
+              <a:uFillTx/>
+              <a:latin typeface="Calibri" panose="020F0502020204030204"/>
+              <a:ea typeface="+mn-ea"/>
+              <a:cs typeface="+mn-cs"/>
+            </a:endParaRPr>
+          </a:p>
+        </p:txBody>
+      </p:sp>
+      <p:sp>
+        <p:nvSpPr>
+          <p:cNvPr id="2" name="Title 1">
+            <a:extLst>
+              <a:ext uri="{FF2B5EF4-FFF2-40B4-BE49-F238E27FC236}">
+                <a16:creationId xmlns:a16="http://schemas.microsoft.com/office/drawing/2014/main" id="{7BCFBBAE-278B-45A5-84F1-3E00D7C59A56}"/>
+              </a:ext>
+            </a:extLst>
+          </p:cNvPr>
+          <p:cNvSpPr>
+            <a:spLocks noGrp="1"/>
+          </p:cNvSpPr>
+          <p:nvPr>
+            <p:ph type="title"/>
+          </p:nvPr>
+        </p:nvSpPr>
+        <p:spPr>
+          <a:xfrm>
+            <a:off x="863029" y="1012004"/>
+            <a:ext cx="3416158" cy="4795408"/>
+          </a:xfrm>
+        </p:spPr>
+        <p:txBody>
+          <a:bodyPr>
+            <a:normAutofit/>
+          </a:bodyPr>
+          <a:lstStyle/>
+          <a:p>
+            <a:r>
+              <a:rPr lang="en-US" sz="4100" dirty="0">
+                <a:solidFill>
+                  <a:srgbClr val="FFFFFF"/>
+                </a:solidFill>
+                <a:cs typeface="Calibri Light"/>
+              </a:rPr>
+              <a:t>Authentication for </a:t>
+            </a:r>
+            <a:r>
+              <a:rPr lang="en-US" sz="4100" dirty="0" err="1">
+                <a:solidFill>
+                  <a:srgbClr val="FFFFFF"/>
+                </a:solidFill>
+                <a:cs typeface="Calibri Light"/>
+              </a:rPr>
+              <a:t>MovieDB</a:t>
+            </a:r>
+            <a:endParaRPr lang="en-US" sz="4100" dirty="0">
+              <a:solidFill>
+                <a:srgbClr val="FFFFFF"/>
+              </a:solidFill>
+            </a:endParaRPr>
+          </a:p>
+        </p:txBody>
+      </p:sp>
+      <p:graphicFrame>
+        <p:nvGraphicFramePr>
+          <p:cNvPr id="7" name="Content Placeholder 2">
+            <a:extLst>
+              <a:ext uri="{FF2B5EF4-FFF2-40B4-BE49-F238E27FC236}">
+                <a16:creationId xmlns:a16="http://schemas.microsoft.com/office/drawing/2014/main" id="{AEAE95A2-4D7D-4AA6-B8BC-4012A70BA55F}"/>
+              </a:ext>
+            </a:extLst>
+          </p:cNvPr>
+          <p:cNvGraphicFramePr>
+            <a:graphicFrameLocks noGrp="1"/>
+          </p:cNvGraphicFramePr>
+          <p:nvPr>
+            <p:ph idx="1"/>
+            <p:extLst>
+              <p:ext uri="{D42A27DB-BD31-4B8C-83A1-F6EECF244321}">
+                <p14:modId xmlns:p14="http://schemas.microsoft.com/office/powerpoint/2010/main" val="1468036087"/>
+              </p:ext>
+            </p:extLst>
+          </p:nvPr>
+        </p:nvGraphicFramePr>
+        <p:xfrm>
+          <a:off x="5194300" y="470924"/>
+          <a:ext cx="6513604" cy="5885426"/>
+        </p:xfrm>
+        <a:graphic>
+          <a:graphicData uri="http://schemas.openxmlformats.org/drawingml/2006/diagram">
+            <dgm:relIds xmlns:dgm="http://schemas.openxmlformats.org/drawingml/2006/diagram" xmlns:r="http://schemas.openxmlformats.org/officeDocument/2006/relationships" r:dm="rId2" r:lo="rId3" r:qs="rId4" r:cs="rId5"/>
+          </a:graphicData>
+        </a:graphic>
+      </p:graphicFrame>
+    </p:spTree>
+    <p:extLst>
+      <p:ext uri="{BB962C8B-B14F-4D97-AF65-F5344CB8AC3E}">
+        <p14:creationId xmlns:p14="http://schemas.microsoft.com/office/powerpoint/2010/main" val="2258366621"/>
+      </p:ext>
+    </p:extLst>
+  </p:cSld>
+  <p:clrMapOvr>
+    <a:masterClrMapping/>
+  </p:clrMapOvr>
+</p:sld>
+</file>
+
+<file path=ppt/slides/slide30.xml><?xml version="1.0" encoding="utf-8"?>
 <p:sld xmlns:a="http://schemas.openxmlformats.org/drawingml/2006/main" xmlns:r="http://schemas.openxmlformats.org/officeDocument/2006/relationships" xmlns:p="http://schemas.openxmlformats.org/presentationml/2006/main">
   <p:cSld>
     <p:bg>
@@ -19008,7 +22989,7 @@
               <a:rPr lang="en-US" sz="2400" dirty="0">
                 <a:cs typeface="Calibri"/>
               </a:rPr>
-              <a:t>Create a Authentication Context in </a:t>
+              <a:t>Create an Authentication Context in </a:t>
             </a:r>
             <a:r>
               <a:rPr lang="en-US" sz="2400" dirty="0" err="1">
@@ -19052,10 +23033,10 @@
       </p:sp>
       <p:pic>
         <p:nvPicPr>
-          <p:cNvPr id="4" name="Picture 3">
+          <p:cNvPr id="6" name="Picture 5">
             <a:extLst>
               <a:ext uri="{FF2B5EF4-FFF2-40B4-BE49-F238E27FC236}">
-                <a16:creationId xmlns:a16="http://schemas.microsoft.com/office/drawing/2014/main" id="{8A488520-F3FE-4397-9FA5-0A2C76B51C4F}"/>
+                <a16:creationId xmlns:a16="http://schemas.microsoft.com/office/drawing/2014/main" id="{24B86253-ED8A-4662-8742-C5627D961823}"/>
               </a:ext>
             </a:extLst>
           </p:cNvPr>
@@ -19072,8 +23053,8 @@
         </p:blipFill>
         <p:spPr>
           <a:xfrm>
-            <a:off x="5373974" y="480628"/>
-            <a:ext cx="6283858" cy="5896744"/>
+            <a:off x="6376337" y="856050"/>
+            <a:ext cx="5162550" cy="4619625"/>
           </a:xfrm>
           <a:prstGeom prst="rect">
             <a:avLst/>
@@ -19270,7 +23251,7 @@
 </p:sld>
 </file>
 
-<file path=ppt/slides/slide32.xml><?xml version="1.0" encoding="utf-8"?>
+<file path=ppt/slides/slide31.xml><?xml version="1.0" encoding="utf-8"?>
 <p:sld xmlns:a="http://schemas.openxmlformats.org/drawingml/2006/main" xmlns:r="http://schemas.openxmlformats.org/officeDocument/2006/relationships" xmlns:p="http://schemas.openxmlformats.org/presentationml/2006/main">
   <p:cSld>
     <p:spTree>
@@ -19287,6 +23268,36 @@
           <a:chExt cx="0" cy="0"/>
         </a:xfrm>
       </p:grpSpPr>
+      <p:pic>
+        <p:nvPicPr>
+          <p:cNvPr id="10" name="Picture 9">
+            <a:extLst>
+              <a:ext uri="{FF2B5EF4-FFF2-40B4-BE49-F238E27FC236}">
+                <a16:creationId xmlns:a16="http://schemas.microsoft.com/office/drawing/2014/main" id="{99B49EF9-065E-4485-9FB3-26F39F1B4DC7}"/>
+              </a:ext>
+            </a:extLst>
+          </p:cNvPr>
+          <p:cNvPicPr>
+            <a:picLocks noChangeAspect="1"/>
+          </p:cNvPicPr>
+          <p:nvPr/>
+        </p:nvPicPr>
+        <p:blipFill>
+          <a:blip r:embed="rId2"/>
+          <a:stretch>
+            <a:fillRect/>
+          </a:stretch>
+        </p:blipFill>
+        <p:spPr>
+          <a:xfrm>
+            <a:off x="523624" y="1476088"/>
+            <a:ext cx="4695825" cy="4895850"/>
+          </a:xfrm>
+          <a:prstGeom prst="rect">
+            <a:avLst/>
+          </a:prstGeom>
+        </p:spPr>
+      </p:pic>
       <p:sp>
         <p:nvSpPr>
           <p:cNvPr id="2" name="Title 1">
@@ -19315,67 +23326,12 @@
           </a:p>
         </p:txBody>
       </p:sp>
-      <p:sp>
-        <p:nvSpPr>
-          <p:cNvPr id="3" name="Content Placeholder 2">
+      <p:pic>
+        <p:nvPicPr>
+          <p:cNvPr id="12" name="Picture 11">
             <a:extLst>
               <a:ext uri="{FF2B5EF4-FFF2-40B4-BE49-F238E27FC236}">
-                <a16:creationId xmlns:a16="http://schemas.microsoft.com/office/drawing/2014/main" id="{C48AF6A5-C25C-44FF-BE8B-73B43AAA3DBE}"/>
-              </a:ext>
-            </a:extLst>
-          </p:cNvPr>
-          <p:cNvSpPr>
-            <a:spLocks noGrp="1"/>
-          </p:cNvSpPr>
-          <p:nvPr>
-            <p:ph idx="1"/>
-          </p:nvPr>
-        </p:nvSpPr>
-        <p:spPr/>
-        <p:txBody>
-          <a:bodyPr/>
-          <a:lstStyle/>
-          <a:p>
-            <a:endParaRPr lang="en-IE"/>
-          </a:p>
-        </p:txBody>
-      </p:sp>
-      <p:pic>
-        <p:nvPicPr>
-          <p:cNvPr id="4" name="Picture 3">
-            <a:extLst>
-              <a:ext uri="{FF2B5EF4-FFF2-40B4-BE49-F238E27FC236}">
-                <a16:creationId xmlns:a16="http://schemas.microsoft.com/office/drawing/2014/main" id="{48027086-F1DB-48CD-91B0-6D5385F932FB}"/>
-              </a:ext>
-            </a:extLst>
-          </p:cNvPr>
-          <p:cNvPicPr>
-            <a:picLocks noChangeAspect="1"/>
-          </p:cNvPicPr>
-          <p:nvPr/>
-        </p:nvPicPr>
-        <p:blipFill>
-          <a:blip r:embed="rId2"/>
-          <a:stretch>
-            <a:fillRect/>
-          </a:stretch>
-        </p:blipFill>
-        <p:spPr>
-          <a:xfrm>
-            <a:off x="256592" y="1424507"/>
-            <a:ext cx="6136885" cy="4211281"/>
-          </a:xfrm>
-          <a:prstGeom prst="rect">
-            <a:avLst/>
-          </a:prstGeom>
-        </p:spPr>
-      </p:pic>
-      <p:pic>
-        <p:nvPicPr>
-          <p:cNvPr id="5" name="Picture 4">
-            <a:extLst>
-              <a:ext uri="{FF2B5EF4-FFF2-40B4-BE49-F238E27FC236}">
-                <a16:creationId xmlns:a16="http://schemas.microsoft.com/office/drawing/2014/main" id="{434F632B-87EF-4987-A7B0-FE6B9513D581}"/>
+                <a16:creationId xmlns:a16="http://schemas.microsoft.com/office/drawing/2014/main" id="{4C762C7F-29A4-4CA3-A5FB-888E5C4538B1}"/>
               </a:ext>
             </a:extLst>
           </p:cNvPr>
@@ -19392,8 +23348,8 @@
         </p:blipFill>
         <p:spPr>
           <a:xfrm>
-            <a:off x="4953583" y="2111375"/>
-            <a:ext cx="6981825" cy="4381500"/>
+            <a:off x="5595759" y="1476088"/>
+            <a:ext cx="5276850" cy="4086225"/>
           </a:xfrm>
           <a:prstGeom prst="rect">
             <a:avLst/>
@@ -19414,15 +23370,15 @@
         </p:nvSpPr>
         <p:spPr>
           <a:xfrm>
-            <a:off x="2381444" y="2937604"/>
+            <a:off x="3130839" y="4760674"/>
             <a:ext cx="1917018" cy="2127380"/>
           </a:xfrm>
           <a:prstGeom prst="borderCallout1">
             <a:avLst>
               <a:gd name="adj1" fmla="val 9933"/>
               <a:gd name="adj2" fmla="val 108392"/>
-              <a:gd name="adj3" fmla="val -27468"/>
-              <a:gd name="adj4" fmla="val 262124"/>
+              <a:gd name="adj3" fmla="val -129915"/>
+              <a:gd name="adj4" fmla="val 254234"/>
             </a:avLst>
           </a:prstGeom>
         </p:spPr>
@@ -19467,7 +23423,7 @@
 </p:sld>
 </file>
 
-<file path=ppt/slides/slide33.xml><?xml version="1.0" encoding="utf-8"?>
+<file path=ppt/slides/slide32.xml><?xml version="1.0" encoding="utf-8"?>
 <p:sld xmlns:a="http://schemas.openxmlformats.org/drawingml/2006/main" xmlns:r="http://schemas.openxmlformats.org/officeDocument/2006/relationships" xmlns:p="http://schemas.openxmlformats.org/presentationml/2006/main">
   <p:cSld>
     <p:bg>
@@ -19494,6 +23450,36 @@
       </p:grpSpPr>
       <p:pic>
         <p:nvPicPr>
+          <p:cNvPr id="6" name="Picture 5">
+            <a:extLst>
+              <a:ext uri="{FF2B5EF4-FFF2-40B4-BE49-F238E27FC236}">
+                <a16:creationId xmlns:a16="http://schemas.microsoft.com/office/drawing/2014/main" id="{A8640426-80C0-40A0-B837-9690E3C763B4}"/>
+              </a:ext>
+            </a:extLst>
+          </p:cNvPr>
+          <p:cNvPicPr>
+            <a:picLocks noChangeAspect="1"/>
+          </p:cNvPicPr>
+          <p:nvPr/>
+        </p:nvPicPr>
+        <p:blipFill>
+          <a:blip r:embed="rId3"/>
+          <a:stretch>
+            <a:fillRect/>
+          </a:stretch>
+        </p:blipFill>
+        <p:spPr>
+          <a:xfrm>
+            <a:off x="7621673" y="102196"/>
+            <a:ext cx="4562228" cy="4074931"/>
+          </a:xfrm>
+          <a:prstGeom prst="rect">
+            <a:avLst/>
+          </a:prstGeom>
+        </p:spPr>
+      </p:pic>
+      <p:pic>
+        <p:nvPicPr>
           <p:cNvPr id="12" name="Picture 11">
             <a:extLst>
               <a:ext uri="{FF2B5EF4-FFF2-40B4-BE49-F238E27FC236}">
@@ -19507,7 +23493,7 @@
           <p:nvPr/>
         </p:nvPicPr>
         <p:blipFill>
-          <a:blip r:embed="rId3"/>
+          <a:blip r:embed="rId4"/>
           <a:stretch>
             <a:fillRect/>
           </a:stretch>
@@ -19651,17 +23637,9 @@
           </a:bodyPr>
           <a:lstStyle/>
           <a:p>
-            <a:r>
-              <a:rPr lang="en-US" sz="2400" dirty="0">
-                <a:cs typeface="Calibri"/>
-              </a:rPr>
-              <a:t>Add to App router (in index.js)</a:t>
-            </a:r>
-            <a:endParaRPr lang="en-US" dirty="0">
-              <a:cs typeface="Calibri"/>
-            </a:endParaRPr>
-          </a:p>
-          <a:p>
+            <a:pPr marL="0" indent="0">
+              <a:buNone/>
+            </a:pPr>
             <a:endParaRPr lang="en-US" sz="2400" dirty="0">
               <a:cs typeface="Calibri"/>
             </a:endParaRPr>
@@ -19827,7 +23805,7 @@
           <p:nvPr/>
         </p:nvPicPr>
         <p:blipFill>
-          <a:blip r:embed="rId4"/>
+          <a:blip r:embed="rId5"/>
           <a:stretch>
             <a:fillRect/>
           </a:stretch>
@@ -19836,36 +23814,6 @@
           <a:xfrm>
             <a:off x="8278047" y="3854611"/>
             <a:ext cx="3092438" cy="3003389"/>
-          </a:xfrm>
-          <a:prstGeom prst="rect">
-            <a:avLst/>
-          </a:prstGeom>
-        </p:spPr>
-      </p:pic>
-      <p:pic>
-        <p:nvPicPr>
-          <p:cNvPr id="7" name="Picture 6">
-            <a:extLst>
-              <a:ext uri="{FF2B5EF4-FFF2-40B4-BE49-F238E27FC236}">
-                <a16:creationId xmlns:a16="http://schemas.microsoft.com/office/drawing/2014/main" id="{E9EA660F-E9BD-4E02-B605-B79560149E48}"/>
-              </a:ext>
-            </a:extLst>
-          </p:cNvPr>
-          <p:cNvPicPr>
-            <a:picLocks noChangeAspect="1"/>
-          </p:cNvPicPr>
-          <p:nvPr/>
-        </p:nvPicPr>
-        <p:blipFill>
-          <a:blip r:embed="rId5"/>
-          <a:stretch>
-            <a:fillRect/>
-          </a:stretch>
-        </p:blipFill>
-        <p:spPr>
-          <a:xfrm>
-            <a:off x="8208239" y="147559"/>
-            <a:ext cx="3232053" cy="3395778"/>
           </a:xfrm>
           <a:prstGeom prst="rect">
             <a:avLst/>
@@ -19933,10 +23881,15 @@
                             </p:stCondLst>
                             <p:childTnLst>
                               <p:par>
-                                <p:cTn id="5" presetID="10" presetClass="entr" presetSubtype="0" fill="hold" nodeType="clickEffect">
+                                <p:cTn id="5" presetID="10" presetClass="entr" presetSubtype="0" fill="hold" nodeType="clickEffect" nodePh="1">
                                   <p:stCondLst>
                                     <p:cond delay="0"/>
                                   </p:stCondLst>
+                                  <p:endCondLst>
+                                    <p:cond evt="begin" delay="0">
+                                      <p:tn val="5"/>
+                                    </p:cond>
+                                  </p:endCondLst>
                                   <p:childTnLst>
                                     <p:set>
                                       <p:cBhvr>
@@ -20134,7 +24087,7 @@
 </p:sld>
 </file>
 
-<file path=ppt/slides/slide34.xml><?xml version="1.0" encoding="utf-8"?>
+<file path=ppt/slides/slide33.xml><?xml version="1.0" encoding="utf-8"?>
 <p:sld xmlns:a="http://schemas.openxmlformats.org/drawingml/2006/main" xmlns:r="http://schemas.openxmlformats.org/officeDocument/2006/relationships" xmlns:p="http://schemas.openxmlformats.org/presentationml/2006/main">
   <p:cSld>
     <p:spTree>
@@ -20844,6 +24797,605 @@
       </p:grpSpPr>
       <p:sp>
         <p:nvSpPr>
+          <p:cNvPr id="2" name="Title 1">
+            <a:extLst>
+              <a:ext uri="{FF2B5EF4-FFF2-40B4-BE49-F238E27FC236}">
+                <a16:creationId xmlns:a16="http://schemas.microsoft.com/office/drawing/2014/main" id="{7AEA2702-980A-4BE2-B19B-50447F53442B}"/>
+              </a:ext>
+            </a:extLst>
+          </p:cNvPr>
+          <p:cNvSpPr>
+            <a:spLocks noGrp="1"/>
+          </p:cNvSpPr>
+          <p:nvPr>
+            <p:ph type="title"/>
+          </p:nvPr>
+        </p:nvSpPr>
+        <p:spPr>
+          <a:xfrm>
+            <a:off x="648929" y="629266"/>
+            <a:ext cx="3505495" cy="1622321"/>
+          </a:xfrm>
+        </p:spPr>
+        <p:txBody>
+          <a:bodyPr>
+            <a:normAutofit/>
+          </a:bodyPr>
+          <a:lstStyle/>
+          <a:p>
+            <a:r>
+              <a:rPr lang="en-US" sz="4100">
+                <a:cs typeface="Calibri Light"/>
+              </a:rPr>
+              <a:t>Authentication options</a:t>
+            </a:r>
+            <a:endParaRPr lang="en-US" sz="4100"/>
+          </a:p>
+        </p:txBody>
+      </p:sp>
+      <p:sp>
+        <p:nvSpPr>
+          <p:cNvPr id="3" name="Content Placeholder 2">
+            <a:extLst>
+              <a:ext uri="{FF2B5EF4-FFF2-40B4-BE49-F238E27FC236}">
+                <a16:creationId xmlns:a16="http://schemas.microsoft.com/office/drawing/2014/main" id="{C100E089-E0BF-47C6-89DB-3E1B3DDA74E7}"/>
+              </a:ext>
+            </a:extLst>
+          </p:cNvPr>
+          <p:cNvSpPr>
+            <a:spLocks noGrp="1"/>
+          </p:cNvSpPr>
+          <p:nvPr>
+            <p:ph idx="1"/>
+          </p:nvPr>
+        </p:nvSpPr>
+        <p:spPr>
+          <a:xfrm>
+            <a:off x="648931" y="2438400"/>
+            <a:ext cx="3505494" cy="3785419"/>
+          </a:xfrm>
+        </p:spPr>
+        <p:txBody>
+          <a:bodyPr vert="horz" lIns="91440" tIns="45720" rIns="91440" bIns="45720" rtlCol="0" anchor="t">
+            <a:normAutofit fontScale="92500" lnSpcReduction="20000"/>
+          </a:bodyPr>
+          <a:lstStyle/>
+          <a:p>
+            <a:r>
+              <a:rPr lang="en-US" sz="2000" dirty="0">
+                <a:cs typeface="Calibri"/>
+              </a:rPr>
+              <a:t>Many solutions for Auth</a:t>
+            </a:r>
+          </a:p>
+          <a:p>
+            <a:pPr lvl="1"/>
+            <a:r>
+              <a:rPr lang="en-US" sz="2000" dirty="0">
+                <a:cs typeface="Calibri"/>
+              </a:rPr>
+              <a:t>Cookies, basic-auth, JWT, </a:t>
+            </a:r>
+            <a:r>
+              <a:rPr lang="en-US" sz="2000" dirty="0" err="1">
+                <a:cs typeface="Calibri"/>
+              </a:rPr>
+              <a:t>Oauth</a:t>
+            </a:r>
+            <a:r>
+              <a:rPr lang="en-US" sz="2000" dirty="0">
+                <a:cs typeface="Calibri"/>
+              </a:rPr>
+              <a:t>.</a:t>
+            </a:r>
+          </a:p>
+          <a:p>
+            <a:pPr lvl="1"/>
+            <a:r>
+              <a:rPr lang="en-US" sz="2000" dirty="0">
+                <a:cs typeface="Calibri"/>
+              </a:rPr>
+              <a:t>Web-based Identity Federation/3</a:t>
+            </a:r>
+            <a:r>
+              <a:rPr lang="en-US" sz="2000" baseline="30000" dirty="0">
+                <a:cs typeface="Calibri"/>
+              </a:rPr>
+              <a:t>rd</a:t>
+            </a:r>
+            <a:r>
+              <a:rPr lang="en-US" sz="2000" dirty="0">
+                <a:cs typeface="Calibri"/>
+              </a:rPr>
+              <a:t> Party (Firebase)</a:t>
+            </a:r>
+          </a:p>
+          <a:p>
+            <a:r>
+              <a:rPr lang="en-US" sz="2000" dirty="0">
+                <a:cs typeface="Calibri"/>
+              </a:rPr>
+              <a:t>JSON Web Tokens (JWT) </a:t>
+            </a:r>
+          </a:p>
+          <a:p>
+            <a:pPr lvl="1"/>
+            <a:r>
+              <a:rPr lang="en-US" sz="2000" dirty="0">
+                <a:cs typeface="Calibri"/>
+              </a:rPr>
+              <a:t>Tokens means no need to keep sessions or cookies</a:t>
+            </a:r>
+          </a:p>
+          <a:p>
+            <a:pPr lvl="1"/>
+            <a:r>
+              <a:rPr lang="en-US" sz="2000" dirty="0">
+                <a:cs typeface="Calibri"/>
+              </a:rPr>
+              <a:t>In keeping with REST stateless principle – token sent on each request</a:t>
+            </a:r>
+          </a:p>
+          <a:p>
+            <a:pPr lvl="1"/>
+            <a:r>
+              <a:rPr lang="en-US" sz="2000" dirty="0">
+                <a:cs typeface="Calibri"/>
+              </a:rPr>
+              <a:t>Token stored on client, usually in local storage of client.</a:t>
+            </a:r>
+          </a:p>
+          <a:p>
+            <a:pPr marL="0" indent="0">
+              <a:buNone/>
+            </a:pPr>
+            <a:endParaRPr lang="en-US" sz="2000" dirty="0">
+              <a:cs typeface="Calibri"/>
+            </a:endParaRPr>
+          </a:p>
+          <a:p>
+            <a:endParaRPr lang="en-US" sz="2000" dirty="0">
+              <a:cs typeface="Calibri"/>
+            </a:endParaRPr>
+          </a:p>
+        </p:txBody>
+      </p:sp>
+      <p:pic>
+        <p:nvPicPr>
+          <p:cNvPr id="5" name="Picture 4" descr="A screenshot of a computer screen&#10;&#10;Description generated with very high confidence">
+            <a:extLst>
+              <a:ext uri="{FF2B5EF4-FFF2-40B4-BE49-F238E27FC236}">
+                <a16:creationId xmlns:a16="http://schemas.microsoft.com/office/drawing/2014/main" id="{76993D08-70D9-4BCE-872D-947FB5015507}"/>
+              </a:ext>
+            </a:extLst>
+          </p:cNvPr>
+          <p:cNvPicPr>
+            <a:picLocks noChangeAspect="1"/>
+          </p:cNvPicPr>
+          <p:nvPr/>
+        </p:nvPicPr>
+        <p:blipFill rotWithShape="1">
+          <a:blip r:embed="rId3"/>
+          <a:srcRect l="5041" t="17999" r="6816" b="8471"/>
+          <a:stretch/>
+        </p:blipFill>
+        <p:spPr>
+          <a:xfrm>
+            <a:off x="4040540" y="2330865"/>
+            <a:ext cx="7994073" cy="3751106"/>
+          </a:xfrm>
+          <a:prstGeom prst="rect">
+            <a:avLst/>
+          </a:prstGeom>
+        </p:spPr>
+      </p:pic>
+    </p:spTree>
+    <p:extLst>
+      <p:ext uri="{BB962C8B-B14F-4D97-AF65-F5344CB8AC3E}">
+        <p14:creationId xmlns:p14="http://schemas.microsoft.com/office/powerpoint/2010/main" val="3469585241"/>
+      </p:ext>
+    </p:extLst>
+  </p:cSld>
+  <p:clrMapOvr>
+    <a:masterClrMapping/>
+  </p:clrMapOvr>
+  <p:timing>
+    <p:tnLst>
+      <p:par>
+        <p:cTn id="1" dur="indefinite" restart="never" nodeType="tmRoot">
+          <p:childTnLst>
+            <p:seq concurrent="1" nextAc="seek">
+              <p:cTn id="2" dur="indefinite" nodeType="mainSeq">
+                <p:childTnLst>
+                  <p:par>
+                    <p:cTn id="3" fill="hold">
+                      <p:stCondLst>
+                        <p:cond delay="indefinite"/>
+                      </p:stCondLst>
+                      <p:childTnLst>
+                        <p:par>
+                          <p:cTn id="4" fill="hold">
+                            <p:stCondLst>
+                              <p:cond delay="0"/>
+                            </p:stCondLst>
+                            <p:childTnLst>
+                              <p:par>
+                                <p:cTn id="5" presetID="10" presetClass="entr" presetSubtype="0" fill="hold" nodeType="clickEffect">
+                                  <p:stCondLst>
+                                    <p:cond delay="0"/>
+                                  </p:stCondLst>
+                                  <p:childTnLst>
+                                    <p:set>
+                                      <p:cBhvr>
+                                        <p:cTn id="6" dur="1" fill="hold">
+                                          <p:stCondLst>
+                                            <p:cond delay="0"/>
+                                          </p:stCondLst>
+                                        </p:cTn>
+                                        <p:tgtEl>
+                                          <p:spTgt spid="3">
+                                            <p:txEl>
+                                              <p:pRg st="0" end="0"/>
+                                            </p:txEl>
+                                          </p:spTgt>
+                                        </p:tgtEl>
+                                        <p:attrNameLst>
+                                          <p:attrName>style.visibility</p:attrName>
+                                        </p:attrNameLst>
+                                      </p:cBhvr>
+                                      <p:to>
+                                        <p:strVal val="visible"/>
+                                      </p:to>
+                                    </p:set>
+                                    <p:animEffect transition="in" filter="fade">
+                                      <p:cBhvr>
+                                        <p:cTn id="7" dur="500"/>
+                                        <p:tgtEl>
+                                          <p:spTgt spid="3">
+                                            <p:txEl>
+                                              <p:pRg st="0" end="0"/>
+                                            </p:txEl>
+                                          </p:spTgt>
+                                        </p:tgtEl>
+                                      </p:cBhvr>
+                                    </p:animEffect>
+                                  </p:childTnLst>
+                                </p:cTn>
+                              </p:par>
+                              <p:par>
+                                <p:cTn id="8" presetID="10" presetClass="entr" presetSubtype="0" fill="hold" nodeType="withEffect">
+                                  <p:stCondLst>
+                                    <p:cond delay="0"/>
+                                  </p:stCondLst>
+                                  <p:childTnLst>
+                                    <p:set>
+                                      <p:cBhvr>
+                                        <p:cTn id="9" dur="1" fill="hold">
+                                          <p:stCondLst>
+                                            <p:cond delay="0"/>
+                                          </p:stCondLst>
+                                        </p:cTn>
+                                        <p:tgtEl>
+                                          <p:spTgt spid="3">
+                                            <p:txEl>
+                                              <p:pRg st="1" end="1"/>
+                                            </p:txEl>
+                                          </p:spTgt>
+                                        </p:tgtEl>
+                                        <p:attrNameLst>
+                                          <p:attrName>style.visibility</p:attrName>
+                                        </p:attrNameLst>
+                                      </p:cBhvr>
+                                      <p:to>
+                                        <p:strVal val="visible"/>
+                                      </p:to>
+                                    </p:set>
+                                    <p:animEffect transition="in" filter="fade">
+                                      <p:cBhvr>
+                                        <p:cTn id="10" dur="500"/>
+                                        <p:tgtEl>
+                                          <p:spTgt spid="3">
+                                            <p:txEl>
+                                              <p:pRg st="1" end="1"/>
+                                            </p:txEl>
+                                          </p:spTgt>
+                                        </p:tgtEl>
+                                      </p:cBhvr>
+                                    </p:animEffect>
+                                  </p:childTnLst>
+                                </p:cTn>
+                              </p:par>
+                              <p:par>
+                                <p:cTn id="11" presetID="10" presetClass="entr" presetSubtype="0" fill="hold" nodeType="withEffect">
+                                  <p:stCondLst>
+                                    <p:cond delay="0"/>
+                                  </p:stCondLst>
+                                  <p:childTnLst>
+                                    <p:set>
+                                      <p:cBhvr>
+                                        <p:cTn id="12" dur="1" fill="hold">
+                                          <p:stCondLst>
+                                            <p:cond delay="0"/>
+                                          </p:stCondLst>
+                                        </p:cTn>
+                                        <p:tgtEl>
+                                          <p:spTgt spid="3">
+                                            <p:txEl>
+                                              <p:pRg st="2" end="2"/>
+                                            </p:txEl>
+                                          </p:spTgt>
+                                        </p:tgtEl>
+                                        <p:attrNameLst>
+                                          <p:attrName>style.visibility</p:attrName>
+                                        </p:attrNameLst>
+                                      </p:cBhvr>
+                                      <p:to>
+                                        <p:strVal val="visible"/>
+                                      </p:to>
+                                    </p:set>
+                                    <p:animEffect transition="in" filter="fade">
+                                      <p:cBhvr>
+                                        <p:cTn id="13" dur="500"/>
+                                        <p:tgtEl>
+                                          <p:spTgt spid="3">
+                                            <p:txEl>
+                                              <p:pRg st="2" end="2"/>
+                                            </p:txEl>
+                                          </p:spTgt>
+                                        </p:tgtEl>
+                                      </p:cBhvr>
+                                    </p:animEffect>
+                                  </p:childTnLst>
+                                </p:cTn>
+                              </p:par>
+                            </p:childTnLst>
+                          </p:cTn>
+                        </p:par>
+                      </p:childTnLst>
+                    </p:cTn>
+                  </p:par>
+                  <p:par>
+                    <p:cTn id="14" fill="hold">
+                      <p:stCondLst>
+                        <p:cond delay="indefinite"/>
+                      </p:stCondLst>
+                      <p:childTnLst>
+                        <p:par>
+                          <p:cTn id="15" fill="hold">
+                            <p:stCondLst>
+                              <p:cond delay="0"/>
+                            </p:stCondLst>
+                            <p:childTnLst>
+                              <p:par>
+                                <p:cTn id="16" presetID="10" presetClass="entr" presetSubtype="0" fill="hold" nodeType="clickEffect">
+                                  <p:stCondLst>
+                                    <p:cond delay="0"/>
+                                  </p:stCondLst>
+                                  <p:childTnLst>
+                                    <p:set>
+                                      <p:cBhvr>
+                                        <p:cTn id="17" dur="1" fill="hold">
+                                          <p:stCondLst>
+                                            <p:cond delay="0"/>
+                                          </p:stCondLst>
+                                        </p:cTn>
+                                        <p:tgtEl>
+                                          <p:spTgt spid="3">
+                                            <p:txEl>
+                                              <p:pRg st="3" end="3"/>
+                                            </p:txEl>
+                                          </p:spTgt>
+                                        </p:tgtEl>
+                                        <p:attrNameLst>
+                                          <p:attrName>style.visibility</p:attrName>
+                                        </p:attrNameLst>
+                                      </p:cBhvr>
+                                      <p:to>
+                                        <p:strVal val="visible"/>
+                                      </p:to>
+                                    </p:set>
+                                    <p:animEffect transition="in" filter="fade">
+                                      <p:cBhvr>
+                                        <p:cTn id="18" dur="500"/>
+                                        <p:tgtEl>
+                                          <p:spTgt spid="3">
+                                            <p:txEl>
+                                              <p:pRg st="3" end="3"/>
+                                            </p:txEl>
+                                          </p:spTgt>
+                                        </p:tgtEl>
+                                      </p:cBhvr>
+                                    </p:animEffect>
+                                  </p:childTnLst>
+                                </p:cTn>
+                              </p:par>
+                              <p:par>
+                                <p:cTn id="19" presetID="10" presetClass="entr" presetSubtype="0" fill="hold" nodeType="withEffect">
+                                  <p:stCondLst>
+                                    <p:cond delay="0"/>
+                                  </p:stCondLst>
+                                  <p:childTnLst>
+                                    <p:set>
+                                      <p:cBhvr>
+                                        <p:cTn id="20" dur="1" fill="hold">
+                                          <p:stCondLst>
+                                            <p:cond delay="0"/>
+                                          </p:stCondLst>
+                                        </p:cTn>
+                                        <p:tgtEl>
+                                          <p:spTgt spid="3">
+                                            <p:txEl>
+                                              <p:pRg st="4" end="4"/>
+                                            </p:txEl>
+                                          </p:spTgt>
+                                        </p:tgtEl>
+                                        <p:attrNameLst>
+                                          <p:attrName>style.visibility</p:attrName>
+                                        </p:attrNameLst>
+                                      </p:cBhvr>
+                                      <p:to>
+                                        <p:strVal val="visible"/>
+                                      </p:to>
+                                    </p:set>
+                                    <p:animEffect transition="in" filter="fade">
+                                      <p:cBhvr>
+                                        <p:cTn id="21" dur="500"/>
+                                        <p:tgtEl>
+                                          <p:spTgt spid="3">
+                                            <p:txEl>
+                                              <p:pRg st="4" end="4"/>
+                                            </p:txEl>
+                                          </p:spTgt>
+                                        </p:tgtEl>
+                                      </p:cBhvr>
+                                    </p:animEffect>
+                                  </p:childTnLst>
+                                </p:cTn>
+                              </p:par>
+                              <p:par>
+                                <p:cTn id="22" presetID="10" presetClass="entr" presetSubtype="0" fill="hold" nodeType="withEffect">
+                                  <p:stCondLst>
+                                    <p:cond delay="0"/>
+                                  </p:stCondLst>
+                                  <p:childTnLst>
+                                    <p:set>
+                                      <p:cBhvr>
+                                        <p:cTn id="23" dur="1" fill="hold">
+                                          <p:stCondLst>
+                                            <p:cond delay="0"/>
+                                          </p:stCondLst>
+                                        </p:cTn>
+                                        <p:tgtEl>
+                                          <p:spTgt spid="3">
+                                            <p:txEl>
+                                              <p:pRg st="5" end="5"/>
+                                            </p:txEl>
+                                          </p:spTgt>
+                                        </p:tgtEl>
+                                        <p:attrNameLst>
+                                          <p:attrName>style.visibility</p:attrName>
+                                        </p:attrNameLst>
+                                      </p:cBhvr>
+                                      <p:to>
+                                        <p:strVal val="visible"/>
+                                      </p:to>
+                                    </p:set>
+                                    <p:animEffect transition="in" filter="fade">
+                                      <p:cBhvr>
+                                        <p:cTn id="24" dur="500"/>
+                                        <p:tgtEl>
+                                          <p:spTgt spid="3">
+                                            <p:txEl>
+                                              <p:pRg st="5" end="5"/>
+                                            </p:txEl>
+                                          </p:spTgt>
+                                        </p:tgtEl>
+                                      </p:cBhvr>
+                                    </p:animEffect>
+                                  </p:childTnLst>
+                                </p:cTn>
+                              </p:par>
+                              <p:par>
+                                <p:cTn id="25" presetID="10" presetClass="entr" presetSubtype="0" fill="hold" nodeType="withEffect">
+                                  <p:stCondLst>
+                                    <p:cond delay="0"/>
+                                  </p:stCondLst>
+                                  <p:childTnLst>
+                                    <p:set>
+                                      <p:cBhvr>
+                                        <p:cTn id="26" dur="1" fill="hold">
+                                          <p:stCondLst>
+                                            <p:cond delay="0"/>
+                                          </p:stCondLst>
+                                        </p:cTn>
+                                        <p:tgtEl>
+                                          <p:spTgt spid="3">
+                                            <p:txEl>
+                                              <p:pRg st="6" end="6"/>
+                                            </p:txEl>
+                                          </p:spTgt>
+                                        </p:tgtEl>
+                                        <p:attrNameLst>
+                                          <p:attrName>style.visibility</p:attrName>
+                                        </p:attrNameLst>
+                                      </p:cBhvr>
+                                      <p:to>
+                                        <p:strVal val="visible"/>
+                                      </p:to>
+                                    </p:set>
+                                    <p:animEffect transition="in" filter="fade">
+                                      <p:cBhvr>
+                                        <p:cTn id="27" dur="500"/>
+                                        <p:tgtEl>
+                                          <p:spTgt spid="3">
+                                            <p:txEl>
+                                              <p:pRg st="6" end="6"/>
+                                            </p:txEl>
+                                          </p:spTgt>
+                                        </p:tgtEl>
+                                      </p:cBhvr>
+                                    </p:animEffect>
+                                  </p:childTnLst>
+                                </p:cTn>
+                              </p:par>
+                            </p:childTnLst>
+                          </p:cTn>
+                        </p:par>
+                      </p:childTnLst>
+                    </p:cTn>
+                  </p:par>
+                </p:childTnLst>
+              </p:cTn>
+              <p:prevCondLst>
+                <p:cond evt="onPrev" delay="0">
+                  <p:tgtEl>
+                    <p:sldTgt/>
+                  </p:tgtEl>
+                </p:cond>
+              </p:prevCondLst>
+              <p:nextCondLst>
+                <p:cond evt="onNext" delay="0">
+                  <p:tgtEl>
+                    <p:sldTgt/>
+                  </p:tgtEl>
+                </p:cond>
+              </p:nextCondLst>
+            </p:seq>
+          </p:childTnLst>
+        </p:cTn>
+      </p:par>
+    </p:tnLst>
+  </p:timing>
+</p:sld>
+</file>
+
+<file path=ppt/slides/slide5.xml><?xml version="1.0" encoding="utf-8"?>
+<p:sld xmlns:a="http://schemas.openxmlformats.org/drawingml/2006/main" xmlns:r="http://schemas.openxmlformats.org/officeDocument/2006/relationships" xmlns:p="http://schemas.openxmlformats.org/presentationml/2006/main">
+  <p:cSld>
+    <p:bg>
+      <p:bgPr>
+        <a:solidFill>
+          <a:schemeClr val="bg1"/>
+        </a:solidFill>
+        <a:effectLst/>
+      </p:bgPr>
+    </p:bg>
+    <p:spTree>
+      <p:nvGrpSpPr>
+        <p:cNvPr id="1" name=""/>
+        <p:cNvGrpSpPr/>
+        <p:nvPr/>
+      </p:nvGrpSpPr>
+      <p:grpSpPr>
+        <a:xfrm>
+          <a:off x="0" y="0"/>
+          <a:ext cx="0" cy="0"/>
+          <a:chOff x="0" y="0"/>
+          <a:chExt cx="0" cy="0"/>
+        </a:xfrm>
+      </p:grpSpPr>
+      <p:sp>
+        <p:nvSpPr>
           <p:cNvPr id="9" name="Rectangle 8">
             <a:extLst>
               <a:ext uri="{FF2B5EF4-FFF2-40B4-BE49-F238E27FC236}">
@@ -21014,7 +25566,7 @@
 </p:sld>
 </file>
 
-<file path=ppt/slides/slide5.xml><?xml version="1.0" encoding="utf-8"?>
+<file path=ppt/slides/slide6.xml><?xml version="1.0" encoding="utf-8"?>
 <p:sld xmlns:a="http://schemas.openxmlformats.org/drawingml/2006/main" xmlns:r="http://schemas.openxmlformats.org/officeDocument/2006/relationships" xmlns:p="http://schemas.openxmlformats.org/presentationml/2006/main">
   <p:cSld>
     <p:spTree>
@@ -21750,7 +26302,7 @@
 </p:sld>
 </file>
 
-<file path=ppt/slides/slide6.xml><?xml version="1.0" encoding="utf-8"?>
+<file path=ppt/slides/slide7.xml><?xml version="1.0" encoding="utf-8"?>
 <p:sld xmlns:a="http://schemas.openxmlformats.org/drawingml/2006/main" xmlns:r="http://schemas.openxmlformats.org/officeDocument/2006/relationships" xmlns:p="http://schemas.openxmlformats.org/presentationml/2006/main">
   <p:cSld>
     <p:spTree>
@@ -21860,7 +26412,7 @@
               <a:rPr lang="en-US" dirty="0">
                 <a:cs typeface="Calibri"/>
               </a:rPr>
-              <a:t>Roll our own(Like last week…)</a:t>
+              <a:t>Roll our own</a:t>
             </a:r>
           </a:p>
           <a:p>
@@ -22304,7 +26856,7 @@
 </p:sld>
 </file>
 
-<file path=ppt/slides/slide7.xml><?xml version="1.0" encoding="utf-8"?>
+<file path=ppt/slides/slide8.xml><?xml version="1.0" encoding="utf-8"?>
 <p:sld xmlns:a="http://schemas.openxmlformats.org/drawingml/2006/main" xmlns:r="http://schemas.openxmlformats.org/officeDocument/2006/relationships" xmlns:p="http://schemas.openxmlformats.org/presentationml/2006/main">
   <p:cSld>
     <p:bg>
@@ -23137,7 +27689,7 @@
 </p:sld>
 </file>
 
-<file path=ppt/slides/slide8.xml><?xml version="1.0" encoding="utf-8"?>
+<file path=ppt/slides/slide9.xml><?xml version="1.0" encoding="utf-8"?>
 <p:sld xmlns:a="http://schemas.openxmlformats.org/drawingml/2006/main" xmlns:r="http://schemas.openxmlformats.org/officeDocument/2006/relationships" xmlns:p="http://schemas.openxmlformats.org/presentationml/2006/main">
   <p:cSld>
     <p:spTree>
@@ -23196,606 +27748,6 @@
   <p:clrMapOvr>
     <a:masterClrMapping/>
   </p:clrMapOvr>
-</p:sld>
-</file>
-
-<file path=ppt/slides/slide9.xml><?xml version="1.0" encoding="utf-8"?>
-<p:sld xmlns:a="http://schemas.openxmlformats.org/drawingml/2006/main" xmlns:r="http://schemas.openxmlformats.org/officeDocument/2006/relationships" xmlns:p="http://schemas.openxmlformats.org/presentationml/2006/main">
-  <p:cSld>
-    <p:spTree>
-      <p:nvGrpSpPr>
-        <p:cNvPr id="1" name=""/>
-        <p:cNvGrpSpPr/>
-        <p:nvPr/>
-      </p:nvGrpSpPr>
-      <p:grpSpPr>
-        <a:xfrm>
-          <a:off x="0" y="0"/>
-          <a:ext cx="0" cy="0"/>
-          <a:chOff x="0" y="0"/>
-          <a:chExt cx="0" cy="0"/>
-        </a:xfrm>
-      </p:grpSpPr>
-      <p:sp>
-        <p:nvSpPr>
-          <p:cNvPr id="2" name="Title 1">
-            <a:extLst>
-              <a:ext uri="{FF2B5EF4-FFF2-40B4-BE49-F238E27FC236}">
-                <a16:creationId xmlns:a16="http://schemas.microsoft.com/office/drawing/2014/main" id="{5205095A-8606-4D22-80E2-597227861743}"/>
-              </a:ext>
-            </a:extLst>
-          </p:cNvPr>
-          <p:cNvSpPr>
-            <a:spLocks noGrp="1"/>
-          </p:cNvSpPr>
-          <p:nvPr>
-            <p:ph type="title"/>
-          </p:nvPr>
-        </p:nvSpPr>
-        <p:spPr/>
-        <p:txBody>
-          <a:bodyPr/>
-          <a:lstStyle/>
-          <a:p>
-            <a:r>
-              <a:rPr lang="en-US" dirty="0">
-                <a:cs typeface="Calibri Light"/>
-              </a:rPr>
-              <a:t>Passport Overview</a:t>
-            </a:r>
-            <a:endParaRPr lang="en-US" dirty="0"/>
-          </a:p>
-        </p:txBody>
-      </p:sp>
-      <p:sp>
-        <p:nvSpPr>
-          <p:cNvPr id="3" name="Content Placeholder 2">
-            <a:extLst>
-              <a:ext uri="{FF2B5EF4-FFF2-40B4-BE49-F238E27FC236}">
-                <a16:creationId xmlns:a16="http://schemas.microsoft.com/office/drawing/2014/main" id="{86F39E7F-088A-4918-821C-67D25EBF798D}"/>
-              </a:ext>
-            </a:extLst>
-          </p:cNvPr>
-          <p:cNvSpPr>
-            <a:spLocks noGrp="1"/>
-          </p:cNvSpPr>
-          <p:nvPr>
-            <p:ph idx="1"/>
-          </p:nvPr>
-        </p:nvSpPr>
-        <p:spPr/>
-        <p:txBody>
-          <a:bodyPr vert="horz" lIns="91440" tIns="45720" rIns="91440" bIns="45720" rtlCol="0" anchor="t">
-            <a:normAutofit/>
-          </a:bodyPr>
-          <a:lstStyle/>
-          <a:p>
-            <a:r>
-              <a:rPr lang="en-US" dirty="0">
-                <a:cs typeface="Calibri"/>
-              </a:rPr>
-              <a:t>Passport offers different authentication mechanisms as </a:t>
-            </a:r>
-            <a:r>
-              <a:rPr lang="en-US" b="1" dirty="0">
-                <a:cs typeface="Calibri"/>
-              </a:rPr>
-              <a:t>Strategies</a:t>
-            </a:r>
-          </a:p>
-          <a:p>
-            <a:pPr lvl="1"/>
-            <a:r>
-              <a:rPr lang="en-US" dirty="0">
-                <a:cs typeface="Calibri"/>
-              </a:rPr>
-              <a:t>You install just the modules you require for a particular strategy</a:t>
-            </a:r>
-          </a:p>
-          <a:p>
-            <a:r>
-              <a:rPr lang="en-US" dirty="0">
-                <a:cs typeface="Calibri"/>
-              </a:rPr>
-              <a:t>Authenticate by calling </a:t>
-            </a:r>
-            <a:r>
-              <a:rPr lang="en-US" dirty="0" err="1">
-                <a:cs typeface="Calibri"/>
-              </a:rPr>
-              <a:t>passport.authenticate</a:t>
-            </a:r>
-            <a:r>
-              <a:rPr lang="en-US" dirty="0">
-                <a:cs typeface="Calibri"/>
-              </a:rPr>
-              <a:t>()</a:t>
-            </a:r>
-          </a:p>
-          <a:p>
-            <a:pPr lvl="1"/>
-            <a:r>
-              <a:rPr lang="en-US" dirty="0">
-                <a:cs typeface="Calibri"/>
-              </a:rPr>
-              <a:t>specify which strategy to use. </a:t>
-            </a:r>
-          </a:p>
-          <a:p>
-            <a:r>
-              <a:rPr lang="en-US" dirty="0">
-                <a:cs typeface="Calibri"/>
-              </a:rPr>
-              <a:t>The </a:t>
-            </a:r>
-            <a:r>
-              <a:rPr lang="en-US" b="1" dirty="0">
-                <a:cs typeface="Calibri"/>
-              </a:rPr>
-              <a:t>authenticate() </a:t>
-            </a:r>
-            <a:r>
-              <a:rPr lang="en-US" dirty="0">
-                <a:cs typeface="Calibri"/>
-              </a:rPr>
-              <a:t>function signature is a standard Express middleware function…</a:t>
-            </a:r>
-          </a:p>
-          <a:p>
-            <a:pPr lvl="1"/>
-            <a:r>
-              <a:rPr lang="en-US" dirty="0">
-                <a:cs typeface="Calibri"/>
-              </a:rPr>
-              <a:t>Just drop it in..</a:t>
-            </a:r>
-          </a:p>
-          <a:p>
-            <a:pPr marL="0" indent="0">
-              <a:buNone/>
-            </a:pPr>
-            <a:endParaRPr lang="en-US" dirty="0">
-              <a:cs typeface="Calibri"/>
-            </a:endParaRPr>
-          </a:p>
-        </p:txBody>
-      </p:sp>
-      <p:pic>
-        <p:nvPicPr>
-          <p:cNvPr id="5" name="Picture 4">
-            <a:extLst>
-              <a:ext uri="{FF2B5EF4-FFF2-40B4-BE49-F238E27FC236}">
-                <a16:creationId xmlns:a16="http://schemas.microsoft.com/office/drawing/2014/main" id="{A2D14B3D-5D73-4B06-8262-13D5337BF4E2}"/>
-              </a:ext>
-            </a:extLst>
-          </p:cNvPr>
-          <p:cNvPicPr>
-            <a:picLocks noChangeAspect="1"/>
-          </p:cNvPicPr>
-          <p:nvPr/>
-        </p:nvPicPr>
-        <p:blipFill>
-          <a:blip r:embed="rId2"/>
-          <a:stretch>
-            <a:fillRect/>
-          </a:stretch>
-        </p:blipFill>
-        <p:spPr>
-          <a:xfrm>
-            <a:off x="689687" y="5207454"/>
-            <a:ext cx="11883213" cy="558864"/>
-          </a:xfrm>
-          <a:prstGeom prst="rect">
-            <a:avLst/>
-          </a:prstGeom>
-        </p:spPr>
-      </p:pic>
-    </p:spTree>
-    <p:extLst>
-      <p:ext uri="{BB962C8B-B14F-4D97-AF65-F5344CB8AC3E}">
-        <p14:creationId xmlns:p14="http://schemas.microsoft.com/office/powerpoint/2010/main" val="3115253184"/>
-      </p:ext>
-    </p:extLst>
-  </p:cSld>
-  <p:clrMapOvr>
-    <a:masterClrMapping/>
-  </p:clrMapOvr>
-  <p:timing>
-    <p:tnLst>
-      <p:par>
-        <p:cTn id="1" dur="indefinite" restart="never" nodeType="tmRoot">
-          <p:childTnLst>
-            <p:seq concurrent="1" nextAc="seek">
-              <p:cTn id="2" dur="indefinite" nodeType="mainSeq">
-                <p:childTnLst>
-                  <p:par>
-                    <p:cTn id="3" fill="hold">
-                      <p:stCondLst>
-                        <p:cond delay="indefinite"/>
-                      </p:stCondLst>
-                      <p:childTnLst>
-                        <p:par>
-                          <p:cTn id="4" fill="hold">
-                            <p:stCondLst>
-                              <p:cond delay="0"/>
-                            </p:stCondLst>
-                            <p:childTnLst>
-                              <p:par>
-                                <p:cTn id="5" presetID="10" presetClass="entr" presetSubtype="0" fill="hold" nodeType="clickEffect">
-                                  <p:stCondLst>
-                                    <p:cond delay="0"/>
-                                  </p:stCondLst>
-                                  <p:childTnLst>
-                                    <p:set>
-                                      <p:cBhvr>
-                                        <p:cTn id="6" dur="1" fill="hold">
-                                          <p:stCondLst>
-                                            <p:cond delay="0"/>
-                                          </p:stCondLst>
-                                        </p:cTn>
-                                        <p:tgtEl>
-                                          <p:spTgt spid="3">
-                                            <p:txEl>
-                                              <p:pRg st="0" end="0"/>
-                                            </p:txEl>
-                                          </p:spTgt>
-                                        </p:tgtEl>
-                                        <p:attrNameLst>
-                                          <p:attrName>style.visibility</p:attrName>
-                                        </p:attrNameLst>
-                                      </p:cBhvr>
-                                      <p:to>
-                                        <p:strVal val="visible"/>
-                                      </p:to>
-                                    </p:set>
-                                    <p:animEffect transition="in" filter="fade">
-                                      <p:cBhvr>
-                                        <p:cTn id="7" dur="500"/>
-                                        <p:tgtEl>
-                                          <p:spTgt spid="3">
-                                            <p:txEl>
-                                              <p:pRg st="0" end="0"/>
-                                            </p:txEl>
-                                          </p:spTgt>
-                                        </p:tgtEl>
-                                      </p:cBhvr>
-                                    </p:animEffect>
-                                  </p:childTnLst>
-                                </p:cTn>
-                              </p:par>
-                            </p:childTnLst>
-                          </p:cTn>
-                        </p:par>
-                      </p:childTnLst>
-                    </p:cTn>
-                  </p:par>
-                  <p:par>
-                    <p:cTn id="8" fill="hold">
-                      <p:stCondLst>
-                        <p:cond delay="indefinite"/>
-                      </p:stCondLst>
-                      <p:childTnLst>
-                        <p:par>
-                          <p:cTn id="9" fill="hold">
-                            <p:stCondLst>
-                              <p:cond delay="0"/>
-                            </p:stCondLst>
-                            <p:childTnLst>
-                              <p:par>
-                                <p:cTn id="10" presetID="10" presetClass="entr" presetSubtype="0" fill="hold" nodeType="clickEffect">
-                                  <p:stCondLst>
-                                    <p:cond delay="0"/>
-                                  </p:stCondLst>
-                                  <p:childTnLst>
-                                    <p:set>
-                                      <p:cBhvr>
-                                        <p:cTn id="11" dur="1" fill="hold">
-                                          <p:stCondLst>
-                                            <p:cond delay="0"/>
-                                          </p:stCondLst>
-                                        </p:cTn>
-                                        <p:tgtEl>
-                                          <p:spTgt spid="3">
-                                            <p:txEl>
-                                              <p:pRg st="1" end="1"/>
-                                            </p:txEl>
-                                          </p:spTgt>
-                                        </p:tgtEl>
-                                        <p:attrNameLst>
-                                          <p:attrName>style.visibility</p:attrName>
-                                        </p:attrNameLst>
-                                      </p:cBhvr>
-                                      <p:to>
-                                        <p:strVal val="visible"/>
-                                      </p:to>
-                                    </p:set>
-                                    <p:animEffect transition="in" filter="fade">
-                                      <p:cBhvr>
-                                        <p:cTn id="12" dur="500"/>
-                                        <p:tgtEl>
-                                          <p:spTgt spid="3">
-                                            <p:txEl>
-                                              <p:pRg st="1" end="1"/>
-                                            </p:txEl>
-                                          </p:spTgt>
-                                        </p:tgtEl>
-                                      </p:cBhvr>
-                                    </p:animEffect>
-                                  </p:childTnLst>
-                                </p:cTn>
-                              </p:par>
-                            </p:childTnLst>
-                          </p:cTn>
-                        </p:par>
-                      </p:childTnLst>
-                    </p:cTn>
-                  </p:par>
-                  <p:par>
-                    <p:cTn id="13" fill="hold">
-                      <p:stCondLst>
-                        <p:cond delay="indefinite"/>
-                      </p:stCondLst>
-                      <p:childTnLst>
-                        <p:par>
-                          <p:cTn id="14" fill="hold">
-                            <p:stCondLst>
-                              <p:cond delay="0"/>
-                            </p:stCondLst>
-                            <p:childTnLst>
-                              <p:par>
-                                <p:cTn id="15" presetID="10" presetClass="entr" presetSubtype="0" fill="hold" nodeType="clickEffect">
-                                  <p:stCondLst>
-                                    <p:cond delay="0"/>
-                                  </p:stCondLst>
-                                  <p:childTnLst>
-                                    <p:set>
-                                      <p:cBhvr>
-                                        <p:cTn id="16" dur="1" fill="hold">
-                                          <p:stCondLst>
-                                            <p:cond delay="0"/>
-                                          </p:stCondLst>
-                                        </p:cTn>
-                                        <p:tgtEl>
-                                          <p:spTgt spid="3">
-                                            <p:txEl>
-                                              <p:pRg st="2" end="2"/>
-                                            </p:txEl>
-                                          </p:spTgt>
-                                        </p:tgtEl>
-                                        <p:attrNameLst>
-                                          <p:attrName>style.visibility</p:attrName>
-                                        </p:attrNameLst>
-                                      </p:cBhvr>
-                                      <p:to>
-                                        <p:strVal val="visible"/>
-                                      </p:to>
-                                    </p:set>
-                                    <p:animEffect transition="in" filter="fade">
-                                      <p:cBhvr>
-                                        <p:cTn id="17" dur="500"/>
-                                        <p:tgtEl>
-                                          <p:spTgt spid="3">
-                                            <p:txEl>
-                                              <p:pRg st="2" end="2"/>
-                                            </p:txEl>
-                                          </p:spTgt>
-                                        </p:tgtEl>
-                                      </p:cBhvr>
-                                    </p:animEffect>
-                                  </p:childTnLst>
-                                </p:cTn>
-                              </p:par>
-                            </p:childTnLst>
-                          </p:cTn>
-                        </p:par>
-                      </p:childTnLst>
-                    </p:cTn>
-                  </p:par>
-                  <p:par>
-                    <p:cTn id="18" fill="hold">
-                      <p:stCondLst>
-                        <p:cond delay="indefinite"/>
-                      </p:stCondLst>
-                      <p:childTnLst>
-                        <p:par>
-                          <p:cTn id="19" fill="hold">
-                            <p:stCondLst>
-                              <p:cond delay="0"/>
-                            </p:stCondLst>
-                            <p:childTnLst>
-                              <p:par>
-                                <p:cTn id="20" presetID="10" presetClass="entr" presetSubtype="0" fill="hold" nodeType="clickEffect">
-                                  <p:stCondLst>
-                                    <p:cond delay="0"/>
-                                  </p:stCondLst>
-                                  <p:childTnLst>
-                                    <p:set>
-                                      <p:cBhvr>
-                                        <p:cTn id="21" dur="1" fill="hold">
-                                          <p:stCondLst>
-                                            <p:cond delay="0"/>
-                                          </p:stCondLst>
-                                        </p:cTn>
-                                        <p:tgtEl>
-                                          <p:spTgt spid="3">
-                                            <p:txEl>
-                                              <p:pRg st="3" end="3"/>
-                                            </p:txEl>
-                                          </p:spTgt>
-                                        </p:tgtEl>
-                                        <p:attrNameLst>
-                                          <p:attrName>style.visibility</p:attrName>
-                                        </p:attrNameLst>
-                                      </p:cBhvr>
-                                      <p:to>
-                                        <p:strVal val="visible"/>
-                                      </p:to>
-                                    </p:set>
-                                    <p:animEffect transition="in" filter="fade">
-                                      <p:cBhvr>
-                                        <p:cTn id="22" dur="500"/>
-                                        <p:tgtEl>
-                                          <p:spTgt spid="3">
-                                            <p:txEl>
-                                              <p:pRg st="3" end="3"/>
-                                            </p:txEl>
-                                          </p:spTgt>
-                                        </p:tgtEl>
-                                      </p:cBhvr>
-                                    </p:animEffect>
-                                  </p:childTnLst>
-                                </p:cTn>
-                              </p:par>
-                            </p:childTnLst>
-                          </p:cTn>
-                        </p:par>
-                      </p:childTnLst>
-                    </p:cTn>
-                  </p:par>
-                  <p:par>
-                    <p:cTn id="23" fill="hold">
-                      <p:stCondLst>
-                        <p:cond delay="indefinite"/>
-                      </p:stCondLst>
-                      <p:childTnLst>
-                        <p:par>
-                          <p:cTn id="24" fill="hold">
-                            <p:stCondLst>
-                              <p:cond delay="0"/>
-                            </p:stCondLst>
-                            <p:childTnLst>
-                              <p:par>
-                                <p:cTn id="25" presetID="10" presetClass="entr" presetSubtype="0" fill="hold" nodeType="clickEffect">
-                                  <p:stCondLst>
-                                    <p:cond delay="0"/>
-                                  </p:stCondLst>
-                                  <p:childTnLst>
-                                    <p:set>
-                                      <p:cBhvr>
-                                        <p:cTn id="26" dur="1" fill="hold">
-                                          <p:stCondLst>
-                                            <p:cond delay="0"/>
-                                          </p:stCondLst>
-                                        </p:cTn>
-                                        <p:tgtEl>
-                                          <p:spTgt spid="3">
-                                            <p:txEl>
-                                              <p:pRg st="4" end="4"/>
-                                            </p:txEl>
-                                          </p:spTgt>
-                                        </p:tgtEl>
-                                        <p:attrNameLst>
-                                          <p:attrName>style.visibility</p:attrName>
-                                        </p:attrNameLst>
-                                      </p:cBhvr>
-                                      <p:to>
-                                        <p:strVal val="visible"/>
-                                      </p:to>
-                                    </p:set>
-                                    <p:animEffect transition="in" filter="fade">
-                                      <p:cBhvr>
-                                        <p:cTn id="27" dur="500"/>
-                                        <p:tgtEl>
-                                          <p:spTgt spid="3">
-                                            <p:txEl>
-                                              <p:pRg st="4" end="4"/>
-                                            </p:txEl>
-                                          </p:spTgt>
-                                        </p:tgtEl>
-                                      </p:cBhvr>
-                                    </p:animEffect>
-                                  </p:childTnLst>
-                                </p:cTn>
-                              </p:par>
-                            </p:childTnLst>
-                          </p:cTn>
-                        </p:par>
-                      </p:childTnLst>
-                    </p:cTn>
-                  </p:par>
-                  <p:par>
-                    <p:cTn id="28" fill="hold">
-                      <p:stCondLst>
-                        <p:cond delay="indefinite"/>
-                      </p:stCondLst>
-                      <p:childTnLst>
-                        <p:par>
-                          <p:cTn id="29" fill="hold">
-                            <p:stCondLst>
-                              <p:cond delay="0"/>
-                            </p:stCondLst>
-                            <p:childTnLst>
-                              <p:par>
-                                <p:cTn id="30" presetID="10" presetClass="entr" presetSubtype="0" fill="hold" nodeType="clickEffect">
-                                  <p:stCondLst>
-                                    <p:cond delay="0"/>
-                                  </p:stCondLst>
-                                  <p:childTnLst>
-                                    <p:set>
-                                      <p:cBhvr>
-                                        <p:cTn id="31" dur="1" fill="hold">
-                                          <p:stCondLst>
-                                            <p:cond delay="0"/>
-                                          </p:stCondLst>
-                                        </p:cTn>
-                                        <p:tgtEl>
-                                          <p:spTgt spid="3">
-                                            <p:txEl>
-                                              <p:pRg st="5" end="5"/>
-                                            </p:txEl>
-                                          </p:spTgt>
-                                        </p:tgtEl>
-                                        <p:attrNameLst>
-                                          <p:attrName>style.visibility</p:attrName>
-                                        </p:attrNameLst>
-                                      </p:cBhvr>
-                                      <p:to>
-                                        <p:strVal val="visible"/>
-                                      </p:to>
-                                    </p:set>
-                                    <p:animEffect transition="in" filter="fade">
-                                      <p:cBhvr>
-                                        <p:cTn id="32" dur="500"/>
-                                        <p:tgtEl>
-                                          <p:spTgt spid="3">
-                                            <p:txEl>
-                                              <p:pRg st="5" end="5"/>
-                                            </p:txEl>
-                                          </p:spTgt>
-                                        </p:tgtEl>
-                                      </p:cBhvr>
-                                    </p:animEffect>
-                                  </p:childTnLst>
-                                </p:cTn>
-                              </p:par>
-                            </p:childTnLst>
-                          </p:cTn>
-                        </p:par>
-                      </p:childTnLst>
-                    </p:cTn>
-                  </p:par>
-                </p:childTnLst>
-              </p:cTn>
-              <p:prevCondLst>
-                <p:cond evt="onPrev" delay="0">
-                  <p:tgtEl>
-                    <p:sldTgt/>
-                  </p:tgtEl>
-                </p:cond>
-              </p:prevCondLst>
-              <p:nextCondLst>
-                <p:cond evt="onNext" delay="0">
-                  <p:tgtEl>
-                    <p:sldTgt/>
-                  </p:tgtEl>
-                </p:cond>
-              </p:nextCondLst>
-            </p:seq>
-          </p:childTnLst>
-        </p:cTn>
-      </p:par>
-    </p:tnLst>
-  </p:timing>
 </p:sld>
 </file>
 
